--- a/222_presentation.pptx
+++ b/222_presentation.pptx
@@ -117,6 +117,11 @@
       </a:defRPr>
     </a:lvl9pPr>
   </p:defaultTextStyle>
+  <p:extLst>
+    <p:ext uri="{EFAFB233-063F-42B5-8137-9DF3F51BA10A}">
+      <p15:sldGuideLst xmlns:p15="http://schemas.microsoft.com/office/powerpoint/2012/main"/>
+    </p:ext>
+  </p:extLst>
 </p:presentation>
 </file>
 
@@ -130,6 +135,10 @@
     </p:extLst>
   </p:cmAuthor>
 </p:cmAuthorLst>
+</file>
+
+<file path=ppt/revisionInfo.xml><?xml version="1.0" encoding="utf-8"?>
+<p1510:revInfo xmlns:a="http://schemas.openxmlformats.org/drawingml/2006/main" xmlns:r="http://schemas.openxmlformats.org/officeDocument/2006/relationships" xmlns:p1510="http://schemas.microsoft.com/office/powerpoint/2015/10/main"/>
 </file>
 
 <file path=ppt/comments/comment1.xml><?xml version="1.0" encoding="utf-8"?>
@@ -438,7 +447,7 @@
             <a:fld id="{B61BEF0D-F0BB-DE4B-95CE-6DB70DBA9567}" type="datetimeFigureOut">
               <a:rPr lang="en-US" smtClean="0"/>
               <a:pPr/>
-              <a:t>11/14/2017</a:t>
+              <a:t>11/15/2017</a:t>
             </a:fld>
             <a:endParaRPr lang="en-US" dirty="0"/>
           </a:p>
@@ -660,7 +669,7 @@
           <a:p>
             <a:fld id="{55C6B4A9-1611-4792-9094-5F34BCA07E0B}" type="datetimeFigureOut">
               <a:rPr lang="en-US" smtClean="0"/>
-              <a:t>11/14/2017</a:t>
+              <a:t>11/15/2017</a:t>
             </a:fld>
             <a:endParaRPr lang="en-US" dirty="0"/>
           </a:p>
@@ -841,7 +850,7 @@
             <a:fld id="{B61BEF0D-F0BB-DE4B-95CE-6DB70DBA9567}" type="datetimeFigureOut">
               <a:rPr lang="en-US" smtClean="0"/>
               <a:pPr/>
-              <a:t>11/14/2017</a:t>
+              <a:t>11/15/2017</a:t>
             </a:fld>
             <a:endParaRPr lang="en-US" dirty="0"/>
           </a:p>
@@ -1012,7 +1021,7 @@
           <a:p>
             <a:fld id="{42A54C80-263E-416B-A8E0-580EDEADCBDC}" type="datetimeFigureOut">
               <a:rPr lang="en-US" smtClean="0"/>
-              <a:t>11/14/2017</a:t>
+              <a:t>11/15/2017</a:t>
             </a:fld>
             <a:endParaRPr lang="en-US" dirty="0"/>
           </a:p>
@@ -1264,7 +1273,7 @@
             <a:fld id="{B61BEF0D-F0BB-DE4B-95CE-6DB70DBA9567}" type="datetimeFigureOut">
               <a:rPr lang="en-US" smtClean="0"/>
               <a:pPr/>
-              <a:t>11/14/2017</a:t>
+              <a:t>11/15/2017</a:t>
             </a:fld>
             <a:endParaRPr lang="en-US" dirty="0"/>
           </a:p>
@@ -1588,7 +1597,7 @@
           <a:p>
             <a:fld id="{42A54C80-263E-416B-A8E0-580EDEADCBDC}" type="datetimeFigureOut">
               <a:rPr lang="en-US" smtClean="0"/>
-              <a:t>11/14/2017</a:t>
+              <a:t>11/15/2017</a:t>
             </a:fld>
             <a:endParaRPr lang="en-US" dirty="0"/>
           </a:p>
@@ -2013,7 +2022,7 @@
             <a:fld id="{B61BEF0D-F0BB-DE4B-95CE-6DB70DBA9567}" type="datetimeFigureOut">
               <a:rPr lang="en-US" smtClean="0"/>
               <a:pPr/>
-              <a:t>11/14/2017</a:t>
+              <a:t>11/15/2017</a:t>
             </a:fld>
             <a:endParaRPr lang="en-US" dirty="0"/>
           </a:p>
@@ -2133,7 +2142,7 @@
             <a:fld id="{B61BEF0D-F0BB-DE4B-95CE-6DB70DBA9567}" type="datetimeFigureOut">
               <a:rPr lang="en-US" smtClean="0"/>
               <a:pPr/>
-              <a:t>11/14/2017</a:t>
+              <a:t>11/15/2017</a:t>
             </a:fld>
             <a:endParaRPr lang="en-US" dirty="0"/>
           </a:p>
@@ -2230,7 +2239,7 @@
             <a:fld id="{B61BEF0D-F0BB-DE4B-95CE-6DB70DBA9567}" type="datetimeFigureOut">
               <a:rPr lang="en-US" smtClean="0"/>
               <a:pPr/>
-              <a:t>11/14/2017</a:t>
+              <a:t>11/15/2017</a:t>
             </a:fld>
             <a:endParaRPr lang="en-US" dirty="0"/>
           </a:p>
@@ -2521,7 +2530,7 @@
           <a:p>
             <a:fld id="{42A54C80-263E-416B-A8E0-580EDEADCBDC}" type="datetimeFigureOut">
               <a:rPr lang="en-US" smtClean="0"/>
-              <a:t>11/14/2017</a:t>
+              <a:t>11/15/2017</a:t>
             </a:fld>
             <a:endParaRPr lang="en-US" dirty="0"/>
           </a:p>
@@ -2794,7 +2803,7 @@
             <a:fld id="{B61BEF0D-F0BB-DE4B-95CE-6DB70DBA9567}" type="datetimeFigureOut">
               <a:rPr lang="en-US" smtClean="0"/>
               <a:pPr/>
-              <a:t>11/14/2017</a:t>
+              <a:t>11/15/2017</a:t>
             </a:fld>
             <a:endParaRPr lang="en-US" dirty="0"/>
           </a:p>
@@ -3050,7 +3059,7 @@
             <a:fld id="{B61BEF0D-F0BB-DE4B-95CE-6DB70DBA9567}" type="datetimeFigureOut">
               <a:rPr lang="en-US" smtClean="0"/>
               <a:pPr/>
-              <a:t>11/14/2017</a:t>
+              <a:t>11/15/2017</a:t>
             </a:fld>
             <a:endParaRPr lang="en-US" dirty="0"/>
           </a:p>
@@ -3677,14 +3686,19 @@
             <p:ph type="title"/>
           </p:nvPr>
         </p:nvSpPr>
-        <p:spPr/>
+        <p:spPr>
+          <a:xfrm>
+            <a:off x="828675" y="58056"/>
+            <a:ext cx="9875520" cy="1356360"/>
+          </a:xfrm>
+        </p:spPr>
         <p:txBody>
           <a:bodyPr/>
           <a:lstStyle/>
           <a:p>
             <a:r>
               <a:rPr lang="en-US" dirty="0"/>
-              <a:t>Exact distribution (Chi-squared distribution)</a:t>
+              <a:t>Exact distribution (Chi-squared dist.)</a:t>
             </a:r>
           </a:p>
         </p:txBody>
@@ -3741,8 +3755,153 @@
         </p:blipFill>
         <p:spPr>
           <a:xfrm>
-            <a:off x="1523999" y="1965960"/>
-            <a:ext cx="5676901" cy="4067879"/>
+            <a:off x="-2923969" y="1330917"/>
+            <a:ext cx="2994465" cy="2145734"/>
+          </a:xfrm>
+          <a:prstGeom prst="rect">
+            <a:avLst/>
+          </a:prstGeom>
+        </p:spPr>
+      </p:pic>
+      <p:sp>
+        <p:nvSpPr>
+          <p:cNvPr id="6" name="TextBox 5">
+            <a:extLst>
+              <a:ext uri="{FF2B5EF4-FFF2-40B4-BE49-F238E27FC236}">
+                <a16:creationId xmlns:a16="http://schemas.microsoft.com/office/drawing/2014/main" id="{B9C495EE-3DE5-4A87-ACF6-239276903F03}"/>
+              </a:ext>
+            </a:extLst>
+          </p:cNvPr>
+          <p:cNvSpPr txBox="1"/>
+          <p:nvPr/>
+        </p:nvSpPr>
+        <p:spPr>
+          <a:xfrm>
+            <a:off x="6784975" y="4411163"/>
+            <a:ext cx="3362960" cy="2308324"/>
+          </a:xfrm>
+          <a:prstGeom prst="rect">
+            <a:avLst/>
+          </a:prstGeom>
+          <a:noFill/>
+        </p:spPr>
+        <p:txBody>
+          <a:bodyPr wrap="square" rtlCol="0">
+            <a:spAutoFit/>
+          </a:bodyPr>
+          <a:lstStyle/>
+          <a:p>
+            <a:r>
+              <a:rPr lang="en-US" sz="2400" dirty="0">
+                <a:solidFill>
+                  <a:srgbClr val="FF0000"/>
+                </a:solidFill>
+              </a:rPr>
+              <a:t>I think this could be a good page for the hand-waving?? If this math is correct, I’ll type it up and </a:t>
+            </a:r>
+            <a:r>
+              <a:rPr lang="en-US" sz="2400" dirty="0" err="1">
+                <a:solidFill>
+                  <a:srgbClr val="FF0000"/>
+                </a:solidFill>
+              </a:rPr>
+              <a:t>format;but</a:t>
+            </a:r>
+            <a:r>
+              <a:rPr lang="en-US" sz="2400" dirty="0">
+                <a:solidFill>
+                  <a:srgbClr val="FF0000"/>
+                </a:solidFill>
+              </a:rPr>
+              <a:t> likely skip a step or two</a:t>
+            </a:r>
+          </a:p>
+        </p:txBody>
+      </p:sp>
+      <p:pic>
+        <p:nvPicPr>
+          <p:cNvPr id="7" name="Picture 6">
+            <a:extLst>
+              <a:ext uri="{FF2B5EF4-FFF2-40B4-BE49-F238E27FC236}">
+                <a16:creationId xmlns:a16="http://schemas.microsoft.com/office/drawing/2014/main" id="{2CEE23C2-A431-4A46-9950-0C87C2F82D66}"/>
+              </a:ext>
+            </a:extLst>
+          </p:cNvPr>
+          <p:cNvPicPr>
+            <a:picLocks noChangeAspect="1"/>
+          </p:cNvPicPr>
+          <p:nvPr/>
+        </p:nvPicPr>
+        <p:blipFill>
+          <a:blip r:embed="rId4"/>
+          <a:stretch>
+            <a:fillRect/>
+          </a:stretch>
+        </p:blipFill>
+        <p:spPr>
+          <a:xfrm>
+            <a:off x="6199825" y="1263646"/>
+            <a:ext cx="5441491" cy="2912113"/>
+          </a:xfrm>
+          <a:prstGeom prst="rect">
+            <a:avLst/>
+          </a:prstGeom>
+        </p:spPr>
+      </p:pic>
+      <p:pic>
+        <p:nvPicPr>
+          <p:cNvPr id="8" name="Picture 7">
+            <a:extLst>
+              <a:ext uri="{FF2B5EF4-FFF2-40B4-BE49-F238E27FC236}">
+                <a16:creationId xmlns:a16="http://schemas.microsoft.com/office/drawing/2014/main" id="{2FFE9CFD-57E6-4310-BF80-93FCC3F15B9E}"/>
+              </a:ext>
+            </a:extLst>
+          </p:cNvPr>
+          <p:cNvPicPr>
+            <a:picLocks noChangeAspect="1"/>
+          </p:cNvPicPr>
+          <p:nvPr/>
+        </p:nvPicPr>
+        <p:blipFill>
+          <a:blip r:embed="rId5"/>
+          <a:stretch>
+            <a:fillRect/>
+          </a:stretch>
+        </p:blipFill>
+        <p:spPr>
+          <a:xfrm>
+            <a:off x="524827" y="1051014"/>
+            <a:ext cx="5467350" cy="2761344"/>
+          </a:xfrm>
+          <a:prstGeom prst="rect">
+            <a:avLst/>
+          </a:prstGeom>
+        </p:spPr>
+      </p:pic>
+      <p:pic>
+        <p:nvPicPr>
+          <p:cNvPr id="9" name="Picture 8">
+            <a:extLst>
+              <a:ext uri="{FF2B5EF4-FFF2-40B4-BE49-F238E27FC236}">
+                <a16:creationId xmlns:a16="http://schemas.microsoft.com/office/drawing/2014/main" id="{96C93064-D2F7-4162-A02B-3272DAE8E511}"/>
+              </a:ext>
+            </a:extLst>
+          </p:cNvPr>
+          <p:cNvPicPr>
+            <a:picLocks noChangeAspect="1"/>
+          </p:cNvPicPr>
+          <p:nvPr/>
+        </p:nvPicPr>
+        <p:blipFill>
+          <a:blip r:embed="rId6"/>
+          <a:stretch>
+            <a:fillRect/>
+          </a:stretch>
+        </p:blipFill>
+        <p:spPr>
+          <a:xfrm>
+            <a:off x="416494" y="3842135"/>
+            <a:ext cx="5860546" cy="2338387"/>
           </a:xfrm>
           <a:prstGeom prst="rect">
             <a:avLst/>
@@ -4771,8 +4930,8 @@
           <a:chExt cx="0" cy="0"/>
         </a:xfrm>
       </p:grpSpPr>
-      <mc:AlternateContent xmlns:mc="http://schemas.openxmlformats.org/markup-compatibility/2006">
-        <mc:Choice xmlns:a14="http://schemas.microsoft.com/office/drawing/2010/main" Requires="a14">
+      <mc:AlternateContent xmlns:mc="http://schemas.openxmlformats.org/markup-compatibility/2006" xmlns:a14="http://schemas.microsoft.com/office/drawing/2010/main">
+        <mc:Choice Requires="a14">
           <p:sp>
             <p:nvSpPr>
               <p:cNvPr id="3" name="Content Placeholder 2">
@@ -5125,7 +5284,7 @@
             </p:txBody>
           </p:sp>
         </mc:Choice>
-        <mc:Fallback>
+        <mc:Fallback xmlns="">
           <p:sp>
             <p:nvSpPr>
               <p:cNvPr id="3" name="Content Placeholder 2">
@@ -5323,8 +5482,8 @@
           <a:chExt cx="0" cy="0"/>
         </a:xfrm>
       </p:grpSpPr>
-      <mc:AlternateContent xmlns:mc="http://schemas.openxmlformats.org/markup-compatibility/2006">
-        <mc:Choice xmlns:a14="http://schemas.microsoft.com/office/drawing/2010/main" Requires="a14">
+      <mc:AlternateContent xmlns:mc="http://schemas.openxmlformats.org/markup-compatibility/2006" xmlns:a14="http://schemas.microsoft.com/office/drawing/2010/main">
+        <mc:Choice Requires="a14">
           <p:sp>
             <p:nvSpPr>
               <p:cNvPr id="3" name="Content Placeholder 2">
@@ -5372,28 +5531,38 @@
                       <m:sSub>
                         <m:sSubPr>
                           <m:ctrlPr>
-                            <a:rPr lang="en-US" sz="2000" i="1"/>
+                            <a:rPr lang="en-US" sz="2000" i="1">
+                              <a:latin typeface="Cambria Math" panose="02040503050406030204" pitchFamily="18" charset="0"/>
+                            </a:rPr>
                           </m:ctrlPr>
                         </m:sSubPr>
                         <m:e>
                           <m:r>
-                            <a:rPr lang="en-US" sz="2000" i="1"/>
+                            <a:rPr lang="en-US" sz="2000" i="1">
+                              <a:latin typeface="Cambria Math" panose="02040503050406030204" pitchFamily="18" charset="0"/>
+                            </a:rPr>
                             <m:t>𝐹</m:t>
                           </m:r>
                         </m:e>
                         <m:sub>
                           <m:r>
-                            <a:rPr lang="en-US" sz="2000" i="1"/>
+                            <a:rPr lang="en-US" sz="2000" i="1">
+                              <a:latin typeface="Cambria Math" panose="02040503050406030204" pitchFamily="18" charset="0"/>
+                            </a:rPr>
                             <m:t>𝑥</m:t>
                           </m:r>
                         </m:sub>
                       </m:sSub>
                       <m:r>
-                        <a:rPr lang="en-US" sz="2000" i="1"/>
+                        <a:rPr lang="en-US" sz="2000" i="1">
+                          <a:latin typeface="Cambria Math" panose="02040503050406030204" pitchFamily="18" charset="0"/>
+                        </a:rPr>
                         <m:t>𝜇</m:t>
                       </m:r>
                       <m:r>
-                        <a:rPr lang="en-US" sz="2000" i="1"/>
+                        <a:rPr lang="en-US" sz="2000" i="1">
+                          <a:latin typeface="Cambria Math" panose="02040503050406030204" pitchFamily="18" charset="0"/>
+                        </a:rPr>
                         <m:t>=1/2</m:t>
                       </m:r>
                     </m:oMath>
@@ -5427,18 +5596,24 @@
                       <m:sSub>
                         <m:sSubPr>
                           <m:ctrlPr>
-                            <a:rPr lang="en-US" sz="2000" i="1"/>
+                            <a:rPr lang="en-US" sz="2000" i="1">
+                              <a:latin typeface="Cambria Math" panose="02040503050406030204" pitchFamily="18" charset="0"/>
+                            </a:rPr>
                           </m:ctrlPr>
                         </m:sSubPr>
                         <m:e>
                           <m:r>
-                            <a:rPr lang="en-US" sz="2000" i="1"/>
+                            <a:rPr lang="en-US" sz="2000" i="1">
+                              <a:latin typeface="Cambria Math" panose="02040503050406030204" pitchFamily="18" charset="0"/>
+                            </a:rPr>
                             <m:t>𝐹</m:t>
                           </m:r>
                         </m:e>
                         <m:sub>
                           <m:r>
-                            <a:rPr lang="en-US" sz="2000" i="1"/>
+                            <a:rPr lang="en-US" sz="2000" i="1">
+                              <a:latin typeface="Cambria Math" panose="02040503050406030204" pitchFamily="18" charset="0"/>
+                            </a:rPr>
                             <m:t>𝑥</m:t>
                           </m:r>
                         </m:sub>
@@ -5446,24 +5621,32 @@
                       <m:d>
                         <m:dPr>
                           <m:ctrlPr>
-                            <a:rPr lang="en-US" sz="2000" i="1"/>
+                            <a:rPr lang="en-US" sz="2000" i="1">
+                              <a:latin typeface="Cambria Math" panose="02040503050406030204" pitchFamily="18" charset="0"/>
+                            </a:rPr>
                           </m:ctrlPr>
                         </m:dPr>
                         <m:e>
                           <m:r>
-                            <a:rPr lang="en-US" sz="2000" i="1"/>
+                            <a:rPr lang="en-US" sz="2000" i="1">
+                              <a:latin typeface="Cambria Math" panose="02040503050406030204" pitchFamily="18" charset="0"/>
+                            </a:rPr>
                             <m:t>𝑥</m:t>
                           </m:r>
                         </m:e>
                       </m:d>
                       <m:r>
-                        <a:rPr lang="en-US" sz="2000" i="1"/>
+                        <a:rPr lang="en-US" sz="2000" i="1">
+                          <a:latin typeface="Cambria Math" panose="02040503050406030204" pitchFamily="18" charset="0"/>
+                        </a:rPr>
                         <m:t>=</m:t>
                       </m:r>
                       <m:func>
                         <m:funcPr>
                           <m:ctrlPr>
-                            <a:rPr lang="en-US" sz="2000" i="1"/>
+                            <a:rPr lang="en-US" sz="2000" i="1">
+                              <a:latin typeface="Cambria Math" panose="02040503050406030204" pitchFamily="18" charset="0"/>
+                            </a:rPr>
                           </m:ctrlPr>
                         </m:funcPr>
                         <m:fName>
@@ -5471,7 +5654,9 @@
                             <m:rPr>
                               <m:sty m:val="p"/>
                             </m:rPr>
-                            <a:rPr lang="en-US" sz="2000"/>
+                            <a:rPr lang="en-US" sz="2000">
+                              <a:latin typeface="Cambria Math" panose="02040503050406030204" pitchFamily="18" charset="0"/>
+                            </a:rPr>
                             <m:t>Pr</m:t>
                           </m:r>
                         </m:fName>
@@ -5479,20 +5664,28 @@
                           <m:d>
                             <m:dPr>
                               <m:ctrlPr>
-                                <a:rPr lang="en-US" sz="2000" i="1"/>
+                                <a:rPr lang="en-US" sz="2000" i="1">
+                                  <a:latin typeface="Cambria Math" panose="02040503050406030204" pitchFamily="18" charset="0"/>
+                                </a:rPr>
                               </m:ctrlPr>
                             </m:dPr>
                             <m:e>
                               <m:r>
-                                <a:rPr lang="en-US" sz="2000" i="1"/>
+                                <a:rPr lang="en-US" sz="2000" i="1">
+                                  <a:latin typeface="Cambria Math" panose="02040503050406030204" pitchFamily="18" charset="0"/>
+                                </a:rPr>
                                 <m:t>𝑋</m:t>
                               </m:r>
                               <m:r>
-                                <a:rPr lang="en-US" sz="2000" i="1"/>
+                                <a:rPr lang="en-US" sz="2000" i="1">
+                                  <a:latin typeface="Cambria Math" panose="02040503050406030204" pitchFamily="18" charset="0"/>
+                                </a:rPr>
                                 <m:t>≤</m:t>
                               </m:r>
                               <m:r>
-                                <a:rPr lang="en-US" sz="2000" i="1"/>
+                                <a:rPr lang="en-US" sz="2000" i="1">
+                                  <a:latin typeface="Cambria Math" panose="02040503050406030204" pitchFamily="18" charset="0"/>
+                                </a:rPr>
                                 <m:t>𝑥</m:t>
                               </m:r>
                             </m:e>
@@ -5500,25 +5693,33 @@
                         </m:e>
                       </m:func>
                       <m:r>
-                        <a:rPr lang="en-US" sz="2000" i="1"/>
+                        <a:rPr lang="en-US" sz="2000" i="1">
+                          <a:latin typeface="Cambria Math" panose="02040503050406030204" pitchFamily="18" charset="0"/>
+                        </a:rPr>
                         <m:t>=</m:t>
                       </m:r>
                       <m:nary>
                         <m:naryPr>
                           <m:limLoc m:val="undOvr"/>
                           <m:ctrlPr>
-                            <a:rPr lang="en-US" sz="2000" i="1"/>
+                            <a:rPr lang="en-US" sz="2000" i="1">
+                              <a:latin typeface="Cambria Math" panose="02040503050406030204" pitchFamily="18" charset="0"/>
+                            </a:rPr>
                           </m:ctrlPr>
                         </m:naryPr>
                         <m:sub>
                           <m:r>
-                            <a:rPr lang="en-US" sz="2000" i="1"/>
+                            <a:rPr lang="en-US" sz="2000" i="1">
+                              <a:latin typeface="Cambria Math" panose="02040503050406030204" pitchFamily="18" charset="0"/>
+                            </a:rPr>
                             <m:t>0</m:t>
                           </m:r>
                         </m:sub>
                         <m:sup>
                           <m:r>
-                            <a:rPr lang="en-US" sz="2000" i="1"/>
+                            <a:rPr lang="en-US" sz="2000" i="1">
+                              <a:latin typeface="Cambria Math" panose="02040503050406030204" pitchFamily="18" charset="0"/>
+                            </a:rPr>
                             <m:t>𝑥</m:t>
                           </m:r>
                         </m:sup>
@@ -5533,18 +5734,24 @@
                           <m:sSup>
                             <m:sSupPr>
                               <m:ctrlPr>
-                                <a:rPr lang="en-US" sz="2000" i="1"/>
+                                <a:rPr lang="en-US" sz="2000" i="1">
+                                  <a:latin typeface="Cambria Math" panose="02040503050406030204" pitchFamily="18" charset="0"/>
+                                </a:rPr>
                               </m:ctrlPr>
                             </m:sSupPr>
                             <m:e>
                               <m:r>
-                                <a:rPr lang="en-US" sz="2000" i="1"/>
+                                <a:rPr lang="en-US" sz="2000" i="1">
+                                  <a:latin typeface="Cambria Math" panose="02040503050406030204" pitchFamily="18" charset="0"/>
+                                </a:rPr>
                                 <m:t>𝑒</m:t>
                               </m:r>
                             </m:e>
                             <m:sup>
                               <m:r>
-                                <a:rPr lang="en-US" sz="2000" i="1"/>
+                                <a:rPr lang="en-US" sz="2000" i="1">
+                                  <a:latin typeface="Cambria Math" panose="02040503050406030204" pitchFamily="18" charset="0"/>
+                                </a:rPr>
                                 <m:t>−</m:t>
                               </m:r>
                               <m:r>
@@ -5555,34 +5762,46 @@
                                 <m:t>𝜃</m:t>
                               </m:r>
                               <m:r>
-                                <a:rPr lang="en-US" sz="2000" i="1"/>
+                                <a:rPr lang="en-US" sz="2000" i="1">
+                                  <a:latin typeface="Cambria Math" panose="02040503050406030204" pitchFamily="18" charset="0"/>
+                                </a:rPr>
                                 <m:t>𝑡</m:t>
                               </m:r>
                             </m:sup>
                           </m:sSup>
                           <m:r>
-                            <a:rPr lang="en-US" sz="2000" i="1"/>
+                            <a:rPr lang="en-US" sz="2000" i="1">
+                              <a:latin typeface="Cambria Math" panose="02040503050406030204" pitchFamily="18" charset="0"/>
+                            </a:rPr>
                             <m:t>𝑑𝑡</m:t>
                           </m:r>
                           <m:r>
-                            <a:rPr lang="en-US" sz="2000" i="1"/>
+                            <a:rPr lang="en-US" sz="2000" i="1">
+                              <a:latin typeface="Cambria Math" panose="02040503050406030204" pitchFamily="18" charset="0"/>
+                            </a:rPr>
                             <m:t>=1−</m:t>
                           </m:r>
                           <m:sSup>
                             <m:sSupPr>
                               <m:ctrlPr>
-                                <a:rPr lang="en-US" sz="2000" i="1"/>
+                                <a:rPr lang="en-US" sz="2000" i="1">
+                                  <a:latin typeface="Cambria Math" panose="02040503050406030204" pitchFamily="18" charset="0"/>
+                                </a:rPr>
                               </m:ctrlPr>
                             </m:sSupPr>
                             <m:e>
                               <m:r>
-                                <a:rPr lang="en-US" sz="2000" i="1"/>
+                                <a:rPr lang="en-US" sz="2000" i="1">
+                                  <a:latin typeface="Cambria Math" panose="02040503050406030204" pitchFamily="18" charset="0"/>
+                                </a:rPr>
                                 <m:t>𝑒</m:t>
                               </m:r>
                             </m:e>
                             <m:sup>
                               <m:r>
-                                <a:rPr lang="en-US" sz="2000" i="1"/>
+                                <a:rPr lang="en-US" sz="2000" i="1">
+                                  <a:latin typeface="Cambria Math" panose="02040503050406030204" pitchFamily="18" charset="0"/>
+                                </a:rPr>
                                 <m:t>−</m:t>
                               </m:r>
                               <m:r>
@@ -5593,7 +5812,9 @@
                                 <m:t>𝜃</m:t>
                               </m:r>
                               <m:r>
-                                <a:rPr lang="en-US" sz="2000" i="1"/>
+                                <a:rPr lang="en-US" sz="2000" i="1">
+                                  <a:latin typeface="Cambria Math" panose="02040503050406030204" pitchFamily="18" charset="0"/>
+                                </a:rPr>
                                 <m:t>𝑡</m:t>
                               </m:r>
                             </m:sup>
@@ -5616,64 +5837,92 @@
                     </m:oMathParaPr>
                     <m:oMath xmlns:m="http://schemas.openxmlformats.org/officeDocument/2006/math">
                       <m:r>
-                        <a:rPr lang="en-US" sz="2000" i="1"/>
+                        <a:rPr lang="en-US" sz="2000" i="1">
+                          <a:latin typeface="Cambria Math" panose="02040503050406030204" pitchFamily="18" charset="0"/>
+                        </a:rPr>
                         <m:t>𝐹𝑜𝑟</m:t>
                       </m:r>
                       <m:r>
-                        <a:rPr lang="en-US" sz="2000" i="1"/>
+                        <a:rPr lang="en-US" sz="2000" i="1">
+                          <a:latin typeface="Cambria Math" panose="02040503050406030204" pitchFamily="18" charset="0"/>
+                        </a:rPr>
                         <m:t> </m:t>
                       </m:r>
                       <m:r>
-                        <a:rPr lang="en-US" sz="2000" i="1"/>
+                        <a:rPr lang="en-US" sz="2000" i="1">
+                          <a:latin typeface="Cambria Math" panose="02040503050406030204" pitchFamily="18" charset="0"/>
+                        </a:rPr>
                         <m:t>𝑚𝑒𝑑𝑖𝑎𝑛</m:t>
                       </m:r>
                       <m:r>
-                        <a:rPr lang="en-US" sz="2000" i="1"/>
+                        <a:rPr lang="en-US" sz="2000" i="1">
+                          <a:latin typeface="Cambria Math" panose="02040503050406030204" pitchFamily="18" charset="0"/>
+                        </a:rPr>
                         <m:t>, </m:t>
                       </m:r>
                       <m:r>
-                        <a:rPr lang="en-US" sz="2000" i="1"/>
+                        <a:rPr lang="en-US" sz="2000" i="1">
+                          <a:latin typeface="Cambria Math" panose="02040503050406030204" pitchFamily="18" charset="0"/>
+                        </a:rPr>
                         <m:t>𝑠𝑜𝑙𝑣𝑒</m:t>
                       </m:r>
                       <m:r>
-                        <a:rPr lang="en-US" sz="2000" i="1"/>
+                        <a:rPr lang="en-US" sz="2000" i="1">
+                          <a:latin typeface="Cambria Math" panose="02040503050406030204" pitchFamily="18" charset="0"/>
+                        </a:rPr>
                         <m:t> </m:t>
                       </m:r>
                       <m:r>
-                        <a:rPr lang="en-US" sz="2000" i="1"/>
+                        <a:rPr lang="en-US" sz="2000" i="1">
+                          <a:latin typeface="Cambria Math" panose="02040503050406030204" pitchFamily="18" charset="0"/>
+                        </a:rPr>
                         <m:t>𝑓𝑜𝑟</m:t>
                       </m:r>
                       <m:r>
-                        <a:rPr lang="en-US" sz="2000" i="1"/>
+                        <a:rPr lang="en-US" sz="2000" i="1">
+                          <a:latin typeface="Cambria Math" panose="02040503050406030204" pitchFamily="18" charset="0"/>
+                        </a:rPr>
                         <m:t> </m:t>
                       </m:r>
                       <m:r>
-                        <a:rPr lang="en-US" sz="2000" i="1"/>
+                        <a:rPr lang="en-US" sz="2000" i="1">
+                          <a:latin typeface="Cambria Math" panose="02040503050406030204" pitchFamily="18" charset="0"/>
+                        </a:rPr>
                         <m:t>𝑚</m:t>
                       </m:r>
                       <m:r>
-                        <a:rPr lang="en-US" sz="2000" i="1"/>
+                        <a:rPr lang="en-US" sz="2000" i="1">
+                          <a:latin typeface="Cambria Math" panose="02040503050406030204" pitchFamily="18" charset="0"/>
+                        </a:rPr>
                         <m:t>: </m:t>
                       </m:r>
                       <m:sSup>
                         <m:sSupPr>
                           <m:ctrlPr>
-                            <a:rPr lang="en-US" sz="2000" i="1"/>
+                            <a:rPr lang="en-US" sz="2000" i="1">
+                              <a:latin typeface="Cambria Math" panose="02040503050406030204" pitchFamily="18" charset="0"/>
+                            </a:rPr>
                           </m:ctrlPr>
                         </m:sSupPr>
                         <m:e>
                           <m:r>
-                            <a:rPr lang="en-US" sz="2000" i="1"/>
+                            <a:rPr lang="en-US" sz="2000" i="1">
+                              <a:latin typeface="Cambria Math" panose="02040503050406030204" pitchFamily="18" charset="0"/>
+                            </a:rPr>
                             <m:t>1−</m:t>
                           </m:r>
                           <m:r>
-                            <a:rPr lang="en-US" sz="2000" i="1"/>
+                            <a:rPr lang="en-US" sz="2000" i="1">
+                              <a:latin typeface="Cambria Math" panose="02040503050406030204" pitchFamily="18" charset="0"/>
+                            </a:rPr>
                             <m:t>𝑒</m:t>
                           </m:r>
                         </m:e>
                         <m:sup>
                           <m:r>
-                            <a:rPr lang="en-US" sz="2000" i="1"/>
+                            <a:rPr lang="en-US" sz="2000" i="1">
+                              <a:latin typeface="Cambria Math" panose="02040503050406030204" pitchFamily="18" charset="0"/>
+                            </a:rPr>
                             <m:t>−</m:t>
                           </m:r>
                           <m:r>
@@ -5684,31 +5933,41 @@
                             <m:t>𝜃</m:t>
                           </m:r>
                           <m:r>
-                            <a:rPr lang="en-US" sz="2000" i="1"/>
+                            <a:rPr lang="en-US" sz="2000" i="1">
+                              <a:latin typeface="Cambria Math" panose="02040503050406030204" pitchFamily="18" charset="0"/>
+                            </a:rPr>
                             <m:t>𝑚</m:t>
                           </m:r>
                         </m:sup>
                       </m:sSup>
                       <m:r>
-                        <a:rPr lang="en-US" sz="2000" i="1"/>
+                        <a:rPr lang="en-US" sz="2000" i="1">
+                          <a:latin typeface="Cambria Math" panose="02040503050406030204" pitchFamily="18" charset="0"/>
+                        </a:rPr>
                         <m:t>=</m:t>
                       </m:r>
                       <m:f>
                         <m:fPr>
                           <m:type m:val="skw"/>
                           <m:ctrlPr>
-                            <a:rPr lang="en-US" sz="2000" i="1"/>
+                            <a:rPr lang="en-US" sz="2000" i="1">
+                              <a:latin typeface="Cambria Math" panose="02040503050406030204" pitchFamily="18" charset="0"/>
+                            </a:rPr>
                           </m:ctrlPr>
                         </m:fPr>
                         <m:num>
                           <m:r>
-                            <a:rPr lang="en-US" sz="2000" i="1"/>
+                            <a:rPr lang="en-US" sz="2000" i="1">
+                              <a:latin typeface="Cambria Math" panose="02040503050406030204" pitchFamily="18" charset="0"/>
+                            </a:rPr>
                             <m:t>1</m:t>
                           </m:r>
                         </m:num>
                         <m:den>
                           <m:r>
-                            <a:rPr lang="en-US" sz="2000" i="1"/>
+                            <a:rPr lang="en-US" sz="2000" i="1">
+                              <a:latin typeface="Cambria Math" panose="02040503050406030204" pitchFamily="18" charset="0"/>
+                            </a:rPr>
                             <m:t>2</m:t>
                           </m:r>
                         </m:den>
@@ -5727,18 +5986,24 @@
                     <m:sSup>
                       <m:sSupPr>
                         <m:ctrlPr>
-                          <a:rPr lang="en-US" sz="2000" i="1"/>
+                          <a:rPr lang="en-US" sz="2000" i="1">
+                            <a:latin typeface="Cambria Math" panose="02040503050406030204" pitchFamily="18" charset="0"/>
+                          </a:rPr>
                         </m:ctrlPr>
                       </m:sSupPr>
                       <m:e>
                         <m:r>
-                          <a:rPr lang="en-US" sz="2000" i="1"/>
+                          <a:rPr lang="en-US" sz="2000" i="1">
+                            <a:latin typeface="Cambria Math" panose="02040503050406030204" pitchFamily="18" charset="0"/>
+                          </a:rPr>
                           <m:t>𝑒</m:t>
                         </m:r>
                       </m:e>
                       <m:sup>
                         <m:r>
-                          <a:rPr lang="en-US" sz="2000" i="1"/>
+                          <a:rPr lang="en-US" sz="2000" i="1">
+                            <a:latin typeface="Cambria Math" panose="02040503050406030204" pitchFamily="18" charset="0"/>
+                          </a:rPr>
                           <m:t>−</m:t>
                         </m:r>
                         <m:r>
@@ -5749,31 +6014,41 @@
                           <m:t>𝜃</m:t>
                         </m:r>
                         <m:r>
-                          <a:rPr lang="en-US" sz="2000" i="1"/>
+                          <a:rPr lang="en-US" sz="2000" i="1">
+                            <a:latin typeface="Cambria Math" panose="02040503050406030204" pitchFamily="18" charset="0"/>
+                          </a:rPr>
                           <m:t>𝑚</m:t>
                         </m:r>
                       </m:sup>
                     </m:sSup>
                     <m:r>
-                      <a:rPr lang="en-US" sz="2000" i="1"/>
+                      <a:rPr lang="en-US" sz="2000" i="1">
+                        <a:latin typeface="Cambria Math" panose="02040503050406030204" pitchFamily="18" charset="0"/>
+                      </a:rPr>
                       <m:t>=</m:t>
                     </m:r>
                     <m:f>
                       <m:fPr>
                         <m:type m:val="skw"/>
                         <m:ctrlPr>
-                          <a:rPr lang="en-US" sz="2000" i="1"/>
+                          <a:rPr lang="en-US" sz="2000" i="1">
+                            <a:latin typeface="Cambria Math" panose="02040503050406030204" pitchFamily="18" charset="0"/>
+                          </a:rPr>
                         </m:ctrlPr>
                       </m:fPr>
                       <m:num>
                         <m:r>
-                          <a:rPr lang="en-US" sz="2000" i="1"/>
+                          <a:rPr lang="en-US" sz="2000" i="1">
+                            <a:latin typeface="Cambria Math" panose="02040503050406030204" pitchFamily="18" charset="0"/>
+                          </a:rPr>
                           <m:t>1</m:t>
                         </m:r>
                       </m:num>
                       <m:den>
                         <m:r>
-                          <a:rPr lang="en-US" sz="2000" i="1"/>
+                          <a:rPr lang="en-US" sz="2000" i="1">
+                            <a:latin typeface="Cambria Math" panose="02040503050406030204" pitchFamily="18" charset="0"/>
+                          </a:rPr>
                           <m:t>2</m:t>
                         </m:r>
                       </m:den>
@@ -5797,7 +6072,9 @@
                 <a14:m>
                   <m:oMath xmlns:m="http://schemas.openxmlformats.org/officeDocument/2006/math">
                     <m:r>
-                      <a:rPr lang="en-US" sz="2000" i="1"/>
+                      <a:rPr lang="en-US" sz="2000" i="1">
+                        <a:latin typeface="Cambria Math" panose="02040503050406030204" pitchFamily="18" charset="0"/>
+                      </a:rPr>
                       <m:t>−</m:t>
                     </m:r>
                     <m:r>
@@ -5808,17 +6085,23 @@
                       <m:t>𝜃</m:t>
                     </m:r>
                     <m:r>
-                      <a:rPr lang="en-US" sz="2000" i="1"/>
+                      <a:rPr lang="en-US" sz="2000" i="1">
+                        <a:latin typeface="Cambria Math" panose="02040503050406030204" pitchFamily="18" charset="0"/>
+                      </a:rPr>
                       <m:t>𝑚</m:t>
                     </m:r>
                     <m:r>
-                      <a:rPr lang="en-US" sz="2000" i="1"/>
+                      <a:rPr lang="en-US" sz="2000" i="1">
+                        <a:latin typeface="Cambria Math" panose="02040503050406030204" pitchFamily="18" charset="0"/>
+                      </a:rPr>
                       <m:t>=</m:t>
                     </m:r>
                     <m:func>
                       <m:funcPr>
                         <m:ctrlPr>
-                          <a:rPr lang="en-US" sz="2000" i="1"/>
+                          <a:rPr lang="en-US" sz="2000" i="1">
+                            <a:latin typeface="Cambria Math" panose="02040503050406030204" pitchFamily="18" charset="0"/>
+                          </a:rPr>
                         </m:ctrlPr>
                       </m:funcPr>
                       <m:fName>
@@ -5826,7 +6109,9 @@
                           <m:rPr>
                             <m:sty m:val="p"/>
                           </m:rPr>
-                          <a:rPr lang="en-US" sz="2000"/>
+                          <a:rPr lang="en-US" sz="2000">
+                            <a:latin typeface="Cambria Math" panose="02040503050406030204" pitchFamily="18" charset="0"/>
+                          </a:rPr>
                           <m:t>ln</m:t>
                         </m:r>
                       </m:fName>
@@ -5834,25 +6119,33 @@
                         <m:d>
                           <m:dPr>
                             <m:ctrlPr>
-                              <a:rPr lang="en-US" sz="2000" i="1"/>
+                              <a:rPr lang="en-US" sz="2000" i="1">
+                                <a:latin typeface="Cambria Math" panose="02040503050406030204" pitchFamily="18" charset="0"/>
+                              </a:rPr>
                             </m:ctrlPr>
                           </m:dPr>
                           <m:e>
                             <m:f>
                               <m:fPr>
                                 <m:ctrlPr>
-                                  <a:rPr lang="en-US" sz="2000" i="1"/>
+                                  <a:rPr lang="en-US" sz="2000" i="1">
+                                    <a:latin typeface="Cambria Math" panose="02040503050406030204" pitchFamily="18" charset="0"/>
+                                  </a:rPr>
                                 </m:ctrlPr>
                               </m:fPr>
                               <m:num>
                                 <m:r>
-                                  <a:rPr lang="en-US" sz="2000" i="1"/>
+                                  <a:rPr lang="en-US" sz="2000" i="1">
+                                    <a:latin typeface="Cambria Math" panose="02040503050406030204" pitchFamily="18" charset="0"/>
+                                  </a:rPr>
                                   <m:t>1</m:t>
                                 </m:r>
                               </m:num>
                               <m:den>
                                 <m:r>
-                                  <a:rPr lang="en-US" sz="2000" i="1"/>
+                                  <a:rPr lang="en-US" sz="2000" i="1">
+                                    <a:latin typeface="Cambria Math" panose="02040503050406030204" pitchFamily="18" charset="0"/>
+                                  </a:rPr>
                                   <m:t>2</m:t>
                                 </m:r>
                               </m:den>
@@ -5862,15 +6155,21 @@
                       </m:e>
                     </m:func>
                     <m:r>
-                      <a:rPr lang="en-US" sz="2000" i="1"/>
+                      <a:rPr lang="en-US" sz="2000" i="1">
+                        <a:latin typeface="Cambria Math" panose="02040503050406030204" pitchFamily="18" charset="0"/>
+                      </a:rPr>
                       <m:t>= −</m:t>
                     </m:r>
                     <m:r>
-                      <a:rPr lang="en-US" sz="2000" i="1"/>
+                      <a:rPr lang="en-US" sz="2000" i="1">
+                        <a:latin typeface="Cambria Math" panose="02040503050406030204" pitchFamily="18" charset="0"/>
+                      </a:rPr>
                       <m:t>𝑙𝑛</m:t>
                     </m:r>
                     <m:r>
-                      <a:rPr lang="en-US" sz="2000" i="1"/>
+                      <a:rPr lang="en-US" sz="2000" i="1">
+                        <a:latin typeface="Cambria Math" panose="02040503050406030204" pitchFamily="18" charset="0"/>
+                      </a:rPr>
                       <m:t>2</m:t>
                     </m:r>
                   </m:oMath>
@@ -5884,34 +6183,48 @@
                 <a14:m>
                   <m:oMath xmlns:m="http://schemas.openxmlformats.org/officeDocument/2006/math">
                     <m:r>
-                      <a:rPr lang="en-US" sz="2000" i="1"/>
+                      <a:rPr lang="en-US" sz="2000" i="1">
+                        <a:latin typeface="Cambria Math" panose="02040503050406030204" pitchFamily="18" charset="0"/>
+                      </a:rPr>
                       <m:t>𝑇h𝑒𝑟𝑒𝑓𝑜𝑟𝑒</m:t>
                     </m:r>
                     <m:r>
-                      <a:rPr lang="en-US" sz="2000" i="1"/>
+                      <a:rPr lang="en-US" sz="2000" i="1">
+                        <a:latin typeface="Cambria Math" panose="02040503050406030204" pitchFamily="18" charset="0"/>
+                      </a:rPr>
                       <m:t>, </m:t>
                     </m:r>
                     <m:r>
-                      <a:rPr lang="en-US" sz="2000" i="1"/>
+                      <a:rPr lang="en-US" sz="2000" i="1">
+                        <a:latin typeface="Cambria Math" panose="02040503050406030204" pitchFamily="18" charset="0"/>
+                      </a:rPr>
                       <m:t>𝑚</m:t>
                     </m:r>
                     <m:r>
-                      <a:rPr lang="en-US" sz="2000" i="1"/>
+                      <a:rPr lang="en-US" sz="2000" i="1">
+                        <a:latin typeface="Cambria Math" panose="02040503050406030204" pitchFamily="18" charset="0"/>
+                      </a:rPr>
                       <m:t>= </m:t>
                     </m:r>
                     <m:f>
                       <m:fPr>
                         <m:ctrlPr>
-                          <a:rPr lang="en-US" sz="2000" i="1"/>
+                          <a:rPr lang="en-US" sz="2000" i="1">
+                            <a:latin typeface="Cambria Math" panose="02040503050406030204" pitchFamily="18" charset="0"/>
+                          </a:rPr>
                         </m:ctrlPr>
                       </m:fPr>
                       <m:num>
                         <m:r>
-                          <a:rPr lang="en-US" sz="2000" i="1"/>
+                          <a:rPr lang="en-US" sz="2000" i="1">
+                            <a:latin typeface="Cambria Math" panose="02040503050406030204" pitchFamily="18" charset="0"/>
+                          </a:rPr>
                           <m:t>𝑙𝑛</m:t>
                         </m:r>
                         <m:r>
-                          <a:rPr lang="en-US" sz="2000" i="1"/>
+                          <a:rPr lang="en-US" sz="2000" i="1">
+                            <a:latin typeface="Cambria Math" panose="02040503050406030204" pitchFamily="18" charset="0"/>
+                          </a:rPr>
                           <m:t>2</m:t>
                         </m:r>
                       </m:num>
@@ -5967,32 +6280,36 @@
                           <a:latin typeface="Cambria Math" panose="02040503050406030204" pitchFamily="18" charset="0"/>
                           <a:ea typeface="Cambria Math" panose="02040503050406030204" pitchFamily="18" charset="0"/>
                         </a:rPr>
-                        <m:t> </m:t>
-                      </m:r>
-                      <m:r>
-                        <a:rPr lang="en-US" sz="2000" i="1"/>
-                        <m:t>=</m:t>
+                        <m:t> =</m:t>
                       </m:r>
                       <m:f>
                         <m:fPr>
                           <m:type m:val="skw"/>
                           <m:ctrlPr>
-                            <a:rPr lang="en-US" sz="2000" i="1"/>
+                            <a:rPr lang="en-US" sz="2000" i="1">
+                              <a:latin typeface="Cambria Math" panose="02040503050406030204" pitchFamily="18" charset="0"/>
+                            </a:rPr>
                           </m:ctrlPr>
                         </m:fPr>
                         <m:num>
                           <m:r>
-                            <a:rPr lang="en-US" sz="2000" i="1"/>
+                            <a:rPr lang="en-US" sz="2000" i="1">
+                              <a:latin typeface="Cambria Math" panose="02040503050406030204" pitchFamily="18" charset="0"/>
+                            </a:rPr>
                             <m:t>𝑙𝑛</m:t>
                           </m:r>
                           <m:r>
-                            <a:rPr lang="en-US" sz="2000" i="1"/>
+                            <a:rPr lang="en-US" sz="2000" i="1">
+                              <a:latin typeface="Cambria Math" panose="02040503050406030204" pitchFamily="18" charset="0"/>
+                            </a:rPr>
                             <m:t>2</m:t>
                           </m:r>
                         </m:num>
                         <m:den>
                           <m:r>
-                            <a:rPr lang="en-US" sz="2000" i="1"/>
+                            <a:rPr lang="en-US" sz="2000" i="1">
+                              <a:latin typeface="Cambria Math" panose="02040503050406030204" pitchFamily="18" charset="0"/>
+                            </a:rPr>
                             <m:t>𝑚</m:t>
                           </m:r>
                         </m:den>
@@ -6011,7 +6328,7 @@
             </p:txBody>
           </p:sp>
         </mc:Choice>
-        <mc:Fallback>
+        <mc:Fallback xmlns="">
           <p:sp>
             <p:nvSpPr>
               <p:cNvPr id="3" name="Content Placeholder 2">
@@ -6169,8 +6486,8 @@
           <a:chExt cx="0" cy="0"/>
         </a:xfrm>
       </p:grpSpPr>
-      <mc:AlternateContent xmlns:mc="http://schemas.openxmlformats.org/markup-compatibility/2006">
-        <mc:Choice xmlns:a14="http://schemas.microsoft.com/office/drawing/2010/main" Requires="a14">
+      <mc:AlternateContent xmlns:mc="http://schemas.openxmlformats.org/markup-compatibility/2006" xmlns:a14="http://schemas.microsoft.com/office/drawing/2010/main">
+        <mc:Choice Requires="a14">
           <p:sp>
             <p:nvSpPr>
               <p:cNvPr id="3" name="Content Placeholder 2">
@@ -6218,35 +6535,51 @@
                     </m:oMathParaPr>
                     <m:oMath xmlns:m="http://schemas.openxmlformats.org/officeDocument/2006/math">
                       <m:r>
-                        <a:rPr lang="en-US" sz="3200" i="1"/>
+                        <a:rPr lang="en-US" sz="3200" i="1">
+                          <a:latin typeface="Cambria Math" panose="02040503050406030204" pitchFamily="18" charset="0"/>
+                        </a:rPr>
                         <m:t>𝑋</m:t>
                       </m:r>
                       <m:r>
-                        <a:rPr lang="en-US" sz="3200" i="1"/>
+                        <a:rPr lang="en-US" sz="3200" i="1">
+                          <a:latin typeface="Cambria Math" panose="02040503050406030204" pitchFamily="18" charset="0"/>
+                        </a:rPr>
                         <m:t>|</m:t>
                       </m:r>
                       <m:r>
-                        <a:rPr lang="en-US" sz="3200" i="1"/>
+                        <a:rPr lang="en-US" sz="3200" i="1">
+                          <a:latin typeface="Cambria Math" panose="02040503050406030204" pitchFamily="18" charset="0"/>
+                        </a:rPr>
                         <m:t>𝜃</m:t>
                       </m:r>
                       <m:r>
-                        <a:rPr lang="en-US" sz="3200" i="1"/>
+                        <a:rPr lang="en-US" sz="3200" i="1">
+                          <a:latin typeface="Cambria Math" panose="02040503050406030204" pitchFamily="18" charset="0"/>
+                        </a:rPr>
                         <m:t> ~ </m:t>
                       </m:r>
                       <m:r>
-                        <a:rPr lang="en-US" sz="3200" i="1"/>
+                        <a:rPr lang="en-US" sz="3200" i="1">
+                          <a:latin typeface="Cambria Math" panose="02040503050406030204" pitchFamily="18" charset="0"/>
+                        </a:rPr>
                         <m:t>𝐸𝑥𝑝𝑜𝑛𝑒𝑛𝑡𝑖𝑎𝑙</m:t>
                       </m:r>
                       <m:r>
-                        <a:rPr lang="en-US" sz="3200" i="1"/>
+                        <a:rPr lang="en-US" sz="3200" i="1">
+                          <a:latin typeface="Cambria Math" panose="02040503050406030204" pitchFamily="18" charset="0"/>
+                        </a:rPr>
                         <m:t>(</m:t>
                       </m:r>
                       <m:r>
-                        <a:rPr lang="en-US" sz="3200" i="1"/>
+                        <a:rPr lang="en-US" sz="3200" i="1">
+                          <a:latin typeface="Cambria Math" panose="02040503050406030204" pitchFamily="18" charset="0"/>
+                        </a:rPr>
                         <m:t>𝜃</m:t>
                       </m:r>
                       <m:r>
-                        <a:rPr lang="en-US" sz="3200" i="1"/>
+                        <a:rPr lang="en-US" sz="3200" i="1">
+                          <a:latin typeface="Cambria Math" panose="02040503050406030204" pitchFamily="18" charset="0"/>
+                        </a:rPr>
                         <m:t>)</m:t>
                       </m:r>
                     </m:oMath>
@@ -6271,35 +6604,51 @@
                     </m:oMathParaPr>
                     <m:oMath xmlns:m="http://schemas.openxmlformats.org/officeDocument/2006/math">
                       <m:r>
-                        <a:rPr lang="en-US" sz="3200" i="1"/>
+                        <a:rPr lang="en-US" sz="3200" i="1">
+                          <a:latin typeface="Cambria Math" panose="02040503050406030204" pitchFamily="18" charset="0"/>
+                        </a:rPr>
                         <m:t>𝜃</m:t>
                       </m:r>
                       <m:r>
-                        <a:rPr lang="en-US" sz="3200" i="1"/>
+                        <a:rPr lang="en-US" sz="3200" i="1">
+                          <a:latin typeface="Cambria Math" panose="02040503050406030204" pitchFamily="18" charset="0"/>
+                        </a:rPr>
                         <m:t> ~ </m:t>
                       </m:r>
                       <m:r>
-                        <a:rPr lang="en-US" sz="3200" i="1"/>
+                        <a:rPr lang="en-US" sz="3200" i="1">
+                          <a:latin typeface="Cambria Math" panose="02040503050406030204" pitchFamily="18" charset="0"/>
+                        </a:rPr>
                         <m:t>𝐺𝑎𝑚𝑚𝑎</m:t>
                       </m:r>
                       <m:r>
-                        <a:rPr lang="en-US" sz="3200" i="1"/>
+                        <a:rPr lang="en-US" sz="3200" i="1">
+                          <a:latin typeface="Cambria Math" panose="02040503050406030204" pitchFamily="18" charset="0"/>
+                        </a:rPr>
                         <m:t>(</m:t>
                       </m:r>
                       <m:r>
-                        <a:rPr lang="en-US" sz="3200" i="1"/>
+                        <a:rPr lang="en-US" sz="3200" i="1">
+                          <a:latin typeface="Cambria Math" panose="02040503050406030204" pitchFamily="18" charset="0"/>
+                        </a:rPr>
                         <m:t>𝛼</m:t>
                       </m:r>
                       <m:r>
-                        <a:rPr lang="en-US" sz="3200" i="1"/>
+                        <a:rPr lang="en-US" sz="3200" i="1">
+                          <a:latin typeface="Cambria Math" panose="02040503050406030204" pitchFamily="18" charset="0"/>
+                        </a:rPr>
                         <m:t>, </m:t>
                       </m:r>
                       <m:r>
-                        <a:rPr lang="en-US" sz="3200" i="1"/>
+                        <a:rPr lang="en-US" sz="3200" i="1">
+                          <a:latin typeface="Cambria Math" panose="02040503050406030204" pitchFamily="18" charset="0"/>
+                        </a:rPr>
                         <m:t>𝛽</m:t>
                       </m:r>
                       <m:r>
-                        <a:rPr lang="en-US" sz="3200" i="1"/>
+                        <a:rPr lang="en-US" sz="3200" i="1">
+                          <a:latin typeface="Cambria Math" panose="02040503050406030204" pitchFamily="18" charset="0"/>
+                        </a:rPr>
                         <m:t>)</m:t>
                       </m:r>
                     </m:oMath>
@@ -6327,13 +6676,17 @@
                         <m:rPr>
                           <m:sty m:val="p"/>
                         </m:rPr>
-                        <a:rPr lang="en-US" sz="3200"/>
+                        <a:rPr lang="en-US" sz="3200">
+                          <a:latin typeface="Cambria Math" panose="02040503050406030204" pitchFamily="18" charset="0"/>
+                        </a:rPr>
                         <m:t>p</m:t>
                       </m:r>
                       <m:d>
                         <m:dPr>
                           <m:ctrlPr>
-                            <a:rPr lang="en-US" sz="3200" i="1"/>
+                            <a:rPr lang="en-US" sz="3200" i="1">
+                              <a:latin typeface="Cambria Math" panose="02040503050406030204" pitchFamily="18" charset="0"/>
+                            </a:rPr>
                           </m:ctrlPr>
                         </m:dPr>
                         <m:e>
@@ -6341,26 +6694,34 @@
                             <m:rPr>
                               <m:sty m:val="p"/>
                             </m:rPr>
-                            <a:rPr lang="en-US" sz="3200"/>
+                            <a:rPr lang="en-US" sz="3200">
+                              <a:latin typeface="Cambria Math" panose="02040503050406030204" pitchFamily="18" charset="0"/>
+                            </a:rPr>
                             <m:t>θ</m:t>
                           </m:r>
                         </m:e>
                       </m:d>
                       <m:r>
-                        <a:rPr lang="en-US" sz="3200" i="1"/>
+                        <a:rPr lang="en-US" sz="3200" i="1">
+                          <a:latin typeface="Cambria Math" panose="02040503050406030204" pitchFamily="18" charset="0"/>
+                        </a:rPr>
                         <m:t>= </m:t>
                       </m:r>
                       <m:f>
                         <m:fPr>
                           <m:ctrlPr>
-                            <a:rPr lang="en-US" sz="3200" i="1"/>
+                            <a:rPr lang="en-US" sz="3200" i="1">
+                              <a:latin typeface="Cambria Math" panose="02040503050406030204" pitchFamily="18" charset="0"/>
+                            </a:rPr>
                           </m:ctrlPr>
                         </m:fPr>
                         <m:num>
                           <m:sSup>
                             <m:sSupPr>
                               <m:ctrlPr>
-                                <a:rPr lang="en-US" sz="3200" i="1"/>
+                                <a:rPr lang="en-US" sz="3200" i="1">
+                                  <a:latin typeface="Cambria Math" panose="02040503050406030204" pitchFamily="18" charset="0"/>
+                                </a:rPr>
                               </m:ctrlPr>
                             </m:sSupPr>
                             <m:e>
@@ -6368,7 +6729,9 @@
                                 <m:rPr>
                                   <m:sty m:val="p"/>
                                 </m:rPr>
-                                <a:rPr lang="en-US" sz="3200"/>
+                                <a:rPr lang="en-US" sz="3200">
+                                  <a:latin typeface="Cambria Math" panose="02040503050406030204" pitchFamily="18" charset="0"/>
+                                </a:rPr>
                                 <m:t>β</m:t>
                               </m:r>
                             </m:e>
@@ -6377,7 +6740,9 @@
                                 <m:rPr>
                                   <m:sty m:val="p"/>
                                 </m:rPr>
-                                <a:rPr lang="en-US" sz="3200" baseline="30000"/>
+                                <a:rPr lang="en-US" sz="3200" baseline="30000">
+                                  <a:latin typeface="Cambria Math" panose="02040503050406030204" pitchFamily="18" charset="0"/>
+                                </a:rPr>
                                 <m:t>α</m:t>
                               </m:r>
                             </m:sup>
@@ -6388,22 +6753,30 @@
                             <m:rPr>
                               <m:sty m:val="p"/>
                             </m:rPr>
-                            <a:rPr lang="en-US" sz="3200"/>
+                            <a:rPr lang="en-US" sz="3200">
+                              <a:latin typeface="Cambria Math" panose="02040503050406030204" pitchFamily="18" charset="0"/>
+                            </a:rPr>
                             <m:t>Γ</m:t>
                           </m:r>
                           <m:r>
-                            <a:rPr lang="en-US" sz="3200"/>
+                            <a:rPr lang="en-US" sz="3200">
+                              <a:latin typeface="Cambria Math" panose="02040503050406030204" pitchFamily="18" charset="0"/>
+                            </a:rPr>
                             <m:t>(</m:t>
                           </m:r>
                           <m:r>
                             <m:rPr>
                               <m:sty m:val="p"/>
                             </m:rPr>
-                            <a:rPr lang="en-US" sz="3200"/>
+                            <a:rPr lang="en-US" sz="3200">
+                              <a:latin typeface="Cambria Math" panose="02040503050406030204" pitchFamily="18" charset="0"/>
+                            </a:rPr>
                             <m:t>α</m:t>
                           </m:r>
                           <m:r>
-                            <a:rPr lang="en-US" sz="3200"/>
+                            <a:rPr lang="en-US" sz="3200">
+                              <a:latin typeface="Cambria Math" panose="02040503050406030204" pitchFamily="18" charset="0"/>
+                            </a:rPr>
                             <m:t>) </m:t>
                           </m:r>
                         </m:den>
@@ -6411,7 +6784,9 @@
                       <m:sSup>
                         <m:sSupPr>
                           <m:ctrlPr>
-                            <a:rPr lang="en-US" sz="3200" i="1"/>
+                            <a:rPr lang="en-US" sz="3200" i="1">
+                              <a:latin typeface="Cambria Math" panose="02040503050406030204" pitchFamily="18" charset="0"/>
+                            </a:rPr>
                           </m:ctrlPr>
                         </m:sSupPr>
                         <m:e>
@@ -6419,7 +6794,9 @@
                             <m:rPr>
                               <m:sty m:val="p"/>
                             </m:rPr>
-                            <a:rPr lang="en-US" sz="3200"/>
+                            <a:rPr lang="en-US" sz="3200">
+                              <a:latin typeface="Cambria Math" panose="02040503050406030204" pitchFamily="18" charset="0"/>
+                            </a:rPr>
                             <m:t>θ</m:t>
                           </m:r>
                         </m:e>
@@ -6428,15 +6805,21 @@
                             <m:rPr>
                               <m:sty m:val="p"/>
                             </m:rPr>
-                            <a:rPr lang="en-US" sz="3200" baseline="30000"/>
+                            <a:rPr lang="en-US" sz="3200" baseline="30000">
+                              <a:latin typeface="Cambria Math" panose="02040503050406030204" pitchFamily="18" charset="0"/>
+                            </a:rPr>
                             <m:t>α</m:t>
                           </m:r>
                           <m:r>
-                            <a:rPr lang="en-US" sz="3200" i="1" baseline="30000"/>
+                            <a:rPr lang="en-US" sz="3200" i="1" baseline="30000">
+                              <a:latin typeface="Cambria Math" panose="02040503050406030204" pitchFamily="18" charset="0"/>
+                            </a:rPr>
                             <m:t>−</m:t>
                           </m:r>
                           <m:r>
-                            <a:rPr lang="en-US" sz="3200" baseline="30000"/>
+                            <a:rPr lang="en-US" sz="3200" baseline="30000">
+                              <a:latin typeface="Cambria Math" panose="02040503050406030204" pitchFamily="18" charset="0"/>
+                            </a:rPr>
                             <m:t>1</m:t>
                           </m:r>
                         </m:sup>
@@ -6444,25 +6827,33 @@
                       <m:sSup>
                         <m:sSupPr>
                           <m:ctrlPr>
-                            <a:rPr lang="en-US" sz="3200" i="1"/>
+                            <a:rPr lang="en-US" sz="3200" i="1">
+                              <a:latin typeface="Cambria Math" panose="02040503050406030204" pitchFamily="18" charset="0"/>
+                            </a:rPr>
                           </m:ctrlPr>
                         </m:sSupPr>
                         <m:e>
                           <m:r>
-                            <a:rPr lang="en-US" sz="3200" i="1"/>
+                            <a:rPr lang="en-US" sz="3200" i="1">
+                              <a:latin typeface="Cambria Math" panose="02040503050406030204" pitchFamily="18" charset="0"/>
+                            </a:rPr>
                             <m:t>𝑒</m:t>
                           </m:r>
                         </m:e>
                         <m:sup>
                           <m:r>
-                            <a:rPr lang="en-US" sz="3200" i="1"/>
+                            <a:rPr lang="en-US" sz="3200" i="1">
+                              <a:latin typeface="Cambria Math" panose="02040503050406030204" pitchFamily="18" charset="0"/>
+                            </a:rPr>
                             <m:t>−</m:t>
                           </m:r>
                           <m:r>
                             <m:rPr>
                               <m:sty m:val="p"/>
                             </m:rPr>
-                            <a:rPr lang="en-US" sz="3200"/>
+                            <a:rPr lang="en-US" sz="3200">
+                              <a:latin typeface="Cambria Math" panose="02040503050406030204" pitchFamily="18" charset="0"/>
+                            </a:rPr>
                             <m:t>βθ</m:t>
                           </m:r>
                         </m:sup>
@@ -6492,13 +6883,17 @@
                         <m:rPr>
                           <m:sty m:val="p"/>
                         </m:rPr>
-                        <a:rPr lang="en-US" sz="3200"/>
+                        <a:rPr lang="en-US" sz="3200">
+                          <a:latin typeface="Cambria Math" panose="02040503050406030204" pitchFamily="18" charset="0"/>
+                        </a:rPr>
                         <m:t>L</m:t>
                       </m:r>
                       <m:d>
                         <m:dPr>
                           <m:ctrlPr>
-                            <a:rPr lang="en-US" sz="3200" i="1"/>
+                            <a:rPr lang="en-US" sz="3200" i="1">
+                              <a:latin typeface="Cambria Math" panose="02040503050406030204" pitchFamily="18" charset="0"/>
+                            </a:rPr>
                           </m:ctrlPr>
                         </m:dPr>
                         <m:e>
@@ -6506,24 +6901,32 @@
                             <m:rPr>
                               <m:sty m:val="p"/>
                             </m:rPr>
-                            <a:rPr lang="en-US" sz="3200"/>
+                            <a:rPr lang="en-US" sz="3200">
+                              <a:latin typeface="Cambria Math" panose="02040503050406030204" pitchFamily="18" charset="0"/>
+                            </a:rPr>
                             <m:t>θ</m:t>
                           </m:r>
                           <m:r>
-                            <a:rPr lang="en-US" sz="3200"/>
+                            <a:rPr lang="en-US" sz="3200">
+                              <a:latin typeface="Cambria Math" panose="02040503050406030204" pitchFamily="18" charset="0"/>
+                            </a:rPr>
                             <m:t>|</m:t>
                           </m:r>
                           <m:r>
                             <m:rPr>
                               <m:sty m:val="p"/>
                             </m:rPr>
-                            <a:rPr lang="en-US" sz="3200"/>
+                            <a:rPr lang="en-US" sz="3200">
+                              <a:latin typeface="Cambria Math" panose="02040503050406030204" pitchFamily="18" charset="0"/>
+                            </a:rPr>
                             <m:t>x</m:t>
                           </m:r>
                         </m:e>
                       </m:d>
                       <m:r>
-                        <a:rPr lang="en-US" sz="3200" i="1"/>
+                        <a:rPr lang="en-US" sz="3200" i="1">
+                          <a:latin typeface="Cambria Math" panose="02040503050406030204" pitchFamily="18" charset="0"/>
+                        </a:rPr>
                         <m:t>= </m:t>
                       </m:r>
                       <m:nary>
@@ -6531,22 +6934,30 @@
                           <m:chr m:val="∏"/>
                           <m:limLoc m:val="undOvr"/>
                           <m:ctrlPr>
-                            <a:rPr lang="en-US" sz="3200" i="1"/>
+                            <a:rPr lang="en-US" sz="3200" i="1">
+                              <a:latin typeface="Cambria Math" panose="02040503050406030204" pitchFamily="18" charset="0"/>
+                            </a:rPr>
                           </m:ctrlPr>
                         </m:naryPr>
                         <m:sub>
                           <m:r>
-                            <a:rPr lang="en-US" sz="3200" i="1"/>
+                            <a:rPr lang="en-US" sz="3200" i="1">
+                              <a:latin typeface="Cambria Math" panose="02040503050406030204" pitchFamily="18" charset="0"/>
+                            </a:rPr>
                             <m:t>𝑖</m:t>
                           </m:r>
                           <m:r>
-                            <a:rPr lang="en-US" sz="3200" i="1"/>
+                            <a:rPr lang="en-US" sz="3200" i="1">
+                              <a:latin typeface="Cambria Math" panose="02040503050406030204" pitchFamily="18" charset="0"/>
+                            </a:rPr>
                             <m:t>=1</m:t>
                           </m:r>
                         </m:sub>
                         <m:sup>
                           <m:r>
-                            <a:rPr lang="en-US" sz="3200" i="1"/>
+                            <a:rPr lang="en-US" sz="3200" i="1">
+                              <a:latin typeface="Cambria Math" panose="02040503050406030204" pitchFamily="18" charset="0"/>
+                            </a:rPr>
                             <m:t>𝑛</m:t>
                           </m:r>
                         </m:sup>
@@ -6554,7 +6965,9 @@
                           <m:sSup>
                             <m:sSupPr>
                               <m:ctrlPr>
-                                <a:rPr lang="en-US" sz="3200" i="1"/>
+                                <a:rPr lang="en-US" sz="3200" i="1">
+                                  <a:latin typeface="Cambria Math" panose="02040503050406030204" pitchFamily="18" charset="0"/>
+                                </a:rPr>
                               </m:ctrlPr>
                             </m:sSupPr>
                             <m:e>
@@ -6562,41 +6975,55 @@
                                 <m:rPr>
                                   <m:sty m:val="p"/>
                                 </m:rPr>
-                                <a:rPr lang="en-US" sz="3200"/>
+                                <a:rPr lang="en-US" sz="3200">
+                                  <a:latin typeface="Cambria Math" panose="02040503050406030204" pitchFamily="18" charset="0"/>
+                                </a:rPr>
                                 <m:t>θ</m:t>
                               </m:r>
                               <m:r>
-                                <a:rPr lang="en-US" sz="3200" i="1"/>
+                                <a:rPr lang="en-US" sz="3200" i="1">
+                                  <a:latin typeface="Cambria Math" panose="02040503050406030204" pitchFamily="18" charset="0"/>
+                                </a:rPr>
                                 <m:t>𝑒</m:t>
                               </m:r>
                             </m:e>
                             <m:sup>
                               <m:r>
-                                <a:rPr lang="en-US" sz="3200" i="1"/>
+                                <a:rPr lang="en-US" sz="3200" i="1">
+                                  <a:latin typeface="Cambria Math" panose="02040503050406030204" pitchFamily="18" charset="0"/>
+                                </a:rPr>
                                 <m:t>−</m:t>
                               </m:r>
                               <m:r>
                                 <m:rPr>
                                   <m:sty m:val="p"/>
                                 </m:rPr>
-                                <a:rPr lang="en-US" sz="3200"/>
+                                <a:rPr lang="en-US" sz="3200">
+                                  <a:latin typeface="Cambria Math" panose="02040503050406030204" pitchFamily="18" charset="0"/>
+                                </a:rPr>
                                 <m:t>θ</m:t>
                               </m:r>
                               <m:sSub>
                                 <m:sSubPr>
                                   <m:ctrlPr>
-                                    <a:rPr lang="en-US" sz="3200" i="1"/>
+                                    <a:rPr lang="en-US" sz="3200" i="1">
+                                      <a:latin typeface="Cambria Math" panose="02040503050406030204" pitchFamily="18" charset="0"/>
+                                    </a:rPr>
                                   </m:ctrlPr>
                                 </m:sSubPr>
                                 <m:e>
                                   <m:r>
-                                    <a:rPr lang="en-US" sz="3200" i="1"/>
+                                    <a:rPr lang="en-US" sz="3200" i="1">
+                                      <a:latin typeface="Cambria Math" panose="02040503050406030204" pitchFamily="18" charset="0"/>
+                                    </a:rPr>
                                     <m:t>𝑥</m:t>
                                   </m:r>
                                 </m:e>
                                 <m:sub>
                                   <m:r>
-                                    <a:rPr lang="en-US" sz="3200" i="1"/>
+                                    <a:rPr lang="en-US" sz="3200" i="1">
+                                      <a:latin typeface="Cambria Math" panose="02040503050406030204" pitchFamily="18" charset="0"/>
+                                    </a:rPr>
                                     <m:t>𝑖</m:t>
                                   </m:r>
                                 </m:sub>
@@ -6619,7 +7046,7 @@
             </p:txBody>
           </p:sp>
         </mc:Choice>
-        <mc:Fallback>
+        <mc:Fallback xmlns="">
           <p:sp>
             <p:nvSpPr>
               <p:cNvPr id="3" name="Content Placeholder 2">
@@ -6747,8 +7174,8 @@
           </a:p>
         </p:txBody>
       </p:sp>
-      <mc:AlternateContent xmlns:mc="http://schemas.openxmlformats.org/markup-compatibility/2006">
-        <mc:Choice xmlns:a14="http://schemas.microsoft.com/office/drawing/2010/main" Requires="a14">
+      <mc:AlternateContent xmlns:mc="http://schemas.openxmlformats.org/markup-compatibility/2006" xmlns:a14="http://schemas.microsoft.com/office/drawing/2010/main">
+        <mc:Choice Requires="a14">
           <p:sp>
             <p:nvSpPr>
               <p:cNvPr id="7" name="Content Placeholder 2">
@@ -7011,67 +7438,99 @@
                     </m:oMathParaPr>
                     <m:oMath xmlns:m="http://schemas.openxmlformats.org/officeDocument/2006/math">
                       <m:r>
-                        <a:rPr lang="en-US" sz="3200" i="1"/>
+                        <a:rPr lang="en-US" sz="3200" i="1">
+                          <a:latin typeface="Cambria Math" panose="02040503050406030204" pitchFamily="18" charset="0"/>
+                        </a:rPr>
                         <m:t>𝑝</m:t>
                       </m:r>
                       <m:r>
-                        <a:rPr lang="en-US" sz="3200" i="1"/>
+                        <a:rPr lang="en-US" sz="3200" i="1">
+                          <a:latin typeface="Cambria Math" panose="02040503050406030204" pitchFamily="18" charset="0"/>
+                        </a:rPr>
                         <m:t>(</m:t>
                       </m:r>
                       <m:r>
-                        <a:rPr lang="en-US" sz="3200" i="1"/>
+                        <a:rPr lang="en-US" sz="3200" i="1">
+                          <a:latin typeface="Cambria Math" panose="02040503050406030204" pitchFamily="18" charset="0"/>
+                        </a:rPr>
                         <m:t>𝜃</m:t>
                       </m:r>
                       <m:r>
-                        <a:rPr lang="en-US" sz="3200" i="1"/>
+                        <a:rPr lang="en-US" sz="3200" i="1">
+                          <a:latin typeface="Cambria Math" panose="02040503050406030204" pitchFamily="18" charset="0"/>
+                        </a:rPr>
                         <m:t>|</m:t>
                       </m:r>
                       <m:r>
-                        <a:rPr lang="en-US" sz="3200" i="1"/>
+                        <a:rPr lang="en-US" sz="3200" i="1">
+                          <a:latin typeface="Cambria Math" panose="02040503050406030204" pitchFamily="18" charset="0"/>
+                        </a:rPr>
                         <m:t>𝑥</m:t>
                       </m:r>
                       <m:r>
-                        <a:rPr lang="en-US" sz="3200" i="1"/>
+                        <a:rPr lang="en-US" sz="3200" i="1">
+                          <a:latin typeface="Cambria Math" panose="02040503050406030204" pitchFamily="18" charset="0"/>
+                        </a:rPr>
                         <m:t>) ∝ </m:t>
                       </m:r>
                       <m:r>
-                        <a:rPr lang="en-US" sz="3200" i="1"/>
+                        <a:rPr lang="en-US" sz="3200" i="1">
+                          <a:latin typeface="Cambria Math" panose="02040503050406030204" pitchFamily="18" charset="0"/>
+                        </a:rPr>
                         <m:t>𝑝</m:t>
                       </m:r>
                       <m:r>
-                        <a:rPr lang="en-US" sz="3200" i="1"/>
+                        <a:rPr lang="en-US" sz="3200" i="1">
+                          <a:latin typeface="Cambria Math" panose="02040503050406030204" pitchFamily="18" charset="0"/>
+                        </a:rPr>
                         <m:t>(</m:t>
                       </m:r>
                       <m:r>
-                        <a:rPr lang="en-US" sz="3200" i="1"/>
+                        <a:rPr lang="en-US" sz="3200" i="1">
+                          <a:latin typeface="Cambria Math" panose="02040503050406030204" pitchFamily="18" charset="0"/>
+                        </a:rPr>
                         <m:t>𝜃</m:t>
                       </m:r>
                       <m:r>
-                        <a:rPr lang="en-US" sz="3200" i="1"/>
+                        <a:rPr lang="en-US" sz="3200" i="1">
+                          <a:latin typeface="Cambria Math" panose="02040503050406030204" pitchFamily="18" charset="0"/>
+                        </a:rPr>
                         <m:t>)</m:t>
                       </m:r>
                       <m:r>
-                        <a:rPr lang="en-US" sz="3200" i="1"/>
+                        <a:rPr lang="en-US" sz="3200" i="1">
+                          <a:latin typeface="Cambria Math" panose="02040503050406030204" pitchFamily="18" charset="0"/>
+                        </a:rPr>
                         <m:t>𝐿</m:t>
                       </m:r>
                       <m:r>
-                        <a:rPr lang="en-US" sz="3200" i="1"/>
+                        <a:rPr lang="en-US" sz="3200" i="1">
+                          <a:latin typeface="Cambria Math" panose="02040503050406030204" pitchFamily="18" charset="0"/>
+                        </a:rPr>
                         <m:t>(</m:t>
                       </m:r>
                       <m:r>
-                        <a:rPr lang="en-US" sz="3200" i="1"/>
+                        <a:rPr lang="en-US" sz="3200" i="1">
+                          <a:latin typeface="Cambria Math" panose="02040503050406030204" pitchFamily="18" charset="0"/>
+                        </a:rPr>
                         <m:t>𝜃</m:t>
                       </m:r>
                       <m:r>
-                        <a:rPr lang="en-US" sz="3200" i="1"/>
+                        <a:rPr lang="en-US" sz="3200" i="1">
+                          <a:latin typeface="Cambria Math" panose="02040503050406030204" pitchFamily="18" charset="0"/>
+                        </a:rPr>
                         <m:t>|</m:t>
                       </m:r>
                       <m:r>
-                        <a:rPr lang="en-US" sz="3200" i="1"/>
+                        <a:rPr lang="en-US" sz="3200" i="1">
+                          <a:latin typeface="Cambria Math" panose="02040503050406030204" pitchFamily="18" charset="0"/>
+                        </a:rPr>
                         <m:t>𝑥</m:t>
                       </m:r>
                       <m:r>
-                        <a:rPr lang="en-US" sz="3200" i="1"/>
+                        <a:rPr lang="en-US" sz="3200" i="1">
+                          <a:latin typeface="Cambria Math" panose="02040503050406030204" pitchFamily="18" charset="0"/>
+                        </a:rPr>
                         <m:t>)</m:t>
                       </m:r>
                     </m:oMath>
@@ -7096,20 +7555,26 @@
                     </m:oMathParaPr>
                     <m:oMath xmlns:m="http://schemas.openxmlformats.org/officeDocument/2006/math">
                       <m:r>
-                        <a:rPr lang="en-US" sz="3200" i="1"/>
+                        <a:rPr lang="en-US" sz="3200" i="1">
+                          <a:latin typeface="Cambria Math" panose="02040503050406030204" pitchFamily="18" charset="0"/>
+                        </a:rPr>
                         <m:t>∝</m:t>
                       </m:r>
                       <m:f>
                         <m:fPr>
                           <m:ctrlPr>
-                            <a:rPr lang="en-US" sz="3200" i="1"/>
+                            <a:rPr lang="en-US" sz="3200" i="1">
+                              <a:latin typeface="Cambria Math" panose="02040503050406030204" pitchFamily="18" charset="0"/>
+                            </a:rPr>
                           </m:ctrlPr>
                         </m:fPr>
                         <m:num>
                           <m:sSup>
                             <m:sSupPr>
                               <m:ctrlPr>
-                                <a:rPr lang="en-US" sz="3200" i="1"/>
+                                <a:rPr lang="en-US" sz="3200" i="1">
+                                  <a:latin typeface="Cambria Math" panose="02040503050406030204" pitchFamily="18" charset="0"/>
+                                </a:rPr>
                               </m:ctrlPr>
                             </m:sSupPr>
                             <m:e>
@@ -7117,7 +7582,9 @@
                                 <m:rPr>
                                   <m:sty m:val="p"/>
                                 </m:rPr>
-                                <a:rPr lang="en-US" sz="3200"/>
+                                <a:rPr lang="en-US" sz="3200">
+                                  <a:latin typeface="Cambria Math" panose="02040503050406030204" pitchFamily="18" charset="0"/>
+                                </a:rPr>
                                 <m:t>β</m:t>
                               </m:r>
                             </m:e>
@@ -7126,7 +7593,9 @@
                                 <m:rPr>
                                   <m:sty m:val="p"/>
                                 </m:rPr>
-                                <a:rPr lang="en-US" sz="3200" baseline="30000"/>
+                                <a:rPr lang="en-US" sz="3200" baseline="30000">
+                                  <a:latin typeface="Cambria Math" panose="02040503050406030204" pitchFamily="18" charset="0"/>
+                                </a:rPr>
                                 <m:t>α</m:t>
                               </m:r>
                             </m:sup>
@@ -7137,22 +7606,30 @@
                             <m:rPr>
                               <m:sty m:val="p"/>
                             </m:rPr>
-                            <a:rPr lang="en-US" sz="3200"/>
+                            <a:rPr lang="en-US" sz="3200">
+                              <a:latin typeface="Cambria Math" panose="02040503050406030204" pitchFamily="18" charset="0"/>
+                            </a:rPr>
                             <m:t>Γ</m:t>
                           </m:r>
                           <m:r>
-                            <a:rPr lang="en-US" sz="3200"/>
+                            <a:rPr lang="en-US" sz="3200">
+                              <a:latin typeface="Cambria Math" panose="02040503050406030204" pitchFamily="18" charset="0"/>
+                            </a:rPr>
                             <m:t>(</m:t>
                           </m:r>
                           <m:r>
                             <m:rPr>
                               <m:sty m:val="p"/>
                             </m:rPr>
-                            <a:rPr lang="en-US" sz="3200"/>
+                            <a:rPr lang="en-US" sz="3200">
+                              <a:latin typeface="Cambria Math" panose="02040503050406030204" pitchFamily="18" charset="0"/>
+                            </a:rPr>
                             <m:t>α</m:t>
                           </m:r>
                           <m:r>
-                            <a:rPr lang="en-US" sz="3200"/>
+                            <a:rPr lang="en-US" sz="3200">
+                              <a:latin typeface="Cambria Math" panose="02040503050406030204" pitchFamily="18" charset="0"/>
+                            </a:rPr>
                             <m:t>) </m:t>
                           </m:r>
                         </m:den>
@@ -7160,7 +7637,9 @@
                       <m:sSup>
                         <m:sSupPr>
                           <m:ctrlPr>
-                            <a:rPr lang="en-US" sz="3200" i="1"/>
+                            <a:rPr lang="en-US" sz="3200" i="1">
+                              <a:latin typeface="Cambria Math" panose="02040503050406030204" pitchFamily="18" charset="0"/>
+                            </a:rPr>
                           </m:ctrlPr>
                         </m:sSupPr>
                         <m:e>
@@ -7168,7 +7647,9 @@
                             <m:rPr>
                               <m:sty m:val="p"/>
                             </m:rPr>
-                            <a:rPr lang="en-US" sz="3200"/>
+                            <a:rPr lang="en-US" sz="3200">
+                              <a:latin typeface="Cambria Math" panose="02040503050406030204" pitchFamily="18" charset="0"/>
+                            </a:rPr>
                             <m:t>θ</m:t>
                           </m:r>
                         </m:e>
@@ -7177,15 +7658,21 @@
                             <m:rPr>
                               <m:sty m:val="p"/>
                             </m:rPr>
-                            <a:rPr lang="en-US" sz="3200" baseline="30000"/>
+                            <a:rPr lang="en-US" sz="3200" baseline="30000">
+                              <a:latin typeface="Cambria Math" panose="02040503050406030204" pitchFamily="18" charset="0"/>
+                            </a:rPr>
                             <m:t>α</m:t>
                           </m:r>
                           <m:r>
-                            <a:rPr lang="en-US" sz="3200" i="1" baseline="30000"/>
+                            <a:rPr lang="en-US" sz="3200" i="1" baseline="30000">
+                              <a:latin typeface="Cambria Math" panose="02040503050406030204" pitchFamily="18" charset="0"/>
+                            </a:rPr>
                             <m:t>−</m:t>
                           </m:r>
                           <m:r>
-                            <a:rPr lang="en-US" sz="3200" baseline="30000"/>
+                            <a:rPr lang="en-US" sz="3200" baseline="30000">
+                              <a:latin typeface="Cambria Math" panose="02040503050406030204" pitchFamily="18" charset="0"/>
+                            </a:rPr>
                             <m:t>1</m:t>
                           </m:r>
                         </m:sup>
@@ -7193,25 +7680,33 @@
                       <m:sSup>
                         <m:sSupPr>
                           <m:ctrlPr>
-                            <a:rPr lang="en-US" sz="3200" i="1"/>
+                            <a:rPr lang="en-US" sz="3200" i="1">
+                              <a:latin typeface="Cambria Math" panose="02040503050406030204" pitchFamily="18" charset="0"/>
+                            </a:rPr>
                           </m:ctrlPr>
                         </m:sSupPr>
                         <m:e>
                           <m:r>
-                            <a:rPr lang="en-US" sz="3200" i="1"/>
+                            <a:rPr lang="en-US" sz="3200" i="1">
+                              <a:latin typeface="Cambria Math" panose="02040503050406030204" pitchFamily="18" charset="0"/>
+                            </a:rPr>
                             <m:t>𝑒</m:t>
                           </m:r>
                         </m:e>
                         <m:sup>
                           <m:r>
-                            <a:rPr lang="en-US" sz="3200" i="1"/>
+                            <a:rPr lang="en-US" sz="3200" i="1">
+                              <a:latin typeface="Cambria Math" panose="02040503050406030204" pitchFamily="18" charset="0"/>
+                            </a:rPr>
                             <m:t>−</m:t>
                           </m:r>
                           <m:r>
                             <m:rPr>
                               <m:sty m:val="p"/>
                             </m:rPr>
-                            <a:rPr lang="en-US" sz="3200"/>
+                            <a:rPr lang="en-US" sz="3200">
+                              <a:latin typeface="Cambria Math" panose="02040503050406030204" pitchFamily="18" charset="0"/>
+                            </a:rPr>
                             <m:t>βθ</m:t>
                           </m:r>
                         </m:sup>
@@ -7221,22 +7716,30 @@
                           <m:chr m:val="∏"/>
                           <m:limLoc m:val="undOvr"/>
                           <m:ctrlPr>
-                            <a:rPr lang="en-US" sz="3200" i="1"/>
+                            <a:rPr lang="en-US" sz="3200" i="1">
+                              <a:latin typeface="Cambria Math" panose="02040503050406030204" pitchFamily="18" charset="0"/>
+                            </a:rPr>
                           </m:ctrlPr>
                         </m:naryPr>
                         <m:sub>
                           <m:r>
-                            <a:rPr lang="en-US" sz="3200" i="1"/>
+                            <a:rPr lang="en-US" sz="3200" i="1">
+                              <a:latin typeface="Cambria Math" panose="02040503050406030204" pitchFamily="18" charset="0"/>
+                            </a:rPr>
                             <m:t>𝑖</m:t>
                           </m:r>
                           <m:r>
-                            <a:rPr lang="en-US" sz="3200" i="1"/>
+                            <a:rPr lang="en-US" sz="3200" i="1">
+                              <a:latin typeface="Cambria Math" panose="02040503050406030204" pitchFamily="18" charset="0"/>
+                            </a:rPr>
                             <m:t>=1</m:t>
                           </m:r>
                         </m:sub>
                         <m:sup>
                           <m:r>
-                            <a:rPr lang="en-US" sz="3200" i="1"/>
+                            <a:rPr lang="en-US" sz="3200" i="1">
+                              <a:latin typeface="Cambria Math" panose="02040503050406030204" pitchFamily="18" charset="0"/>
+                            </a:rPr>
                             <m:t>𝑛</m:t>
                           </m:r>
                         </m:sup>
@@ -7244,7 +7747,9 @@
                           <m:sSup>
                             <m:sSupPr>
                               <m:ctrlPr>
-                                <a:rPr lang="en-US" sz="3200" i="1"/>
+                                <a:rPr lang="en-US" sz="3200" i="1">
+                                  <a:latin typeface="Cambria Math" panose="02040503050406030204" pitchFamily="18" charset="0"/>
+                                </a:rPr>
                               </m:ctrlPr>
                             </m:sSupPr>
                             <m:e>
@@ -7252,41 +7757,55 @@
                                 <m:rPr>
                                   <m:sty m:val="p"/>
                                 </m:rPr>
-                                <a:rPr lang="en-US" sz="3200"/>
+                                <a:rPr lang="en-US" sz="3200">
+                                  <a:latin typeface="Cambria Math" panose="02040503050406030204" pitchFamily="18" charset="0"/>
+                                </a:rPr>
                                 <m:t>θ</m:t>
                               </m:r>
                               <m:r>
-                                <a:rPr lang="en-US" sz="3200" i="1"/>
+                                <a:rPr lang="en-US" sz="3200" i="1">
+                                  <a:latin typeface="Cambria Math" panose="02040503050406030204" pitchFamily="18" charset="0"/>
+                                </a:rPr>
                                 <m:t>𝑒</m:t>
                               </m:r>
                             </m:e>
                             <m:sup>
                               <m:r>
-                                <a:rPr lang="en-US" sz="3200" i="1"/>
+                                <a:rPr lang="en-US" sz="3200" i="1">
+                                  <a:latin typeface="Cambria Math" panose="02040503050406030204" pitchFamily="18" charset="0"/>
+                                </a:rPr>
                                 <m:t>−</m:t>
                               </m:r>
                               <m:r>
                                 <m:rPr>
                                   <m:sty m:val="p"/>
                                 </m:rPr>
-                                <a:rPr lang="en-US" sz="3200"/>
+                                <a:rPr lang="en-US" sz="3200">
+                                  <a:latin typeface="Cambria Math" panose="02040503050406030204" pitchFamily="18" charset="0"/>
+                                </a:rPr>
                                 <m:t>θ</m:t>
                               </m:r>
                               <m:sSub>
                                 <m:sSubPr>
                                   <m:ctrlPr>
-                                    <a:rPr lang="en-US" sz="3200" i="1"/>
+                                    <a:rPr lang="en-US" sz="3200" i="1">
+                                      <a:latin typeface="Cambria Math" panose="02040503050406030204" pitchFamily="18" charset="0"/>
+                                    </a:rPr>
                                   </m:ctrlPr>
                                 </m:sSubPr>
                                 <m:e>
                                   <m:r>
-                                    <a:rPr lang="en-US" sz="3200" i="1"/>
+                                    <a:rPr lang="en-US" sz="3200" i="1">
+                                      <a:latin typeface="Cambria Math" panose="02040503050406030204" pitchFamily="18" charset="0"/>
+                                    </a:rPr>
                                     <m:t>𝑥</m:t>
                                   </m:r>
                                 </m:e>
                                 <m:sub>
                                   <m:r>
-                                    <a:rPr lang="en-US" sz="3200" i="1"/>
+                                    <a:rPr lang="en-US" sz="3200" i="1">
+                                      <a:latin typeface="Cambria Math" panose="02040503050406030204" pitchFamily="18" charset="0"/>
+                                    </a:rPr>
                                     <m:t>𝑖</m:t>
                                   </m:r>
                                 </m:sub>
@@ -7317,13 +7836,17 @@
                     </m:oMathParaPr>
                     <m:oMath xmlns:m="http://schemas.openxmlformats.org/officeDocument/2006/math">
                       <m:r>
-                        <a:rPr lang="en-US" sz="3200" i="1"/>
+                        <a:rPr lang="en-US" sz="3200" i="1">
+                          <a:latin typeface="Cambria Math" panose="02040503050406030204" pitchFamily="18" charset="0"/>
+                        </a:rPr>
                         <m:t>∝</m:t>
                       </m:r>
                       <m:sSup>
                         <m:sSupPr>
                           <m:ctrlPr>
-                            <a:rPr lang="en-US" sz="3200" i="1"/>
+                            <a:rPr lang="en-US" sz="3200" i="1">
+                              <a:latin typeface="Cambria Math" panose="02040503050406030204" pitchFamily="18" charset="0"/>
+                            </a:rPr>
                           </m:ctrlPr>
                         </m:sSupPr>
                         <m:e>
@@ -7331,7 +7854,9 @@
                             <m:rPr>
                               <m:sty m:val="p"/>
                             </m:rPr>
-                            <a:rPr lang="en-US" sz="3200"/>
+                            <a:rPr lang="en-US" sz="3200">
+                              <a:latin typeface="Cambria Math" panose="02040503050406030204" pitchFamily="18" charset="0"/>
+                            </a:rPr>
                             <m:t>θ</m:t>
                           </m:r>
                         </m:e>
@@ -7340,26 +7865,36 @@
                             <m:rPr>
                               <m:sty m:val="p"/>
                             </m:rPr>
-                            <a:rPr lang="en-US" sz="3200" baseline="30000"/>
+                            <a:rPr lang="en-US" sz="3200" baseline="30000">
+                              <a:latin typeface="Cambria Math" panose="02040503050406030204" pitchFamily="18" charset="0"/>
+                            </a:rPr>
                             <m:t>α</m:t>
                           </m:r>
                           <m:r>
-                            <a:rPr lang="en-US" sz="3200" baseline="30000"/>
+                            <a:rPr lang="en-US" sz="3200" baseline="30000">
+                              <a:latin typeface="Cambria Math" panose="02040503050406030204" pitchFamily="18" charset="0"/>
+                            </a:rPr>
                             <m:t>+</m:t>
                           </m:r>
                           <m:r>
                             <m:rPr>
                               <m:sty m:val="p"/>
                             </m:rPr>
-                            <a:rPr lang="en-US" sz="3200" baseline="30000"/>
+                            <a:rPr lang="en-US" sz="3200" baseline="30000">
+                              <a:latin typeface="Cambria Math" panose="02040503050406030204" pitchFamily="18" charset="0"/>
+                            </a:rPr>
                             <m:t>n</m:t>
                           </m:r>
                           <m:r>
-                            <a:rPr lang="en-US" sz="3200" i="1" baseline="30000"/>
+                            <a:rPr lang="en-US" sz="3200" i="1" baseline="30000">
+                              <a:latin typeface="Cambria Math" panose="02040503050406030204" pitchFamily="18" charset="0"/>
+                            </a:rPr>
                             <m:t>−</m:t>
                           </m:r>
                           <m:r>
-                            <a:rPr lang="en-US" sz="3200" baseline="30000"/>
+                            <a:rPr lang="en-US" sz="3200" baseline="30000">
+                              <a:latin typeface="Cambria Math" panose="02040503050406030204" pitchFamily="18" charset="0"/>
+                            </a:rPr>
                             <m:t>1</m:t>
                           </m:r>
                         </m:sup>
@@ -7367,33 +7902,45 @@
                       <m:sSup>
                         <m:sSupPr>
                           <m:ctrlPr>
-                            <a:rPr lang="en-US" sz="3200" i="1"/>
+                            <a:rPr lang="en-US" sz="3200" i="1">
+                              <a:latin typeface="Cambria Math" panose="02040503050406030204" pitchFamily="18" charset="0"/>
+                            </a:rPr>
                           </m:ctrlPr>
                         </m:sSupPr>
                         <m:e>
                           <m:r>
-                            <a:rPr lang="en-US" sz="3200" i="1"/>
+                            <a:rPr lang="en-US" sz="3200" i="1">
+                              <a:latin typeface="Cambria Math" panose="02040503050406030204" pitchFamily="18" charset="0"/>
+                            </a:rPr>
                             <m:t>𝑒</m:t>
                           </m:r>
                         </m:e>
                         <m:sup>
                           <m:r>
-                            <a:rPr lang="en-US" sz="3200" i="1"/>
+                            <a:rPr lang="en-US" sz="3200" i="1">
+                              <a:latin typeface="Cambria Math" panose="02040503050406030204" pitchFamily="18" charset="0"/>
+                            </a:rPr>
                             <m:t>−</m:t>
                           </m:r>
                           <m:r>
-                            <a:rPr lang="en-US" sz="3200"/>
+                            <a:rPr lang="en-US" sz="3200">
+                              <a:latin typeface="Cambria Math" panose="02040503050406030204" pitchFamily="18" charset="0"/>
+                            </a:rPr>
                             <m:t>(</m:t>
                           </m:r>
                           <m:r>
                             <m:rPr>
                               <m:sty m:val="p"/>
                             </m:rPr>
-                            <a:rPr lang="en-US" sz="3200"/>
+                            <a:rPr lang="en-US" sz="3200">
+                              <a:latin typeface="Cambria Math" panose="02040503050406030204" pitchFamily="18" charset="0"/>
+                            </a:rPr>
                             <m:t>β</m:t>
                           </m:r>
                           <m:r>
-                            <a:rPr lang="en-US" sz="3200"/>
+                            <a:rPr lang="en-US" sz="3200">
+                              <a:latin typeface="Cambria Math" panose="02040503050406030204" pitchFamily="18" charset="0"/>
+                            </a:rPr>
                             <m:t>+</m:t>
                           </m:r>
                           <m:nary>
@@ -7401,22 +7948,30 @@
                               <m:chr m:val="∑"/>
                               <m:limLoc m:val="undOvr"/>
                               <m:ctrlPr>
-                                <a:rPr lang="en-US" sz="3200" i="1"/>
+                                <a:rPr lang="en-US" sz="3200" i="1">
+                                  <a:latin typeface="Cambria Math" panose="02040503050406030204" pitchFamily="18" charset="0"/>
+                                </a:rPr>
                               </m:ctrlPr>
                             </m:naryPr>
                             <m:sub>
                               <m:r>
-                                <a:rPr lang="en-US" sz="3200" i="1"/>
+                                <a:rPr lang="en-US" sz="3200" i="1">
+                                  <a:latin typeface="Cambria Math" panose="02040503050406030204" pitchFamily="18" charset="0"/>
+                                </a:rPr>
                                 <m:t>𝑖</m:t>
                               </m:r>
                               <m:r>
-                                <a:rPr lang="en-US" sz="3200" i="1"/>
+                                <a:rPr lang="en-US" sz="3200" i="1">
+                                  <a:latin typeface="Cambria Math" panose="02040503050406030204" pitchFamily="18" charset="0"/>
+                                </a:rPr>
                                 <m:t>=1</m:t>
                               </m:r>
                             </m:sub>
                             <m:sup>
                               <m:r>
-                                <a:rPr lang="en-US" sz="3200" i="1"/>
+                                <a:rPr lang="en-US" sz="3200" i="1">
+                                  <a:latin typeface="Cambria Math" panose="02040503050406030204" pitchFamily="18" charset="0"/>
+                                </a:rPr>
                                 <m:t>𝑛</m:t>
                               </m:r>
                             </m:sup>
@@ -7424,18 +7979,24 @@
                               <m:sSub>
                                 <m:sSubPr>
                                   <m:ctrlPr>
-                                    <a:rPr lang="en-US" sz="3200" i="1"/>
+                                    <a:rPr lang="en-US" sz="3200" i="1">
+                                      <a:latin typeface="Cambria Math" panose="02040503050406030204" pitchFamily="18" charset="0"/>
+                                    </a:rPr>
                                   </m:ctrlPr>
                                 </m:sSubPr>
                                 <m:e>
                                   <m:r>
-                                    <a:rPr lang="en-US" sz="3200" i="1"/>
+                                    <a:rPr lang="en-US" sz="3200" i="1">
+                                      <a:latin typeface="Cambria Math" panose="02040503050406030204" pitchFamily="18" charset="0"/>
+                                    </a:rPr>
                                     <m:t>𝑥</m:t>
                                   </m:r>
                                 </m:e>
                                 <m:sub>
                                   <m:r>
-                                    <a:rPr lang="en-US" sz="3200" i="1"/>
+                                    <a:rPr lang="en-US" sz="3200" i="1">
+                                      <a:latin typeface="Cambria Math" panose="02040503050406030204" pitchFamily="18" charset="0"/>
+                                    </a:rPr>
                                     <m:t>𝑖</m:t>
                                   </m:r>
                                 </m:sub>
@@ -7443,14 +8004,18 @@
                             </m:e>
                           </m:nary>
                           <m:r>
-                            <a:rPr lang="en-US" sz="3200"/>
+                            <a:rPr lang="en-US" sz="3200">
+                              <a:latin typeface="Cambria Math" panose="02040503050406030204" pitchFamily="18" charset="0"/>
+                            </a:rPr>
                             <m:t>)</m:t>
                           </m:r>
                           <m:r>
                             <m:rPr>
                               <m:sty m:val="p"/>
                             </m:rPr>
-                            <a:rPr lang="en-US" sz="3200"/>
+                            <a:rPr lang="en-US" sz="3200">
+                              <a:latin typeface="Cambria Math" panose="02040503050406030204" pitchFamily="18" charset="0"/>
+                            </a:rPr>
                             <m:t>θ</m:t>
                           </m:r>
                         </m:sup>
@@ -7477,51 +8042,75 @@
                     </m:oMathParaPr>
                     <m:oMath xmlns:m="http://schemas.openxmlformats.org/officeDocument/2006/math">
                       <m:r>
-                        <a:rPr lang="en-US" sz="3200" i="1"/>
+                        <a:rPr lang="en-US" sz="3200" i="1">
+                          <a:latin typeface="Cambria Math" panose="02040503050406030204" pitchFamily="18" charset="0"/>
+                        </a:rPr>
                         <m:t>𝜃</m:t>
                       </m:r>
                       <m:r>
-                        <a:rPr lang="en-US" sz="3200" i="1"/>
+                        <a:rPr lang="en-US" sz="3200" i="1">
+                          <a:latin typeface="Cambria Math" panose="02040503050406030204" pitchFamily="18" charset="0"/>
+                        </a:rPr>
                         <m:t>|</m:t>
                       </m:r>
                       <m:r>
-                        <a:rPr lang="en-US" sz="3200" i="1"/>
+                        <a:rPr lang="en-US" sz="3200" i="1">
+                          <a:latin typeface="Cambria Math" panose="02040503050406030204" pitchFamily="18" charset="0"/>
+                        </a:rPr>
                         <m:t>𝑥</m:t>
                       </m:r>
                       <m:r>
-                        <a:rPr lang="en-US" sz="3200" i="1"/>
+                        <a:rPr lang="en-US" sz="3200" i="1">
+                          <a:latin typeface="Cambria Math" panose="02040503050406030204" pitchFamily="18" charset="0"/>
+                        </a:rPr>
                         <m:t> ~ </m:t>
                       </m:r>
                       <m:r>
-                        <a:rPr lang="en-US" sz="3200" i="1"/>
+                        <a:rPr lang="en-US" sz="3200" i="1">
+                          <a:latin typeface="Cambria Math" panose="02040503050406030204" pitchFamily="18" charset="0"/>
+                        </a:rPr>
                         <m:t>𝐺𝑎𝑚𝑚𝑎</m:t>
                       </m:r>
                       <m:r>
-                        <a:rPr lang="en-US" sz="3200" i="1"/>
+                        <a:rPr lang="en-US" sz="3200" i="1">
+                          <a:latin typeface="Cambria Math" panose="02040503050406030204" pitchFamily="18" charset="0"/>
+                        </a:rPr>
                         <m:t>(</m:t>
                       </m:r>
                       <m:r>
-                        <a:rPr lang="en-US" sz="3200" i="1"/>
+                        <a:rPr lang="en-US" sz="3200" i="1">
+                          <a:latin typeface="Cambria Math" panose="02040503050406030204" pitchFamily="18" charset="0"/>
+                        </a:rPr>
                         <m:t>𝛼</m:t>
                       </m:r>
                       <m:r>
-                        <a:rPr lang="en-US" sz="3200" i="1"/>
+                        <a:rPr lang="en-US" sz="3200" i="1">
+                          <a:latin typeface="Cambria Math" panose="02040503050406030204" pitchFamily="18" charset="0"/>
+                        </a:rPr>
                         <m:t>+</m:t>
                       </m:r>
                       <m:r>
-                        <a:rPr lang="en-US" sz="3200" i="1"/>
+                        <a:rPr lang="en-US" sz="3200" i="1">
+                          <a:latin typeface="Cambria Math" panose="02040503050406030204" pitchFamily="18" charset="0"/>
+                        </a:rPr>
                         <m:t>𝑛</m:t>
                       </m:r>
                       <m:r>
-                        <a:rPr lang="en-US" sz="3200" i="1"/>
+                        <a:rPr lang="en-US" sz="3200" i="1">
+                          <a:latin typeface="Cambria Math" panose="02040503050406030204" pitchFamily="18" charset="0"/>
+                        </a:rPr>
                         <m:t> , </m:t>
                       </m:r>
                       <m:r>
-                        <a:rPr lang="en-US" sz="3200" i="1"/>
+                        <a:rPr lang="en-US" sz="3200" i="1">
+                          <a:latin typeface="Cambria Math" panose="02040503050406030204" pitchFamily="18" charset="0"/>
+                        </a:rPr>
                         <m:t>𝛽</m:t>
                       </m:r>
                       <m:r>
-                        <a:rPr lang="en-US" sz="3200"/>
+                        <a:rPr lang="en-US" sz="3200">
+                          <a:latin typeface="Cambria Math" panose="02040503050406030204" pitchFamily="18" charset="0"/>
+                        </a:rPr>
                         <m:t>+</m:t>
                       </m:r>
                       <m:nary>
@@ -7529,22 +8118,30 @@
                           <m:chr m:val="∑"/>
                           <m:limLoc m:val="undOvr"/>
                           <m:ctrlPr>
-                            <a:rPr lang="en-US" sz="3200" i="1"/>
+                            <a:rPr lang="en-US" sz="3200" i="1">
+                              <a:latin typeface="Cambria Math" panose="02040503050406030204" pitchFamily="18" charset="0"/>
+                            </a:rPr>
                           </m:ctrlPr>
                         </m:naryPr>
                         <m:sub>
                           <m:r>
-                            <a:rPr lang="en-US" sz="3200" i="1"/>
+                            <a:rPr lang="en-US" sz="3200" i="1">
+                              <a:latin typeface="Cambria Math" panose="02040503050406030204" pitchFamily="18" charset="0"/>
+                            </a:rPr>
                             <m:t>𝑖</m:t>
                           </m:r>
                           <m:r>
-                            <a:rPr lang="en-US" sz="3200" i="1"/>
+                            <a:rPr lang="en-US" sz="3200" i="1">
+                              <a:latin typeface="Cambria Math" panose="02040503050406030204" pitchFamily="18" charset="0"/>
+                            </a:rPr>
                             <m:t>=1</m:t>
                           </m:r>
                         </m:sub>
                         <m:sup>
                           <m:r>
-                            <a:rPr lang="en-US" sz="3200" i="1"/>
+                            <a:rPr lang="en-US" sz="3200" i="1">
+                              <a:latin typeface="Cambria Math" panose="02040503050406030204" pitchFamily="18" charset="0"/>
+                            </a:rPr>
                             <m:t>𝑛</m:t>
                           </m:r>
                         </m:sup>
@@ -7552,18 +8149,24 @@
                           <m:sSub>
                             <m:sSubPr>
                               <m:ctrlPr>
-                                <a:rPr lang="en-US" sz="3200" i="1"/>
+                                <a:rPr lang="en-US" sz="3200" i="1">
+                                  <a:latin typeface="Cambria Math" panose="02040503050406030204" pitchFamily="18" charset="0"/>
+                                </a:rPr>
                               </m:ctrlPr>
                             </m:sSubPr>
                             <m:e>
                               <m:r>
-                                <a:rPr lang="en-US" sz="3200" i="1"/>
+                                <a:rPr lang="en-US" sz="3200" i="1">
+                                  <a:latin typeface="Cambria Math" panose="02040503050406030204" pitchFamily="18" charset="0"/>
+                                </a:rPr>
                                 <m:t>𝑥</m:t>
                               </m:r>
                             </m:e>
                             <m:sub>
                               <m:r>
-                                <a:rPr lang="en-US" sz="3200" i="1"/>
+                                <a:rPr lang="en-US" sz="3200" i="1">
+                                  <a:latin typeface="Cambria Math" panose="02040503050406030204" pitchFamily="18" charset="0"/>
+                                </a:rPr>
                                 <m:t>𝑖</m:t>
                               </m:r>
                             </m:sub>
@@ -7571,7 +8174,9 @@
                         </m:e>
                       </m:nary>
                       <m:r>
-                        <a:rPr lang="en-US" sz="3200" i="1"/>
+                        <a:rPr lang="en-US" sz="3200" i="1">
+                          <a:latin typeface="Cambria Math" panose="02040503050406030204" pitchFamily="18" charset="0"/>
+                        </a:rPr>
                         <m:t>)</m:t>
                       </m:r>
                     </m:oMath>
@@ -7589,7 +8194,7 @@
             </p:txBody>
           </p:sp>
         </mc:Choice>
-        <mc:Fallback>
+        <mc:Fallback xmlns="">
           <p:sp>
             <p:nvSpPr>
               <p:cNvPr id="7" name="Content Placeholder 2">
@@ -7664,8 +8269,8 @@
           <a:chExt cx="0" cy="0"/>
         </a:xfrm>
       </p:grpSpPr>
-      <mc:AlternateContent xmlns:mc="http://schemas.openxmlformats.org/markup-compatibility/2006">
-        <mc:Choice xmlns:a14="http://schemas.microsoft.com/office/drawing/2010/main" Requires="a14">
+      <mc:AlternateContent xmlns:mc="http://schemas.openxmlformats.org/markup-compatibility/2006" xmlns:a14="http://schemas.microsoft.com/office/drawing/2010/main">
+        <mc:Choice Requires="a14">
           <p:sp>
             <p:nvSpPr>
               <p:cNvPr id="3" name="Content Placeholder 2">
@@ -7713,19 +8318,27 @@
                     </m:oMathParaPr>
                     <m:oMath xmlns:m="http://schemas.openxmlformats.org/officeDocument/2006/math">
                       <m:r>
-                        <a:rPr lang="en-US" sz="3200" i="1"/>
+                        <a:rPr lang="en-US" sz="3200" i="1">
+                          <a:latin typeface="Cambria Math" panose="02040503050406030204" pitchFamily="18" charset="0"/>
+                        </a:rPr>
                         <m:t>𝜃</m:t>
                       </m:r>
                       <m:r>
-                        <a:rPr lang="en-US" sz="3200" i="1"/>
+                        <a:rPr lang="en-US" sz="3200" i="1">
+                          <a:latin typeface="Cambria Math" panose="02040503050406030204" pitchFamily="18" charset="0"/>
+                        </a:rPr>
                         <m:t> ~ </m:t>
                       </m:r>
                       <m:r>
-                        <a:rPr lang="en-US" sz="3200" i="1"/>
+                        <a:rPr lang="en-US" sz="3200" i="1">
+                          <a:latin typeface="Cambria Math" panose="02040503050406030204" pitchFamily="18" charset="0"/>
+                        </a:rPr>
                         <m:t>𝐺𝑎𝑚𝑚𝑎</m:t>
                       </m:r>
                       <m:r>
-                        <a:rPr lang="en-US" sz="3200" i="1"/>
+                        <a:rPr lang="en-US" sz="3200" i="1">
+                          <a:latin typeface="Cambria Math" panose="02040503050406030204" pitchFamily="18" charset="0"/>
+                        </a:rPr>
                         <m:t>(1, 0)</m:t>
                       </m:r>
                     </m:oMath>
@@ -7750,35 +8363,51 @@
                     </m:oMathParaPr>
                     <m:oMath xmlns:m="http://schemas.openxmlformats.org/officeDocument/2006/math">
                       <m:r>
-                        <a:rPr lang="en-US" sz="3200" i="1"/>
+                        <a:rPr lang="en-US" sz="3200" i="1">
+                          <a:latin typeface="Cambria Math" panose="02040503050406030204" pitchFamily="18" charset="0"/>
+                        </a:rPr>
                         <m:t>𝜃</m:t>
                       </m:r>
                       <m:r>
-                        <a:rPr lang="en-US" sz="3200" i="1"/>
+                        <a:rPr lang="en-US" sz="3200" i="1">
+                          <a:latin typeface="Cambria Math" panose="02040503050406030204" pitchFamily="18" charset="0"/>
+                        </a:rPr>
                         <m:t>|</m:t>
                       </m:r>
                       <m:r>
-                        <a:rPr lang="en-US" sz="3200" i="1"/>
+                        <a:rPr lang="en-US" sz="3200" i="1">
+                          <a:latin typeface="Cambria Math" panose="02040503050406030204" pitchFamily="18" charset="0"/>
+                        </a:rPr>
                         <m:t>𝑥</m:t>
                       </m:r>
                       <m:r>
-                        <a:rPr lang="en-US" sz="3200" i="1"/>
+                        <a:rPr lang="en-US" sz="3200" i="1">
+                          <a:latin typeface="Cambria Math" panose="02040503050406030204" pitchFamily="18" charset="0"/>
+                        </a:rPr>
                         <m:t> ~ </m:t>
                       </m:r>
                       <m:r>
-                        <a:rPr lang="en-US" sz="3200" i="1"/>
+                        <a:rPr lang="en-US" sz="3200" i="1">
+                          <a:latin typeface="Cambria Math" panose="02040503050406030204" pitchFamily="18" charset="0"/>
+                        </a:rPr>
                         <m:t>𝐺𝑎𝑚𝑚𝑎</m:t>
                       </m:r>
                       <m:r>
-                        <a:rPr lang="en-US" sz="3200" i="1"/>
+                        <a:rPr lang="en-US" sz="3200" i="1">
+                          <a:latin typeface="Cambria Math" panose="02040503050406030204" pitchFamily="18" charset="0"/>
+                        </a:rPr>
                         <m:t>(1+</m:t>
                       </m:r>
                       <m:r>
-                        <a:rPr lang="en-US" sz="3200" i="1"/>
+                        <a:rPr lang="en-US" sz="3200" i="1">
+                          <a:latin typeface="Cambria Math" panose="02040503050406030204" pitchFamily="18" charset="0"/>
+                        </a:rPr>
                         <m:t>𝑛</m:t>
                       </m:r>
                       <m:r>
-                        <a:rPr lang="en-US" sz="3200" i="1"/>
+                        <a:rPr lang="en-US" sz="3200" i="1">
+                          <a:latin typeface="Cambria Math" panose="02040503050406030204" pitchFamily="18" charset="0"/>
+                        </a:rPr>
                         <m:t> , </m:t>
                       </m:r>
                       <m:nary>
@@ -7786,22 +8415,30 @@
                           <m:chr m:val="∑"/>
                           <m:limLoc m:val="undOvr"/>
                           <m:ctrlPr>
-                            <a:rPr lang="en-US" sz="3200" i="1"/>
+                            <a:rPr lang="en-US" sz="3200" i="1">
+                              <a:latin typeface="Cambria Math" panose="02040503050406030204" pitchFamily="18" charset="0"/>
+                            </a:rPr>
                           </m:ctrlPr>
                         </m:naryPr>
                         <m:sub>
                           <m:r>
-                            <a:rPr lang="en-US" sz="3200" i="1"/>
+                            <a:rPr lang="en-US" sz="3200" i="1">
+                              <a:latin typeface="Cambria Math" panose="02040503050406030204" pitchFamily="18" charset="0"/>
+                            </a:rPr>
                             <m:t>𝑖</m:t>
                           </m:r>
                           <m:r>
-                            <a:rPr lang="en-US" sz="3200" i="1"/>
+                            <a:rPr lang="en-US" sz="3200" i="1">
+                              <a:latin typeface="Cambria Math" panose="02040503050406030204" pitchFamily="18" charset="0"/>
+                            </a:rPr>
                             <m:t>=1</m:t>
                           </m:r>
                         </m:sub>
                         <m:sup>
                           <m:r>
-                            <a:rPr lang="en-US" sz="3200" i="1"/>
+                            <a:rPr lang="en-US" sz="3200" i="1">
+                              <a:latin typeface="Cambria Math" panose="02040503050406030204" pitchFamily="18" charset="0"/>
+                            </a:rPr>
                             <m:t>𝑛</m:t>
                           </m:r>
                         </m:sup>
@@ -7809,18 +8446,24 @@
                           <m:sSub>
                             <m:sSubPr>
                               <m:ctrlPr>
-                                <a:rPr lang="en-US" sz="3200" i="1"/>
+                                <a:rPr lang="en-US" sz="3200" i="1">
+                                  <a:latin typeface="Cambria Math" panose="02040503050406030204" pitchFamily="18" charset="0"/>
+                                </a:rPr>
                               </m:ctrlPr>
                             </m:sSubPr>
                             <m:e>
                               <m:r>
-                                <a:rPr lang="en-US" sz="3200" i="1"/>
+                                <a:rPr lang="en-US" sz="3200" i="1">
+                                  <a:latin typeface="Cambria Math" panose="02040503050406030204" pitchFamily="18" charset="0"/>
+                                </a:rPr>
                                 <m:t>𝑥</m:t>
                               </m:r>
                             </m:e>
                             <m:sub>
                               <m:r>
-                                <a:rPr lang="en-US" sz="3200" i="1"/>
+                                <a:rPr lang="en-US" sz="3200" i="1">
+                                  <a:latin typeface="Cambria Math" panose="02040503050406030204" pitchFamily="18" charset="0"/>
+                                </a:rPr>
                                 <m:t>𝑖</m:t>
                               </m:r>
                             </m:sub>
@@ -7835,7 +8478,7 @@
             </p:txBody>
           </p:sp>
         </mc:Choice>
-        <mc:Fallback>
+        <mc:Fallback xmlns="">
           <p:sp>
             <p:nvSpPr>
               <p:cNvPr id="3" name="Content Placeholder 2">
@@ -7963,8 +8606,8 @@
           </a:p>
         </p:txBody>
       </p:sp>
-      <mc:AlternateContent xmlns:mc="http://schemas.openxmlformats.org/markup-compatibility/2006">
-        <mc:Choice xmlns:a14="http://schemas.microsoft.com/office/drawing/2010/main" Requires="a14">
+      <mc:AlternateContent xmlns:mc="http://schemas.openxmlformats.org/markup-compatibility/2006" xmlns:a14="http://schemas.microsoft.com/office/drawing/2010/main">
+        <mc:Choice Requires="a14">
           <p:sp>
             <p:nvSpPr>
               <p:cNvPr id="7" name="Content Placeholder 2">
@@ -8236,48 +8879,66 @@
                     </m:oMathParaPr>
                     <m:oMath xmlns:m="http://schemas.openxmlformats.org/officeDocument/2006/math">
                       <m:r>
-                        <a:rPr lang="en-US" sz="3200" i="1"/>
+                        <a:rPr lang="en-US" sz="3200" i="1">
+                          <a:latin typeface="Cambria Math" panose="02040503050406030204" pitchFamily="18" charset="0"/>
+                        </a:rPr>
                         <m:t>𝐸</m:t>
                       </m:r>
                       <m:r>
-                        <a:rPr lang="en-US" sz="3200" i="1"/>
+                        <a:rPr lang="en-US" sz="3200" i="1">
+                          <a:latin typeface="Cambria Math" panose="02040503050406030204" pitchFamily="18" charset="0"/>
+                        </a:rPr>
                         <m:t>(</m:t>
                       </m:r>
                       <m:r>
-                        <a:rPr lang="en-US" sz="3200" i="1"/>
+                        <a:rPr lang="en-US" sz="3200" i="1">
+                          <a:latin typeface="Cambria Math" panose="02040503050406030204" pitchFamily="18" charset="0"/>
+                        </a:rPr>
                         <m:t>𝜃</m:t>
                       </m:r>
                       <m:d>
                         <m:dPr>
                           <m:begChr m:val="|"/>
                           <m:ctrlPr>
-                            <a:rPr lang="en-US" sz="3200" i="1"/>
+                            <a:rPr lang="en-US" sz="3200" i="1">
+                              <a:latin typeface="Cambria Math" panose="02040503050406030204" pitchFamily="18" charset="0"/>
+                            </a:rPr>
                           </m:ctrlPr>
                         </m:dPr>
                         <m:e>
                           <m:r>
-                            <a:rPr lang="en-US" sz="3200" i="1"/>
+                            <a:rPr lang="en-US" sz="3200" i="1">
+                              <a:latin typeface="Cambria Math" panose="02040503050406030204" pitchFamily="18" charset="0"/>
+                            </a:rPr>
                             <m:t>𝑥</m:t>
                           </m:r>
                         </m:e>
                       </m:d>
                       <m:r>
-                        <a:rPr lang="en-US" sz="3200" i="1"/>
+                        <a:rPr lang="en-US" sz="3200" i="1">
+                          <a:latin typeface="Cambria Math" panose="02040503050406030204" pitchFamily="18" charset="0"/>
+                        </a:rPr>
                         <m:t>=</m:t>
                       </m:r>
                       <m:f>
                         <m:fPr>
                           <m:ctrlPr>
-                            <a:rPr lang="en-US" sz="3200" i="1"/>
+                            <a:rPr lang="en-US" sz="3200" i="1">
+                              <a:latin typeface="Cambria Math" panose="02040503050406030204" pitchFamily="18" charset="0"/>
+                            </a:rPr>
                           </m:ctrlPr>
                         </m:fPr>
                         <m:num>
                           <m:r>
-                            <a:rPr lang="en-US" sz="3200" i="1"/>
+                            <a:rPr lang="en-US" sz="3200" i="1">
+                              <a:latin typeface="Cambria Math" panose="02040503050406030204" pitchFamily="18" charset="0"/>
+                            </a:rPr>
                             <m:t>1+</m:t>
                           </m:r>
                           <m:r>
-                            <a:rPr lang="en-US" sz="3200" i="1"/>
+                            <a:rPr lang="en-US" sz="3200" i="1">
+                              <a:latin typeface="Cambria Math" panose="02040503050406030204" pitchFamily="18" charset="0"/>
+                            </a:rPr>
                             <m:t>𝑛</m:t>
                           </m:r>
                         </m:num>
@@ -8287,22 +8948,30 @@
                               <m:chr m:val="∑"/>
                               <m:limLoc m:val="undOvr"/>
                               <m:ctrlPr>
-                                <a:rPr lang="en-US" sz="3200" i="1"/>
+                                <a:rPr lang="en-US" sz="3200" i="1">
+                                  <a:latin typeface="Cambria Math" panose="02040503050406030204" pitchFamily="18" charset="0"/>
+                                </a:rPr>
                               </m:ctrlPr>
                             </m:naryPr>
                             <m:sub>
                               <m:r>
-                                <a:rPr lang="en-US" sz="3200" i="1"/>
+                                <a:rPr lang="en-US" sz="3200" i="1">
+                                  <a:latin typeface="Cambria Math" panose="02040503050406030204" pitchFamily="18" charset="0"/>
+                                </a:rPr>
                                 <m:t>𝑖</m:t>
                               </m:r>
                               <m:r>
-                                <a:rPr lang="en-US" sz="3200" i="1"/>
+                                <a:rPr lang="en-US" sz="3200" i="1">
+                                  <a:latin typeface="Cambria Math" panose="02040503050406030204" pitchFamily="18" charset="0"/>
+                                </a:rPr>
                                 <m:t>=1</m:t>
                               </m:r>
                             </m:sub>
                             <m:sup>
                               <m:r>
-                                <a:rPr lang="en-US" sz="3200" i="1"/>
+                                <a:rPr lang="en-US" sz="3200" i="1">
+                                  <a:latin typeface="Cambria Math" panose="02040503050406030204" pitchFamily="18" charset="0"/>
+                                </a:rPr>
                                 <m:t>𝑛</m:t>
                               </m:r>
                             </m:sup>
@@ -8310,18 +8979,24 @@
                               <m:sSub>
                                 <m:sSubPr>
                                   <m:ctrlPr>
-                                    <a:rPr lang="en-US" sz="3200" i="1"/>
+                                    <a:rPr lang="en-US" sz="3200" i="1">
+                                      <a:latin typeface="Cambria Math" panose="02040503050406030204" pitchFamily="18" charset="0"/>
+                                    </a:rPr>
                                   </m:ctrlPr>
                                 </m:sSubPr>
                                 <m:e>
                                   <m:r>
-                                    <a:rPr lang="en-US" sz="3200" i="1"/>
+                                    <a:rPr lang="en-US" sz="3200" i="1">
+                                      <a:latin typeface="Cambria Math" panose="02040503050406030204" pitchFamily="18" charset="0"/>
+                                    </a:rPr>
                                     <m:t>𝑥</m:t>
                                   </m:r>
                                 </m:e>
                                 <m:sub>
                                   <m:r>
-                                    <a:rPr lang="en-US" sz="3200" i="1"/>
+                                    <a:rPr lang="en-US" sz="3200" i="1">
+                                      <a:latin typeface="Cambria Math" panose="02040503050406030204" pitchFamily="18" charset="0"/>
+                                    </a:rPr>
                                     <m:t>𝑖</m:t>
                                   </m:r>
                                 </m:sub>
@@ -8352,48 +9027,66 @@
                     </m:oMathParaPr>
                     <m:oMath xmlns:m="http://schemas.openxmlformats.org/officeDocument/2006/math">
                       <m:r>
-                        <a:rPr lang="en-US" sz="3200" i="1"/>
+                        <a:rPr lang="en-US" sz="3200" i="1">
+                          <a:latin typeface="Cambria Math" panose="02040503050406030204" pitchFamily="18" charset="0"/>
+                        </a:rPr>
                         <m:t>𝑉</m:t>
                       </m:r>
                       <m:r>
-                        <a:rPr lang="en-US" sz="3200" i="1"/>
+                        <a:rPr lang="en-US" sz="3200" i="1">
+                          <a:latin typeface="Cambria Math" panose="02040503050406030204" pitchFamily="18" charset="0"/>
+                        </a:rPr>
                         <m:t>(</m:t>
                       </m:r>
                       <m:r>
-                        <a:rPr lang="en-US" sz="3200" i="1"/>
+                        <a:rPr lang="en-US" sz="3200" i="1">
+                          <a:latin typeface="Cambria Math" panose="02040503050406030204" pitchFamily="18" charset="0"/>
+                        </a:rPr>
                         <m:t>𝜃</m:t>
                       </m:r>
                       <m:d>
                         <m:dPr>
                           <m:begChr m:val="|"/>
                           <m:ctrlPr>
-                            <a:rPr lang="en-US" sz="3200" i="1"/>
+                            <a:rPr lang="en-US" sz="3200" i="1">
+                              <a:latin typeface="Cambria Math" panose="02040503050406030204" pitchFamily="18" charset="0"/>
+                            </a:rPr>
                           </m:ctrlPr>
                         </m:dPr>
                         <m:e>
                           <m:r>
-                            <a:rPr lang="en-US" sz="3200" i="1"/>
+                            <a:rPr lang="en-US" sz="3200" i="1">
+                              <a:latin typeface="Cambria Math" panose="02040503050406030204" pitchFamily="18" charset="0"/>
+                            </a:rPr>
                             <m:t>𝑥</m:t>
                           </m:r>
                         </m:e>
                       </m:d>
                       <m:r>
-                        <a:rPr lang="en-US" sz="3200" i="1"/>
+                        <a:rPr lang="en-US" sz="3200" i="1">
+                          <a:latin typeface="Cambria Math" panose="02040503050406030204" pitchFamily="18" charset="0"/>
+                        </a:rPr>
                         <m:t>=</m:t>
                       </m:r>
                       <m:f>
                         <m:fPr>
                           <m:ctrlPr>
-                            <a:rPr lang="en-US" sz="3200" i="1"/>
+                            <a:rPr lang="en-US" sz="3200" i="1">
+                              <a:latin typeface="Cambria Math" panose="02040503050406030204" pitchFamily="18" charset="0"/>
+                            </a:rPr>
                           </m:ctrlPr>
                         </m:fPr>
                         <m:num>
                           <m:r>
-                            <a:rPr lang="en-US" sz="3200" i="1"/>
+                            <a:rPr lang="en-US" sz="3200" i="1">
+                              <a:latin typeface="Cambria Math" panose="02040503050406030204" pitchFamily="18" charset="0"/>
+                            </a:rPr>
                             <m:t>1+</m:t>
                           </m:r>
                           <m:r>
-                            <a:rPr lang="en-US" sz="3200" i="1"/>
+                            <a:rPr lang="en-US" sz="3200" i="1">
+                              <a:latin typeface="Cambria Math" panose="02040503050406030204" pitchFamily="18" charset="0"/>
+                            </a:rPr>
                             <m:t>𝑛</m:t>
                           </m:r>
                         </m:num>
@@ -8401,12 +9094,16 @@
                           <m:sSup>
                             <m:sSupPr>
                               <m:ctrlPr>
-                                <a:rPr lang="en-US" sz="3200" i="1"/>
+                                <a:rPr lang="en-US" sz="3200" i="1">
+                                  <a:latin typeface="Cambria Math" panose="02040503050406030204" pitchFamily="18" charset="0"/>
+                                </a:rPr>
                               </m:ctrlPr>
                             </m:sSupPr>
                             <m:e>
                               <m:r>
-                                <a:rPr lang="en-US" sz="3200" i="1"/>
+                                <a:rPr lang="en-US" sz="3200" i="1">
+                                  <a:latin typeface="Cambria Math" panose="02040503050406030204" pitchFamily="18" charset="0"/>
+                                </a:rPr>
                                 <m:t>(</m:t>
                               </m:r>
                               <m:nary>
@@ -8414,22 +9111,30 @@
                                   <m:chr m:val="∑"/>
                                   <m:limLoc m:val="undOvr"/>
                                   <m:ctrlPr>
-                                    <a:rPr lang="en-US" sz="3200" i="1"/>
+                                    <a:rPr lang="en-US" sz="3200" i="1">
+                                      <a:latin typeface="Cambria Math" panose="02040503050406030204" pitchFamily="18" charset="0"/>
+                                    </a:rPr>
                                   </m:ctrlPr>
                                 </m:naryPr>
                                 <m:sub>
                                   <m:r>
-                                    <a:rPr lang="en-US" sz="3200" i="1"/>
+                                    <a:rPr lang="en-US" sz="3200" i="1">
+                                      <a:latin typeface="Cambria Math" panose="02040503050406030204" pitchFamily="18" charset="0"/>
+                                    </a:rPr>
                                     <m:t>𝑖</m:t>
                                   </m:r>
                                   <m:r>
-                                    <a:rPr lang="en-US" sz="3200" i="1"/>
+                                    <a:rPr lang="en-US" sz="3200" i="1">
+                                      <a:latin typeface="Cambria Math" panose="02040503050406030204" pitchFamily="18" charset="0"/>
+                                    </a:rPr>
                                     <m:t>=1</m:t>
                                   </m:r>
                                 </m:sub>
                                 <m:sup>
                                   <m:r>
-                                    <a:rPr lang="en-US" sz="3200" i="1"/>
+                                    <a:rPr lang="en-US" sz="3200" i="1">
+                                      <a:latin typeface="Cambria Math" panose="02040503050406030204" pitchFamily="18" charset="0"/>
+                                    </a:rPr>
                                     <m:t>𝑛</m:t>
                                   </m:r>
                                 </m:sup>
@@ -8437,24 +9142,32 @@
                                   <m:sSub>
                                     <m:sSubPr>
                                       <m:ctrlPr>
-                                        <a:rPr lang="en-US" sz="3200" i="1"/>
+                                        <a:rPr lang="en-US" sz="3200" i="1">
+                                          <a:latin typeface="Cambria Math" panose="02040503050406030204" pitchFamily="18" charset="0"/>
+                                        </a:rPr>
                                       </m:ctrlPr>
                                     </m:sSubPr>
                                     <m:e>
                                       <m:r>
-                                        <a:rPr lang="en-US" sz="3200" i="1"/>
+                                        <a:rPr lang="en-US" sz="3200" i="1">
+                                          <a:latin typeface="Cambria Math" panose="02040503050406030204" pitchFamily="18" charset="0"/>
+                                        </a:rPr>
                                         <m:t>𝑥</m:t>
                                       </m:r>
                                     </m:e>
                                     <m:sub>
                                       <m:r>
-                                        <a:rPr lang="en-US" sz="3200" i="1"/>
+                                        <a:rPr lang="en-US" sz="3200" i="1">
+                                          <a:latin typeface="Cambria Math" panose="02040503050406030204" pitchFamily="18" charset="0"/>
+                                        </a:rPr>
                                         <m:t>𝑖</m:t>
                                       </m:r>
                                     </m:sub>
                                   </m:sSub>
                                   <m:r>
-                                    <a:rPr lang="en-US" sz="3200" i="1"/>
+                                    <a:rPr lang="en-US" sz="3200" i="1">
+                                      <a:latin typeface="Cambria Math" panose="02040503050406030204" pitchFamily="18" charset="0"/>
+                                    </a:rPr>
                                     <m:t>)</m:t>
                                   </m:r>
                                 </m:e>
@@ -8462,7 +9175,9 @@
                             </m:e>
                             <m:sup>
                               <m:r>
-                                <a:rPr lang="en-US" sz="3200" i="1"/>
+                                <a:rPr lang="en-US" sz="3200" i="1">
+                                  <a:latin typeface="Cambria Math" panose="02040503050406030204" pitchFamily="18" charset="0"/>
+                                </a:rPr>
                                 <m:t>2</m:t>
                               </m:r>
                             </m:sup>
@@ -8484,7 +9199,7 @@
             </p:txBody>
           </p:sp>
         </mc:Choice>
-        <mc:Fallback>
+        <mc:Fallback xmlns="">
           <p:sp>
             <p:nvSpPr>
               <p:cNvPr id="7" name="Content Placeholder 2">
@@ -8983,8 +9698,8 @@
           </a:prstGeom>
         </p:spPr>
       </p:pic>
-      <mc:AlternateContent xmlns:mc="http://schemas.openxmlformats.org/markup-compatibility/2006">
-        <mc:Choice xmlns:a14="http://schemas.microsoft.com/office/drawing/2010/main" Requires="a14">
+      <mc:AlternateContent xmlns:mc="http://schemas.openxmlformats.org/markup-compatibility/2006" xmlns:a14="http://schemas.microsoft.com/office/drawing/2010/main">
+        <mc:Choice Requires="a14">
           <p:sp>
             <p:nvSpPr>
               <p:cNvPr id="6" name="TextBox 5">
@@ -9021,6 +9736,7 @@
                 </a:r>
               </a:p>
               <a:p>
+                <a:pPr/>
                 <a14:m>
                   <m:oMathPara xmlns:m="http://schemas.openxmlformats.org/officeDocument/2006/math">
                     <m:oMathParaPr>
@@ -9160,7 +9876,7 @@
             </p:txBody>
           </p:sp>
         </mc:Choice>
-        <mc:Fallback>
+        <mc:Fallback xmlns="">
           <p:sp>
             <p:nvSpPr>
               <p:cNvPr id="6" name="TextBox 5">

--- a/222_presentation.pptx
+++ b/222_presentation.pptx
@@ -135,10 +135,6 @@
     </p:extLst>
   </p:cmAuthor>
 </p:cmAuthorLst>
-</file>
-
-<file path=ppt/revisionInfo.xml><?xml version="1.0" encoding="utf-8"?>
-<p1510:revInfo xmlns:a="http://schemas.openxmlformats.org/drawingml/2006/main" xmlns:r="http://schemas.openxmlformats.org/officeDocument/2006/relationships" xmlns:p1510="http://schemas.microsoft.com/office/powerpoint/2015/10/main"/>
 </file>
 
 <file path=ppt/comments/comment1.xml><?xml version="1.0" encoding="utf-8"?>
@@ -3995,55 +3991,6 @@
       </p:sp>
       <p:pic>
         <p:nvPicPr>
-          <p:cNvPr id="1026" name="Picture 2" descr="https://lh4.googleusercontent.com/_v9yMjqzJJXTcAPaijwGw3yAnezQCCU_Z2hjW8W1M4MCwpOTEJiIRUiyeKzBwqNIL2nQyd768_Gy0Adu8oOtg2GHH2YmZzFrH0i0vIzPqIqXOQ8HVvIUiSjF1uL4dfbKNFqqA5vxIZg">
-            <a:extLst>
-              <a:ext uri="{FF2B5EF4-FFF2-40B4-BE49-F238E27FC236}">
-                <a16:creationId xmlns:a16="http://schemas.microsoft.com/office/drawing/2014/main" id="{267E4F48-D8E1-4E4D-AE9E-4F052C617198}"/>
-              </a:ext>
-            </a:extLst>
-          </p:cNvPr>
-          <p:cNvPicPr>
-            <a:picLocks noGrp="1" noChangeAspect="1" noChangeArrowheads="1"/>
-          </p:cNvPicPr>
-          <p:nvPr>
-            <p:ph idx="1"/>
-          </p:nvPr>
-        </p:nvPicPr>
-        <p:blipFill>
-          <a:blip r:embed="rId2">
-            <a:extLst>
-              <a:ext uri="{28A0092B-C50C-407E-A947-70E740481C1C}">
-                <a14:useLocalDpi xmlns:a14="http://schemas.microsoft.com/office/drawing/2010/main" val="0"/>
-              </a:ext>
-            </a:extLst>
-          </a:blip>
-          <a:srcRect/>
-          <a:stretch>
-            <a:fillRect/>
-          </a:stretch>
-        </p:blipFill>
-        <p:spPr bwMode="auto">
-          <a:xfrm>
-            <a:off x="460754" y="1951037"/>
-            <a:ext cx="5762967" cy="3240087"/>
-          </a:xfrm>
-          <a:prstGeom prst="rect">
-            <a:avLst/>
-          </a:prstGeom>
-          <a:noFill/>
-          <a:extLst>
-            <a:ext uri="{909E8E84-426E-40DD-AFC4-6F175D3DCCD1}">
-              <a14:hiddenFill xmlns:a14="http://schemas.microsoft.com/office/drawing/2010/main">
-                <a:solidFill>
-                  <a:srgbClr val="FFFFFF"/>
-                </a:solidFill>
-              </a14:hiddenFill>
-            </a:ext>
-          </a:extLst>
-        </p:spPr>
-      </p:pic>
-      <p:pic>
-        <p:nvPicPr>
           <p:cNvPr id="4" name="Picture 3">
             <a:extLst>
               <a:ext uri="{FF2B5EF4-FFF2-40B4-BE49-F238E27FC236}">
@@ -4057,7 +4004,7 @@
           <p:nvPr/>
         </p:nvPicPr>
         <p:blipFill>
-          <a:blip r:embed="rId3"/>
+          <a:blip r:embed="rId2"/>
           <a:stretch>
             <a:fillRect/>
           </a:stretch>
@@ -4087,7 +4034,7 @@
           <p:nvPr/>
         </p:nvPicPr>
         <p:blipFill>
-          <a:blip r:embed="rId4">
+          <a:blip r:embed="rId3">
             <a:extLst>
               <a:ext uri="{28A0092B-C50C-407E-A947-70E740481C1C}">
                 <a14:useLocalDpi xmlns:a14="http://schemas.microsoft.com/office/drawing/2010/main" val="0"/>
@@ -4103,6 +4050,51 @@
           <a:xfrm>
             <a:off x="5766548" y="2243137"/>
             <a:ext cx="5748119" cy="2903537"/>
+          </a:xfrm>
+          <a:prstGeom prst="rect">
+            <a:avLst/>
+          </a:prstGeom>
+          <a:noFill/>
+          <a:extLst>
+            <a:ext uri="{909E8E84-426E-40DD-AFC4-6F175D3DCCD1}">
+              <a14:hiddenFill xmlns:a14="http://schemas.microsoft.com/office/drawing/2010/main">
+                <a:solidFill>
+                  <a:srgbClr val="FFFFFF"/>
+                </a:solidFill>
+              </a14:hiddenFill>
+            </a:ext>
+          </a:extLst>
+        </p:spPr>
+      </p:pic>
+      <p:pic>
+        <p:nvPicPr>
+          <p:cNvPr id="1030" name="Picture 6" descr="https://lh6.googleusercontent.com/uFlvHS6wMNYquZqD1big9oD2k0SbrlX7XrTCo-nb99hq9fNOrLmLq_tykCRGkEhqEwWmAhjf-RG4xKKl-5M5S1vAbq5MisITgwBYCQT1VfR555kwJWuoXaGAe4Ps3CuXIyj4">
+            <a:extLst>
+              <a:ext uri="{FF2B5EF4-FFF2-40B4-BE49-F238E27FC236}">
+                <a16:creationId xmlns:a16="http://schemas.microsoft.com/office/drawing/2014/main" id="{EC951D39-206C-45CA-ACCD-8C0F9A0B6AA1}"/>
+              </a:ext>
+            </a:extLst>
+          </p:cNvPr>
+          <p:cNvPicPr>
+            <a:picLocks noChangeAspect="1" noChangeArrowheads="1"/>
+          </p:cNvPicPr>
+          <p:nvPr/>
+        </p:nvPicPr>
+        <p:blipFill rotWithShape="1">
+          <a:blip r:embed="rId4">
+            <a:extLst>
+              <a:ext uri="{28A0092B-C50C-407E-A947-70E740481C1C}">
+                <a14:useLocalDpi xmlns:a14="http://schemas.microsoft.com/office/drawing/2010/main" val="0"/>
+              </a:ext>
+            </a:extLst>
+          </a:blip>
+          <a:srcRect l="25269" t="67045" r="40346" b="13687"/>
+          <a:stretch/>
+        </p:blipFill>
+        <p:spPr bwMode="auto">
+          <a:xfrm>
+            <a:off x="1125855" y="3056730"/>
+            <a:ext cx="4192172" cy="1320800"/>
           </a:xfrm>
           <a:prstGeom prst="rect">
             <a:avLst/>
@@ -4834,7 +4826,7 @@
             <a:pPr lvl="1" fontAlgn="base"/>
             <a:r>
               <a:rPr lang="en-US" sz="2800" dirty="0"/>
-              <a:t>Jeffrey’s estimate (Bayesian)</a:t>
+              <a:t>Exponential-Gamma Estimator with Jeffrey’s Prior</a:t>
             </a:r>
           </a:p>
           <a:p>
@@ -6486,8 +6478,8 @@
           <a:chExt cx="0" cy="0"/>
         </a:xfrm>
       </p:grpSpPr>
-      <mc:AlternateContent xmlns:mc="http://schemas.openxmlformats.org/markup-compatibility/2006" xmlns:a14="http://schemas.microsoft.com/office/drawing/2010/main">
-        <mc:Choice Requires="a14">
+      <mc:AlternateContent xmlns:mc="http://schemas.openxmlformats.org/markup-compatibility/2006">
+        <mc:Choice xmlns:a14="http://schemas.microsoft.com/office/drawing/2010/main" Requires="a14">
           <p:sp>
             <p:nvSpPr>
               <p:cNvPr id="3" name="Content Placeholder 2">
@@ -6811,7 +6803,7 @@
                             <m:t>α</m:t>
                           </m:r>
                           <m:r>
-                            <a:rPr lang="en-US" sz="3200" i="1" baseline="30000">
+                            <a:rPr lang="en-US" sz="3200" b="0" i="0" baseline="30000" smtClean="0">
                               <a:latin typeface="Cambria Math" panose="02040503050406030204" pitchFamily="18" charset="0"/>
                             </a:rPr>
                             <m:t>−</m:t>
@@ -7046,7 +7038,7 @@
             </p:txBody>
           </p:sp>
         </mc:Choice>
-        <mc:Fallback xmlns="">
+        <mc:Fallback>
           <p:sp>
             <p:nvSpPr>
               <p:cNvPr id="3" name="Content Placeholder 2">
@@ -7169,13 +7161,13 @@
           <a:p>
             <a:r>
               <a:rPr lang="en-US" dirty="0"/>
-              <a:t>Jeffrey’s Equal-Tailed Interval</a:t>
+              <a:t>Jeffrey’s Prior Bayesian Estimate</a:t>
             </a:r>
           </a:p>
         </p:txBody>
       </p:sp>
-      <mc:AlternateContent xmlns:mc="http://schemas.openxmlformats.org/markup-compatibility/2006" xmlns:a14="http://schemas.microsoft.com/office/drawing/2010/main">
-        <mc:Choice Requires="a14">
+      <mc:AlternateContent xmlns:mc="http://schemas.openxmlformats.org/markup-compatibility/2006">
+        <mc:Choice xmlns:a14="http://schemas.microsoft.com/office/drawing/2010/main" Requires="a14">
           <p:sp>
             <p:nvSpPr>
               <p:cNvPr id="7" name="Content Placeholder 2">
@@ -7438,97 +7430,97 @@
                     </m:oMathParaPr>
                     <m:oMath xmlns:m="http://schemas.openxmlformats.org/officeDocument/2006/math">
                       <m:r>
-                        <a:rPr lang="en-US" sz="3200" i="1">
+                        <a:rPr lang="en-US" sz="3200" i="1" smtClean="0">
                           <a:latin typeface="Cambria Math" panose="02040503050406030204" pitchFamily="18" charset="0"/>
                         </a:rPr>
                         <m:t>𝑝</m:t>
                       </m:r>
                       <m:r>
-                        <a:rPr lang="en-US" sz="3200" i="1">
+                        <a:rPr lang="en-US" sz="3200" i="1" smtClean="0">
                           <a:latin typeface="Cambria Math" panose="02040503050406030204" pitchFamily="18" charset="0"/>
                         </a:rPr>
                         <m:t>(</m:t>
                       </m:r>
                       <m:r>
-                        <a:rPr lang="en-US" sz="3200" i="1">
+                        <a:rPr lang="en-US" sz="3200" i="1" smtClean="0">
                           <a:latin typeface="Cambria Math" panose="02040503050406030204" pitchFamily="18" charset="0"/>
                         </a:rPr>
                         <m:t>𝜃</m:t>
                       </m:r>
                       <m:r>
-                        <a:rPr lang="en-US" sz="3200" i="1">
+                        <a:rPr lang="en-US" sz="3200" i="1" smtClean="0">
                           <a:latin typeface="Cambria Math" panose="02040503050406030204" pitchFamily="18" charset="0"/>
                         </a:rPr>
                         <m:t>|</m:t>
                       </m:r>
                       <m:r>
-                        <a:rPr lang="en-US" sz="3200" i="1">
+                        <a:rPr lang="en-US" sz="3200" i="1" smtClean="0">
                           <a:latin typeface="Cambria Math" panose="02040503050406030204" pitchFamily="18" charset="0"/>
                         </a:rPr>
                         <m:t>𝑥</m:t>
                       </m:r>
                       <m:r>
-                        <a:rPr lang="en-US" sz="3200" i="1">
+                        <a:rPr lang="en-US" sz="3200" i="1" smtClean="0">
                           <a:latin typeface="Cambria Math" panose="02040503050406030204" pitchFamily="18" charset="0"/>
                         </a:rPr>
                         <m:t>) ∝ </m:t>
                       </m:r>
                       <m:r>
-                        <a:rPr lang="en-US" sz="3200" i="1">
+                        <a:rPr lang="en-US" sz="3200" i="1" smtClean="0">
                           <a:latin typeface="Cambria Math" panose="02040503050406030204" pitchFamily="18" charset="0"/>
                         </a:rPr>
                         <m:t>𝑝</m:t>
                       </m:r>
                       <m:r>
-                        <a:rPr lang="en-US" sz="3200" i="1">
+                        <a:rPr lang="en-US" sz="3200" i="1" smtClean="0">
                           <a:latin typeface="Cambria Math" panose="02040503050406030204" pitchFamily="18" charset="0"/>
                         </a:rPr>
                         <m:t>(</m:t>
                       </m:r>
                       <m:r>
-                        <a:rPr lang="en-US" sz="3200" i="1">
+                        <a:rPr lang="en-US" sz="3200" i="1" smtClean="0">
                           <a:latin typeface="Cambria Math" panose="02040503050406030204" pitchFamily="18" charset="0"/>
                         </a:rPr>
                         <m:t>𝜃</m:t>
                       </m:r>
                       <m:r>
-                        <a:rPr lang="en-US" sz="3200" i="1">
+                        <a:rPr lang="en-US" sz="3200" i="1" smtClean="0">
                           <a:latin typeface="Cambria Math" panose="02040503050406030204" pitchFamily="18" charset="0"/>
                         </a:rPr>
                         <m:t>)</m:t>
                       </m:r>
                       <m:r>
-                        <a:rPr lang="en-US" sz="3200" i="1">
+                        <a:rPr lang="en-US" sz="3200" i="1" smtClean="0">
                           <a:latin typeface="Cambria Math" panose="02040503050406030204" pitchFamily="18" charset="0"/>
                         </a:rPr>
                         <m:t>𝐿</m:t>
                       </m:r>
                       <m:r>
-                        <a:rPr lang="en-US" sz="3200" i="1">
+                        <a:rPr lang="en-US" sz="3200" i="1" smtClean="0">
                           <a:latin typeface="Cambria Math" panose="02040503050406030204" pitchFamily="18" charset="0"/>
                         </a:rPr>
                         <m:t>(</m:t>
                       </m:r>
                       <m:r>
-                        <a:rPr lang="en-US" sz="3200" i="1">
+                        <a:rPr lang="en-US" sz="3200" i="1" smtClean="0">
                           <a:latin typeface="Cambria Math" panose="02040503050406030204" pitchFamily="18" charset="0"/>
                         </a:rPr>
                         <m:t>𝜃</m:t>
                       </m:r>
                       <m:r>
-                        <a:rPr lang="en-US" sz="3200" i="1">
+                        <a:rPr lang="en-US" sz="3200" i="1" smtClean="0">
                           <a:latin typeface="Cambria Math" panose="02040503050406030204" pitchFamily="18" charset="0"/>
                         </a:rPr>
                         <m:t>|</m:t>
                       </m:r>
                       <m:r>
-                        <a:rPr lang="en-US" sz="3200" i="1">
+                        <a:rPr lang="en-US" sz="3200" i="1" smtClean="0">
                           <a:latin typeface="Cambria Math" panose="02040503050406030204" pitchFamily="18" charset="0"/>
                         </a:rPr>
                         <m:t>𝑥</m:t>
                       </m:r>
                       <m:r>
-                        <a:rPr lang="en-US" sz="3200" i="1">
+                        <a:rPr lang="en-US" sz="3200" i="1" smtClean="0">
                           <a:latin typeface="Cambria Math" panose="02040503050406030204" pitchFamily="18" charset="0"/>
                         </a:rPr>
                         <m:t>)</m:t>
@@ -7871,7 +7863,7 @@
                             <m:t>α</m:t>
                           </m:r>
                           <m:r>
-                            <a:rPr lang="en-US" sz="3200" baseline="30000">
+                            <a:rPr lang="en-US" sz="3200" b="0" i="0" baseline="30000" smtClean="0">
                               <a:latin typeface="Cambria Math" panose="02040503050406030204" pitchFamily="18" charset="0"/>
                             </a:rPr>
                             <m:t>+</m:t>
@@ -8194,7 +8186,7 @@
             </p:txBody>
           </p:sp>
         </mc:Choice>
-        <mc:Fallback xmlns="">
+        <mc:Fallback>
           <p:sp>
             <p:nvSpPr>
               <p:cNvPr id="7" name="Content Placeholder 2">
@@ -8269,8 +8261,8 @@
           <a:chExt cx="0" cy="0"/>
         </a:xfrm>
       </p:grpSpPr>
-      <mc:AlternateContent xmlns:mc="http://schemas.openxmlformats.org/markup-compatibility/2006" xmlns:a14="http://schemas.microsoft.com/office/drawing/2010/main">
-        <mc:Choice Requires="a14">
+      <mc:AlternateContent xmlns:mc="http://schemas.openxmlformats.org/markup-compatibility/2006">
+        <mc:Choice xmlns:a14="http://schemas.microsoft.com/office/drawing/2010/main" Requires="a14">
           <p:sp>
             <p:nvSpPr>
               <p:cNvPr id="3" name="Content Placeholder 2">
@@ -8468,6 +8460,12 @@
                               </m:r>
                             </m:sub>
                           </m:sSub>
+                          <m:r>
+                            <a:rPr lang="en-US" sz="3200" b="0" i="1" smtClean="0">
+                              <a:latin typeface="Cambria Math" panose="02040503050406030204" pitchFamily="18" charset="0"/>
+                            </a:rPr>
+                            <m:t>)</m:t>
+                          </m:r>
                         </m:e>
                       </m:nary>
                     </m:oMath>
@@ -8478,7 +8476,7 @@
             </p:txBody>
           </p:sp>
         </mc:Choice>
-        <mc:Fallback xmlns="">
+        <mc:Fallback>
           <p:sp>
             <p:nvSpPr>
               <p:cNvPr id="3" name="Content Placeholder 2">
@@ -8577,7 +8575,7 @@
         </p:spPr>
         <p:txBody>
           <a:bodyPr vert="horz" lIns="91440" tIns="45720" rIns="91440" bIns="45720" rtlCol="0" anchor="ctr">
-            <a:normAutofit/>
+            <a:normAutofit fontScale="92500"/>
           </a:bodyPr>
           <a:lstStyle>
             <a:lvl1pPr algn="l" defTabSz="914400" rtl="0" eaLnBrk="1" latinLnBrk="0" hangingPunct="1">
@@ -8601,7 +8599,7 @@
           <a:p>
             <a:r>
               <a:rPr lang="en-US" dirty="0"/>
-              <a:t>Jeffrey’s Equal-Tailed Interval (continued)</a:t>
+              <a:t>Jeffrey’s Prior Bayesian Estimate (continued)</a:t>
             </a:r>
           </a:p>
         </p:txBody>

--- a/222_presentation.pptx
+++ b/222_presentation.pptx
@@ -6824,8 +6824,8 @@
           </a:prstGeom>
         </p:spPr>
       </p:pic>
-      <mc:AlternateContent xmlns:mc="http://schemas.openxmlformats.org/markup-compatibility/2006">
-        <mc:Choice xmlns:a14="http://schemas.microsoft.com/office/drawing/2010/main" Requires="a14">
+      <mc:AlternateContent xmlns:mc="http://schemas.openxmlformats.org/markup-compatibility/2006" xmlns:a14="http://schemas.microsoft.com/office/drawing/2010/main">
+        <mc:Choice Requires="a14">
           <p:sp>
             <p:nvSpPr>
               <p:cNvPr id="12" name="TextBox 11">
@@ -6974,6 +6974,7 @@
                 </a:r>
               </a:p>
               <a:p>
+                <a:pPr/>
                 <a14:m>
                   <m:oMathPara xmlns:m="http://schemas.openxmlformats.org/officeDocument/2006/math">
                     <m:oMathParaPr>
@@ -7635,7 +7636,7 @@
             </p:txBody>
           </p:sp>
         </mc:Choice>
-        <mc:Fallback>
+        <mc:Fallback xmlns="">
           <p:sp>
             <p:nvSpPr>
               <p:cNvPr id="12" name="TextBox 11">
@@ -7696,7 +7697,7 @@
             </p:nvSpPr>
             <p:spPr>
               <a:xfrm>
-                <a:off x="1748014" y="2241737"/>
+                <a:off x="1054594" y="2262375"/>
                 <a:ext cx="8424686" cy="1857624"/>
               </a:xfrm>
               <a:prstGeom prst="rect">
@@ -7721,6 +7722,7 @@
                 </a:r>
               </a:p>
               <a:p>
+                <a:pPr/>
                 <a14:m>
                   <m:oMathPara xmlns:m="http://schemas.openxmlformats.org/officeDocument/2006/math">
                     <m:oMathParaPr>
@@ -8281,7 +8283,7 @@
             </p:nvSpPr>
             <p:spPr>
               <a:xfrm>
-                <a:off x="1748014" y="2241737"/>
+                <a:off x="1054594" y="2262375"/>
                 <a:ext cx="8424686" cy="1857624"/>
               </a:xfrm>
               <a:prstGeom prst="rect">
@@ -8290,7 +8292,7 @@
               <a:blipFill>
                 <a:blip r:embed="rId7"/>
                 <a:stretch>
-                  <a:fillRect l="-1881" t="-4276"/>
+                  <a:fillRect l="-1881" t="-4262"/>
                 </a:stretch>
               </a:blipFill>
             </p:spPr>
@@ -9058,8 +9060,8 @@
           </a:prstGeom>
         </p:spPr>
       </p:pic>
-      <mc:AlternateContent xmlns:mc="http://schemas.openxmlformats.org/markup-compatibility/2006">
-        <mc:Choice xmlns:a14="http://schemas.microsoft.com/office/drawing/2010/main" Requires="a14">
+      <mc:AlternateContent xmlns:mc="http://schemas.openxmlformats.org/markup-compatibility/2006" xmlns:a14="http://schemas.microsoft.com/office/drawing/2010/main">
+        <mc:Choice Requires="a14">
           <p:sp>
             <p:nvSpPr>
               <p:cNvPr id="3" name="TextBox 2">
@@ -9113,6 +9115,7 @@
                 </a:endParaRPr>
               </a:p>
               <a:p>
+                <a:pPr/>
                 <a14:m>
                   <m:oMathPara xmlns:m="http://schemas.openxmlformats.org/officeDocument/2006/math">
                     <m:oMathParaPr>
@@ -9341,6 +9344,7 @@
                 </a:endParaRPr>
               </a:p>
               <a:p>
+                <a:pPr/>
                 <a14:m>
                   <m:oMathPara xmlns:m="http://schemas.openxmlformats.org/officeDocument/2006/math">
                     <m:oMathParaPr>
@@ -9769,7 +9773,7 @@
             </p:txBody>
           </p:sp>
         </mc:Choice>
-        <mc:Fallback>
+        <mc:Fallback xmlns="">
           <p:sp>
             <p:nvSpPr>
               <p:cNvPr id="3" name="TextBox 2">
@@ -10375,110 +10379,211 @@
           </a:p>
         </p:txBody>
       </p:sp>
-      <p:sp>
-        <p:nvSpPr>
-          <p:cNvPr id="3" name="Content Placeholder 2">
-            <a:extLst>
-              <a:ext uri="{FF2B5EF4-FFF2-40B4-BE49-F238E27FC236}">
-                <a16:creationId xmlns:a16="http://schemas.microsoft.com/office/drawing/2014/main" id="{9B346A5E-B8D5-4667-A490-DC411C527690}"/>
-              </a:ext>
-            </a:extLst>
-          </p:cNvPr>
-          <p:cNvSpPr>
-            <a:spLocks noGrp="1"/>
-          </p:cNvSpPr>
-          <p:nvPr>
-            <p:ph idx="1"/>
-          </p:nvPr>
-        </p:nvSpPr>
-        <p:spPr>
-          <a:xfrm>
-            <a:off x="545131" y="1121633"/>
-            <a:ext cx="9634455" cy="4783407"/>
-          </a:xfrm>
-        </p:spPr>
-        <p:txBody>
-          <a:bodyPr>
-            <a:normAutofit/>
-          </a:bodyPr>
-          <a:lstStyle/>
-          <a:p>
-            <a:r>
-              <a:rPr lang="en-US" dirty="0"/>
-              <a:t>Estimators:</a:t>
-            </a:r>
-          </a:p>
-          <a:p>
-            <a:pPr lvl="1"/>
-            <a:r>
-              <a:rPr lang="en-US" dirty="0"/>
-              <a:t>-all asymptotically unbiased</a:t>
-            </a:r>
-          </a:p>
-          <a:p>
-            <a:pPr lvl="1"/>
-            <a:r>
-              <a:rPr lang="en-US" dirty="0"/>
-              <a:t>-for  small sample sizes, the inverse of the median is not a good estimator</a:t>
-            </a:r>
-          </a:p>
-          <a:p>
-            <a:pPr lvl="1"/>
-            <a:r>
-              <a:rPr lang="en-US" dirty="0"/>
-              <a:t>-all are bias for small sample sizes, but the MLE is the least </a:t>
-            </a:r>
-          </a:p>
-          <a:p>
-            <a:pPr lvl="1"/>
-            <a:r>
-              <a:rPr lang="en-US" dirty="0"/>
-              <a:t>-large theta causes problems for all estimators</a:t>
-            </a:r>
-          </a:p>
-          <a:p>
-            <a:r>
-              <a:rPr lang="en-US" dirty="0"/>
-              <a:t>Confidence Interval:</a:t>
-            </a:r>
-          </a:p>
-          <a:p>
-            <a:pPr lvl="1"/>
-            <a:r>
-              <a:rPr lang="en-US" dirty="0"/>
-              <a:t>-Credible interval is liberal for small sample sizes; yet gets close to .95 as n increases</a:t>
-            </a:r>
-          </a:p>
-          <a:p>
-            <a:pPr lvl="1"/>
-            <a:r>
-              <a:rPr lang="en-US" dirty="0"/>
-              <a:t>-Because a continuous outcome, the Exact Confidence Interval is optimally conservative</a:t>
-            </a:r>
-          </a:p>
-          <a:p>
-            <a:pPr lvl="1"/>
-            <a:r>
-              <a:rPr lang="en-US" dirty="0"/>
-              <a:t>-all coverage probabilities for each interval are within .005 of each other for n&gt;45 </a:t>
-            </a:r>
-          </a:p>
-          <a:p>
-            <a:pPr lvl="1"/>
-            <a:r>
-              <a:rPr lang="en-US" dirty="0"/>
-              <a:t>-for a fixed sample size, the delta and exact method perform about the same until theta = 15; we hypothesize that they diverge further as theta goes to infinity</a:t>
-            </a:r>
-          </a:p>
-          <a:p>
-            <a:pPr lvl="1"/>
-            <a:r>
-              <a:rPr lang="en-US" dirty="0"/>
-              <a:t>-The credible interval appears more liberal, yet seems to approach the same coverage probability as the exact method as lambda increases</a:t>
-            </a:r>
-          </a:p>
-        </p:txBody>
-      </p:sp>
+      <mc:AlternateContent xmlns:mc="http://schemas.openxmlformats.org/markup-compatibility/2006">
+        <mc:Choice xmlns:a14="http://schemas.microsoft.com/office/drawing/2010/main" Requires="a14">
+          <p:sp>
+            <p:nvSpPr>
+              <p:cNvPr id="3" name="Content Placeholder 2">
+                <a:extLst>
+                  <a:ext uri="{FF2B5EF4-FFF2-40B4-BE49-F238E27FC236}">
+                    <a16:creationId xmlns:a16="http://schemas.microsoft.com/office/drawing/2014/main" id="{9B346A5E-B8D5-4667-A490-DC411C527690}"/>
+                  </a:ext>
+                </a:extLst>
+              </p:cNvPr>
+              <p:cNvSpPr>
+                <a:spLocks noGrp="1"/>
+              </p:cNvSpPr>
+              <p:nvPr>
+                <p:ph idx="1"/>
+              </p:nvPr>
+            </p:nvSpPr>
+            <p:spPr>
+              <a:xfrm>
+                <a:off x="545131" y="1121633"/>
+                <a:ext cx="9634455" cy="4783407"/>
+              </a:xfrm>
+            </p:spPr>
+            <p:txBody>
+              <a:bodyPr>
+                <a:normAutofit/>
+              </a:bodyPr>
+              <a:lstStyle/>
+              <a:p>
+                <a:r>
+                  <a:rPr lang="en-US" dirty="0"/>
+                  <a:t>Estimators:</a:t>
+                </a:r>
+              </a:p>
+              <a:p>
+                <a:pPr lvl="1"/>
+                <a:r>
+                  <a:rPr lang="en-US" dirty="0"/>
+                  <a:t>All estimators are asymptotically unbiased</a:t>
+                </a:r>
+              </a:p>
+              <a:p>
+                <a:pPr lvl="1"/>
+                <a:r>
+                  <a:rPr lang="en-US" dirty="0"/>
+                  <a:t>For small sample sizes, the inverse of the median is not a good estimator</a:t>
+                </a:r>
+              </a:p>
+              <a:p>
+                <a:pPr lvl="1"/>
+                <a:r>
+                  <a:rPr lang="en-US" dirty="0"/>
+                  <a:t>Jeffrey’s and the inverse of the median are biased for small sample sizes</a:t>
+                </a:r>
+              </a:p>
+              <a:p>
+                <a:pPr lvl="1"/>
+                <a:r>
+                  <a:rPr lang="en-US" dirty="0"/>
+                  <a:t>Large </a:t>
+                </a:r>
+                <a14:m>
+                  <m:oMath xmlns:m="http://schemas.openxmlformats.org/officeDocument/2006/math">
+                    <m:r>
+                      <a:rPr lang="en-US" i="1">
+                        <a:solidFill>
+                          <a:schemeClr val="tx1"/>
+                        </a:solidFill>
+                        <a:latin typeface="Cambria Math" panose="02040503050406030204" pitchFamily="18" charset="0"/>
+                        <a:ea typeface="Cambria Math" panose="02040503050406030204" pitchFamily="18" charset="0"/>
+                      </a:rPr>
+                      <m:t>𝜃</m:t>
+                    </m:r>
+                  </m:oMath>
+                </a14:m>
+                <a:r>
+                  <a:rPr lang="en-US" dirty="0"/>
+                  <a:t> results in poor estimates for all estimators</a:t>
+                </a:r>
+              </a:p>
+              <a:p>
+                <a:r>
+                  <a:rPr lang="en-US" dirty="0"/>
+                  <a:t>Confidence Interval:</a:t>
+                </a:r>
+              </a:p>
+              <a:p>
+                <a:pPr lvl="1"/>
+                <a:r>
+                  <a:rPr lang="en-US" dirty="0"/>
+                  <a:t>The credible interval is liberal for small sample sizes; yet gets close to .95 as n increases</a:t>
+                </a:r>
+              </a:p>
+              <a:p>
+                <a:pPr lvl="1"/>
+                <a:r>
+                  <a:rPr lang="en-US" dirty="0"/>
+                  <a:t>Because the exponential distribution has a continuous outcome, the exact confidence interval is optimally conservative</a:t>
+                </a:r>
+              </a:p>
+              <a:p>
+                <a:pPr lvl="1"/>
+                <a:r>
+                  <a:rPr lang="en-US" dirty="0"/>
+                  <a:t>The coverage probabilities begin to converge for n&gt;45 </a:t>
+                </a:r>
+              </a:p>
+              <a:p>
+                <a:pPr lvl="1"/>
+                <a:r>
+                  <a:rPr lang="en-US" dirty="0"/>
+                  <a:t>For a fixed sample size, the delta and exact method perform about the same until </a:t>
+                </a:r>
+                <a14:m>
+                  <m:oMath xmlns:m="http://schemas.openxmlformats.org/officeDocument/2006/math">
+                    <m:r>
+                      <a:rPr lang="en-US" i="1">
+                        <a:solidFill>
+                          <a:schemeClr val="tx1"/>
+                        </a:solidFill>
+                        <a:latin typeface="Cambria Math" panose="02040503050406030204" pitchFamily="18" charset="0"/>
+                        <a:ea typeface="Cambria Math" panose="02040503050406030204" pitchFamily="18" charset="0"/>
+                      </a:rPr>
+                      <m:t>𝜃</m:t>
+                    </m:r>
+                  </m:oMath>
+                </a14:m>
+                <a:r>
+                  <a:rPr lang="en-US" dirty="0"/>
+                  <a:t> = 15</a:t>
+                </a:r>
+              </a:p>
+              <a:p>
+                <a:pPr lvl="1"/>
+                <a:r>
+                  <a:rPr lang="en-US" dirty="0"/>
+                  <a:t>The credible interval appears more liberal, yet seems to approach the same coverage probability as the exact method as </a:t>
+                </a:r>
+                <a14:m>
+                  <m:oMath xmlns:m="http://schemas.openxmlformats.org/officeDocument/2006/math">
+                    <m:r>
+                      <a:rPr lang="en-US" i="1">
+                        <a:solidFill>
+                          <a:schemeClr val="tx1"/>
+                        </a:solidFill>
+                        <a:latin typeface="Cambria Math" panose="02040503050406030204" pitchFamily="18" charset="0"/>
+                        <a:ea typeface="Cambria Math" panose="02040503050406030204" pitchFamily="18" charset="0"/>
+                      </a:rPr>
+                      <m:t>𝜃</m:t>
+                    </m:r>
+                  </m:oMath>
+                </a14:m>
+                <a:r>
+                  <a:rPr lang="en-US" dirty="0"/>
+                  <a:t> increases</a:t>
+                </a:r>
+              </a:p>
+            </p:txBody>
+          </p:sp>
+        </mc:Choice>
+        <mc:Fallback>
+          <p:sp>
+            <p:nvSpPr>
+              <p:cNvPr id="3" name="Content Placeholder 2">
+                <a:extLst>
+                  <a:ext uri="{FF2B5EF4-FFF2-40B4-BE49-F238E27FC236}">
+                    <a16:creationId xmlns:a16="http://schemas.microsoft.com/office/drawing/2014/main" id="{9B346A5E-B8D5-4667-A490-DC411C527690}"/>
+                  </a:ext>
+                </a:extLst>
+              </p:cNvPr>
+              <p:cNvSpPr>
+                <a:spLocks noGrp="1" noRot="1" noChangeAspect="1" noMove="1" noResize="1" noEditPoints="1" noAdjustHandles="1" noChangeArrowheads="1" noChangeShapeType="1" noTextEdit="1"/>
+              </p:cNvSpPr>
+              <p:nvPr>
+                <p:ph idx="1"/>
+              </p:nvPr>
+            </p:nvSpPr>
+            <p:spPr>
+              <a:xfrm>
+                <a:off x="545131" y="1121633"/>
+                <a:ext cx="9634455" cy="4783407"/>
+              </a:xfrm>
+              <a:blipFill>
+                <a:blip r:embed="rId2"/>
+                <a:stretch>
+                  <a:fillRect l="-127" t="-892" r="-63"/>
+                </a:stretch>
+              </a:blipFill>
+            </p:spPr>
+            <p:txBody>
+              <a:bodyPr/>
+              <a:lstStyle/>
+              <a:p>
+                <a:r>
+                  <a:rPr lang="en-US">
+                    <a:noFill/>
+                  </a:rPr>
+                  <a:t> </a:t>
+                </a:r>
+              </a:p>
+            </p:txBody>
+          </p:sp>
+        </mc:Fallback>
+      </mc:AlternateContent>
       <p:pic>
         <p:nvPicPr>
           <p:cNvPr id="4" name="Picture 3">
@@ -10494,7 +10599,7 @@
           <p:nvPr/>
         </p:nvPicPr>
         <p:blipFill>
-          <a:blip r:embed="rId2"/>
+          <a:blip r:embed="rId3"/>
           <a:stretch>
             <a:fillRect/>
           </a:stretch>
@@ -10858,8 +10963,8 @@
           </a:p>
         </p:txBody>
       </p:sp>
-      <mc:AlternateContent xmlns:mc="http://schemas.openxmlformats.org/markup-compatibility/2006">
-        <mc:Choice xmlns:a14="http://schemas.microsoft.com/office/drawing/2010/main" Requires="a14">
+      <mc:AlternateContent xmlns:mc="http://schemas.openxmlformats.org/markup-compatibility/2006" xmlns:a14="http://schemas.microsoft.com/office/drawing/2010/main">
+        <mc:Choice Requires="a14">
           <p:sp>
             <p:nvSpPr>
               <p:cNvPr id="3" name="Content Placeholder 2">
@@ -11044,14 +11149,7 @@
                         <a:latin typeface="Cambria Math" panose="02040503050406030204" pitchFamily="18" charset="0"/>
                         <a:ea typeface="Cambria Math" panose="02040503050406030204" pitchFamily="18" charset="0"/>
                       </a:rPr>
-                      <m:t>⁡(</m:t>
-                    </m:r>
-                    <m:r>
-                      <a:rPr lang="en-US" sz="2400" b="0" i="1" smtClean="0">
-                        <a:latin typeface="Cambria Math" panose="02040503050406030204" pitchFamily="18" charset="0"/>
-                        <a:ea typeface="Cambria Math" panose="02040503050406030204" pitchFamily="18" charset="0"/>
-                      </a:rPr>
-                      <m:t>−</m:t>
+                      <m:t>⁡(−</m:t>
                     </m:r>
                     <m:r>
                       <a:rPr lang="en-US" sz="2400" i="1">
@@ -11524,7 +11622,7 @@
             </p:txBody>
           </p:sp>
         </mc:Choice>
-        <mc:Fallback>
+        <mc:Fallback xmlns="">
           <p:sp>
             <p:nvSpPr>
               <p:cNvPr id="3" name="Content Placeholder 2">
@@ -11657,8 +11755,8 @@
           <a:chExt cx="0" cy="0"/>
         </a:xfrm>
       </p:grpSpPr>
-      <mc:AlternateContent xmlns:mc="http://schemas.openxmlformats.org/markup-compatibility/2006">
-        <mc:Choice xmlns:a14="http://schemas.microsoft.com/office/drawing/2010/main" Requires="a14">
+      <mc:AlternateContent xmlns:mc="http://schemas.openxmlformats.org/markup-compatibility/2006" xmlns:a14="http://schemas.microsoft.com/office/drawing/2010/main">
+        <mc:Choice Requires="a14">
           <p:sp>
             <p:nvSpPr>
               <p:cNvPr id="3" name="Content Placeholder 2">
@@ -12503,7 +12601,7 @@
             </p:txBody>
           </p:sp>
         </mc:Choice>
-        <mc:Fallback>
+        <mc:Fallback xmlns="">
           <p:sp>
             <p:nvSpPr>
               <p:cNvPr id="3" name="Content Placeholder 2">
@@ -12716,17 +12814,17 @@
             </p:spPr>
             <p:txBody>
               <a:bodyPr numCol="2">
-                <a:normAutofit fontScale="77500" lnSpcReduction="20000"/>
+                <a:normAutofit/>
               </a:bodyPr>
               <a:lstStyle/>
               <a:p>
                 <a:r>
-                  <a:rPr lang="en-US" sz="3200" dirty="0"/>
+                  <a:rPr lang="en-US" sz="2400" dirty="0"/>
                   <a:t>Mathematical Derivation:</a:t>
                 </a:r>
               </a:p>
               <a:p>
-                <a:endParaRPr lang="en-US" sz="3200" dirty="0"/>
+                <a:endParaRPr lang="en-US" sz="2400" dirty="0"/>
               </a:p>
               <a:p>
                 <a:pPr marL="45720" indent="0">
@@ -12739,49 +12837,49 @@
                     </m:oMathParaPr>
                     <m:oMath xmlns:m="http://schemas.openxmlformats.org/officeDocument/2006/math">
                       <m:r>
-                        <a:rPr lang="en-US" sz="3200" i="1">
+                        <a:rPr lang="en-US" sz="2400" i="1">
                           <a:latin typeface="Cambria Math" panose="02040503050406030204" pitchFamily="18" charset="0"/>
                         </a:rPr>
                         <m:t>𝑋</m:t>
                       </m:r>
                       <m:r>
-                        <a:rPr lang="en-US" sz="3200" i="1">
+                        <a:rPr lang="en-US" sz="2400" i="1">
                           <a:latin typeface="Cambria Math" panose="02040503050406030204" pitchFamily="18" charset="0"/>
                         </a:rPr>
                         <m:t>|</m:t>
                       </m:r>
                       <m:r>
-                        <a:rPr lang="en-US" sz="3200" i="1">
+                        <a:rPr lang="en-US" sz="2400" i="1">
                           <a:latin typeface="Cambria Math" panose="02040503050406030204" pitchFamily="18" charset="0"/>
                         </a:rPr>
                         <m:t>𝜃</m:t>
                       </m:r>
                       <m:r>
-                        <a:rPr lang="en-US" sz="3200" i="1">
+                        <a:rPr lang="en-US" sz="2400" i="1">
                           <a:latin typeface="Cambria Math" panose="02040503050406030204" pitchFamily="18" charset="0"/>
                         </a:rPr>
                         <m:t> ~ </m:t>
                       </m:r>
                       <m:r>
-                        <a:rPr lang="en-US" sz="3200" i="1">
+                        <a:rPr lang="en-US" sz="2400" i="1">
                           <a:latin typeface="Cambria Math" panose="02040503050406030204" pitchFamily="18" charset="0"/>
                         </a:rPr>
                         <m:t>𝐸𝑥𝑝𝑜𝑛𝑒𝑛𝑡𝑖𝑎𝑙</m:t>
                       </m:r>
                       <m:r>
-                        <a:rPr lang="en-US" sz="3200" i="1">
+                        <a:rPr lang="en-US" sz="2400" i="1">
                           <a:latin typeface="Cambria Math" panose="02040503050406030204" pitchFamily="18" charset="0"/>
                         </a:rPr>
                         <m:t>(</m:t>
                       </m:r>
                       <m:r>
-                        <a:rPr lang="en-US" sz="3200" i="1">
+                        <a:rPr lang="en-US" sz="2400" i="1">
                           <a:latin typeface="Cambria Math" panose="02040503050406030204" pitchFamily="18" charset="0"/>
                         </a:rPr>
                         <m:t>𝜃</m:t>
                       </m:r>
                       <m:r>
-                        <a:rPr lang="en-US" sz="3200" i="1">
+                        <a:rPr lang="en-US" sz="2400" i="1">
                           <a:latin typeface="Cambria Math" panose="02040503050406030204" pitchFamily="18" charset="0"/>
                         </a:rPr>
                         <m:t>)</m:t>
@@ -12789,13 +12887,13 @@
                     </m:oMath>
                   </m:oMathPara>
                 </a14:m>
-                <a:endParaRPr lang="en-US" sz="3200" dirty="0"/>
+                <a:endParaRPr lang="en-US" sz="2400" dirty="0"/>
               </a:p>
               <a:p>
                 <a:pPr marL="45720" indent="0">
                   <a:buNone/>
                 </a:pPr>
-                <a:endParaRPr lang="en-US" sz="3200" dirty="0"/>
+                <a:endParaRPr lang="en-US" sz="2400" dirty="0"/>
               </a:p>
               <a:p>
                 <a:pPr marL="45720" indent="0">
@@ -12808,49 +12906,49 @@
                     </m:oMathParaPr>
                     <m:oMath xmlns:m="http://schemas.openxmlformats.org/officeDocument/2006/math">
                       <m:r>
-                        <a:rPr lang="en-US" sz="3200" i="1">
+                        <a:rPr lang="en-US" sz="2400" i="1">
                           <a:latin typeface="Cambria Math" panose="02040503050406030204" pitchFamily="18" charset="0"/>
                         </a:rPr>
                         <m:t>𝜃</m:t>
                       </m:r>
                       <m:r>
-                        <a:rPr lang="en-US" sz="3200" i="1">
+                        <a:rPr lang="en-US" sz="2400" i="1">
                           <a:latin typeface="Cambria Math" panose="02040503050406030204" pitchFamily="18" charset="0"/>
                         </a:rPr>
                         <m:t> ~ </m:t>
                       </m:r>
                       <m:r>
-                        <a:rPr lang="en-US" sz="3200" i="1">
+                        <a:rPr lang="en-US" sz="2400" i="1">
                           <a:latin typeface="Cambria Math" panose="02040503050406030204" pitchFamily="18" charset="0"/>
                         </a:rPr>
                         <m:t>𝐺𝑎𝑚𝑚𝑎</m:t>
                       </m:r>
                       <m:r>
-                        <a:rPr lang="en-US" sz="3200" i="1">
+                        <a:rPr lang="en-US" sz="2400" i="1">
                           <a:latin typeface="Cambria Math" panose="02040503050406030204" pitchFamily="18" charset="0"/>
                         </a:rPr>
                         <m:t>(</m:t>
                       </m:r>
                       <m:r>
-                        <a:rPr lang="en-US" sz="3200" i="1">
+                        <a:rPr lang="en-US" sz="2400" i="1">
                           <a:latin typeface="Cambria Math" panose="02040503050406030204" pitchFamily="18" charset="0"/>
                         </a:rPr>
                         <m:t>𝛼</m:t>
                       </m:r>
                       <m:r>
-                        <a:rPr lang="en-US" sz="3200" i="1">
+                        <a:rPr lang="en-US" sz="2400" i="1">
                           <a:latin typeface="Cambria Math" panose="02040503050406030204" pitchFamily="18" charset="0"/>
                         </a:rPr>
                         <m:t>, </m:t>
                       </m:r>
                       <m:r>
-                        <a:rPr lang="en-US" sz="3200" i="1">
+                        <a:rPr lang="en-US" sz="2400" i="1">
                           <a:latin typeface="Cambria Math" panose="02040503050406030204" pitchFamily="18" charset="0"/>
                         </a:rPr>
                         <m:t>𝛽</m:t>
                       </m:r>
                       <m:r>
-                        <a:rPr lang="en-US" sz="3200" i="1">
+                        <a:rPr lang="en-US" sz="2400" i="1">
                           <a:latin typeface="Cambria Math" panose="02040503050406030204" pitchFamily="18" charset="0"/>
                         </a:rPr>
                         <m:t>)</m:t>
@@ -12858,13 +12956,13 @@
                     </m:oMath>
                   </m:oMathPara>
                 </a14:m>
-                <a:endParaRPr lang="en-US" sz="3200" dirty="0"/>
+                <a:endParaRPr lang="en-US" sz="2400" dirty="0"/>
               </a:p>
               <a:p>
                 <a:pPr marL="45720" indent="0">
                   <a:buNone/>
                 </a:pPr>
-                <a:endParaRPr lang="en-US" sz="3200" dirty="0"/>
+                <a:endParaRPr lang="en-US" sz="2400" dirty="0"/>
               </a:p>
               <a:p>
                 <a:pPr marL="45720" indent="0">
@@ -12880,7 +12978,7 @@
                         <m:rPr>
                           <m:sty m:val="p"/>
                         </m:rPr>
-                        <a:rPr lang="en-US" sz="3200">
+                        <a:rPr lang="en-US" sz="2400">
                           <a:latin typeface="Cambria Math" panose="02040503050406030204" pitchFamily="18" charset="0"/>
                         </a:rPr>
                         <m:t>p</m:t>
@@ -12888,7 +12986,7 @@
                       <m:d>
                         <m:dPr>
                           <m:ctrlPr>
-                            <a:rPr lang="en-US" sz="3200" i="1">
+                            <a:rPr lang="en-US" sz="2400" i="1">
                               <a:latin typeface="Cambria Math" panose="02040503050406030204" pitchFamily="18" charset="0"/>
                             </a:rPr>
                           </m:ctrlPr>
@@ -12898,7 +12996,7 @@
                             <m:rPr>
                               <m:sty m:val="p"/>
                             </m:rPr>
-                            <a:rPr lang="en-US" sz="3200">
+                            <a:rPr lang="en-US" sz="2400">
                               <a:latin typeface="Cambria Math" panose="02040503050406030204" pitchFamily="18" charset="0"/>
                             </a:rPr>
                             <m:t>θ</m:t>
@@ -12906,7 +13004,7 @@
                         </m:e>
                       </m:d>
                       <m:r>
-                        <a:rPr lang="en-US" sz="3200" i="1">
+                        <a:rPr lang="en-US" sz="2400" i="1">
                           <a:latin typeface="Cambria Math" panose="02040503050406030204" pitchFamily="18" charset="0"/>
                         </a:rPr>
                         <m:t>= </m:t>
@@ -12914,7 +13012,7 @@
                       <m:f>
                         <m:fPr>
                           <m:ctrlPr>
-                            <a:rPr lang="en-US" sz="3200" i="1">
+                            <a:rPr lang="en-US" sz="2400" i="1">
                               <a:latin typeface="Cambria Math" panose="02040503050406030204" pitchFamily="18" charset="0"/>
                             </a:rPr>
                           </m:ctrlPr>
@@ -12923,7 +13021,7 @@
                           <m:sSup>
                             <m:sSupPr>
                               <m:ctrlPr>
-                                <a:rPr lang="en-US" sz="3200" i="1">
+                                <a:rPr lang="en-US" sz="2400" i="1">
                                   <a:latin typeface="Cambria Math" panose="02040503050406030204" pitchFamily="18" charset="0"/>
                                 </a:rPr>
                               </m:ctrlPr>
@@ -12933,7 +13031,7 @@
                                 <m:rPr>
                                   <m:sty m:val="p"/>
                                 </m:rPr>
-                                <a:rPr lang="en-US" sz="3200">
+                                <a:rPr lang="en-US" sz="2400">
                                   <a:latin typeface="Cambria Math" panose="02040503050406030204" pitchFamily="18" charset="0"/>
                                 </a:rPr>
                                 <m:t>β</m:t>
@@ -12944,7 +13042,7 @@
                                 <m:rPr>
                                   <m:sty m:val="p"/>
                                 </m:rPr>
-                                <a:rPr lang="en-US" sz="3200" baseline="30000">
+                                <a:rPr lang="en-US" sz="2400" baseline="30000">
                                   <a:latin typeface="Cambria Math" panose="02040503050406030204" pitchFamily="18" charset="0"/>
                                 </a:rPr>
                                 <m:t>α</m:t>
@@ -12957,13 +13055,13 @@
                             <m:rPr>
                               <m:sty m:val="p"/>
                             </m:rPr>
-                            <a:rPr lang="en-US" sz="3200">
+                            <a:rPr lang="en-US" sz="2400">
                               <a:latin typeface="Cambria Math" panose="02040503050406030204" pitchFamily="18" charset="0"/>
                             </a:rPr>
                             <m:t>Γ</m:t>
                           </m:r>
                           <m:r>
-                            <a:rPr lang="en-US" sz="3200">
+                            <a:rPr lang="en-US" sz="2400">
                               <a:latin typeface="Cambria Math" panose="02040503050406030204" pitchFamily="18" charset="0"/>
                             </a:rPr>
                             <m:t>(</m:t>
@@ -12972,13 +13070,13 @@
                             <m:rPr>
                               <m:sty m:val="p"/>
                             </m:rPr>
-                            <a:rPr lang="en-US" sz="3200">
+                            <a:rPr lang="en-US" sz="2400">
                               <a:latin typeface="Cambria Math" panose="02040503050406030204" pitchFamily="18" charset="0"/>
                             </a:rPr>
                             <m:t>α</m:t>
                           </m:r>
                           <m:r>
-                            <a:rPr lang="en-US" sz="3200">
+                            <a:rPr lang="en-US" sz="2400">
                               <a:latin typeface="Cambria Math" panose="02040503050406030204" pitchFamily="18" charset="0"/>
                             </a:rPr>
                             <m:t>) </m:t>
@@ -12988,7 +13086,7 @@
                       <m:sSup>
                         <m:sSupPr>
                           <m:ctrlPr>
-                            <a:rPr lang="en-US" sz="3200" i="1">
+                            <a:rPr lang="en-US" sz="2400" i="1">
                               <a:latin typeface="Cambria Math" panose="02040503050406030204" pitchFamily="18" charset="0"/>
                             </a:rPr>
                           </m:ctrlPr>
@@ -12998,7 +13096,7 @@
                             <m:rPr>
                               <m:sty m:val="p"/>
                             </m:rPr>
-                            <a:rPr lang="en-US" sz="3200">
+                            <a:rPr lang="en-US" sz="2400">
                               <a:latin typeface="Cambria Math" panose="02040503050406030204" pitchFamily="18" charset="0"/>
                             </a:rPr>
                             <m:t>θ</m:t>
@@ -13009,19 +13107,19 @@
                             <m:rPr>
                               <m:sty m:val="p"/>
                             </m:rPr>
-                            <a:rPr lang="en-US" sz="3200" baseline="30000">
+                            <a:rPr lang="en-US" sz="2400" baseline="30000">
                               <a:latin typeface="Cambria Math" panose="02040503050406030204" pitchFamily="18" charset="0"/>
                             </a:rPr>
                             <m:t>α</m:t>
                           </m:r>
                           <m:r>
-                            <a:rPr lang="en-US" sz="3200" b="0" i="0" baseline="30000" smtClean="0">
+                            <a:rPr lang="en-US" sz="2400" b="0" i="0" baseline="30000" smtClean="0">
                               <a:latin typeface="Cambria Math" panose="02040503050406030204" pitchFamily="18" charset="0"/>
                             </a:rPr>
                             <m:t>−</m:t>
                           </m:r>
                           <m:r>
-                            <a:rPr lang="en-US" sz="3200" baseline="30000">
+                            <a:rPr lang="en-US" sz="2400" baseline="30000">
                               <a:latin typeface="Cambria Math" panose="02040503050406030204" pitchFamily="18" charset="0"/>
                             </a:rPr>
                             <m:t>1</m:t>
@@ -13031,14 +13129,14 @@
                       <m:sSup>
                         <m:sSupPr>
                           <m:ctrlPr>
-                            <a:rPr lang="en-US" sz="3200" i="1">
+                            <a:rPr lang="en-US" sz="2400" i="1">
                               <a:latin typeface="Cambria Math" panose="02040503050406030204" pitchFamily="18" charset="0"/>
                             </a:rPr>
                           </m:ctrlPr>
                         </m:sSupPr>
                         <m:e>
                           <m:r>
-                            <a:rPr lang="en-US" sz="3200" i="1">
+                            <a:rPr lang="en-US" sz="2400" i="1">
                               <a:latin typeface="Cambria Math" panose="02040503050406030204" pitchFamily="18" charset="0"/>
                             </a:rPr>
                             <m:t>𝑒</m:t>
@@ -13046,7 +13144,7 @@
                         </m:e>
                         <m:sup>
                           <m:r>
-                            <a:rPr lang="en-US" sz="3200" i="1">
+                            <a:rPr lang="en-US" sz="2400" i="1">
                               <a:latin typeface="Cambria Math" panose="02040503050406030204" pitchFamily="18" charset="0"/>
                             </a:rPr>
                             <m:t>−</m:t>
@@ -13055,7 +13153,7 @@
                             <m:rPr>
                               <m:sty m:val="p"/>
                             </m:rPr>
-                            <a:rPr lang="en-US" sz="3200">
+                            <a:rPr lang="en-US" sz="2400">
                               <a:latin typeface="Cambria Math" panose="02040503050406030204" pitchFamily="18" charset="0"/>
                             </a:rPr>
                             <m:t>βθ</m:t>
@@ -13065,13 +13163,13 @@
                     </m:oMath>
                   </m:oMathPara>
                 </a14:m>
-                <a:endParaRPr lang="en-US" sz="3200" dirty="0"/>
+                <a:endParaRPr lang="en-US" sz="2400" dirty="0"/>
               </a:p>
               <a:p>
                 <a:pPr marL="45720" indent="0">
                   <a:buNone/>
                 </a:pPr>
-                <a:endParaRPr lang="en-US" sz="3200" dirty="0"/>
+                <a:endParaRPr lang="en-US" sz="2400" dirty="0"/>
               </a:p>
               <a:p>
                 <a:pPr marL="45720" indent="0">
@@ -13087,7 +13185,7 @@
                         <m:rPr>
                           <m:sty m:val="p"/>
                         </m:rPr>
-                        <a:rPr lang="en-US" sz="3200">
+                        <a:rPr lang="en-US" sz="2400">
                           <a:latin typeface="Cambria Math" panose="02040503050406030204" pitchFamily="18" charset="0"/>
                         </a:rPr>
                         <m:t>L</m:t>
@@ -13095,7 +13193,7 @@
                       <m:d>
                         <m:dPr>
                           <m:ctrlPr>
-                            <a:rPr lang="en-US" sz="3200" i="1">
+                            <a:rPr lang="en-US" sz="2400" i="1">
                               <a:latin typeface="Cambria Math" panose="02040503050406030204" pitchFamily="18" charset="0"/>
                             </a:rPr>
                           </m:ctrlPr>
@@ -13105,13 +13203,13 @@
                             <m:rPr>
                               <m:sty m:val="p"/>
                             </m:rPr>
-                            <a:rPr lang="en-US" sz="3200">
+                            <a:rPr lang="en-US" sz="2400">
                               <a:latin typeface="Cambria Math" panose="02040503050406030204" pitchFamily="18" charset="0"/>
                             </a:rPr>
                             <m:t>θ</m:t>
                           </m:r>
                           <m:r>
-                            <a:rPr lang="en-US" sz="3200">
+                            <a:rPr lang="en-US" sz="2400">
                               <a:latin typeface="Cambria Math" panose="02040503050406030204" pitchFamily="18" charset="0"/>
                             </a:rPr>
                             <m:t>|</m:t>
@@ -13120,7 +13218,7 @@
                             <m:rPr>
                               <m:sty m:val="p"/>
                             </m:rPr>
-                            <a:rPr lang="en-US" sz="3200">
+                            <a:rPr lang="en-US" sz="2400">
                               <a:latin typeface="Cambria Math" panose="02040503050406030204" pitchFamily="18" charset="0"/>
                             </a:rPr>
                             <m:t>x</m:t>
@@ -13128,7 +13226,7 @@
                         </m:e>
                       </m:d>
                       <m:r>
-                        <a:rPr lang="en-US" sz="3200" i="1">
+                        <a:rPr lang="en-US" sz="2400" i="1">
                           <a:latin typeface="Cambria Math" panose="02040503050406030204" pitchFamily="18" charset="0"/>
                         </a:rPr>
                         <m:t>= </m:t>
@@ -13138,20 +13236,20 @@
                           <m:chr m:val="∏"/>
                           <m:limLoc m:val="undOvr"/>
                           <m:ctrlPr>
-                            <a:rPr lang="en-US" sz="3200" i="1">
+                            <a:rPr lang="en-US" sz="2400" i="1">
                               <a:latin typeface="Cambria Math" panose="02040503050406030204" pitchFamily="18" charset="0"/>
                             </a:rPr>
                           </m:ctrlPr>
                         </m:naryPr>
                         <m:sub>
                           <m:r>
-                            <a:rPr lang="en-US" sz="3200" i="1">
+                            <a:rPr lang="en-US" sz="2400" i="1">
                               <a:latin typeface="Cambria Math" panose="02040503050406030204" pitchFamily="18" charset="0"/>
                             </a:rPr>
                             <m:t>𝑖</m:t>
                           </m:r>
                           <m:r>
-                            <a:rPr lang="en-US" sz="3200" i="1">
+                            <a:rPr lang="en-US" sz="2400" i="1">
                               <a:latin typeface="Cambria Math" panose="02040503050406030204" pitchFamily="18" charset="0"/>
                             </a:rPr>
                             <m:t>=1</m:t>
@@ -13159,7 +13257,7 @@
                         </m:sub>
                         <m:sup>
                           <m:r>
-                            <a:rPr lang="en-US" sz="3200" i="1">
+                            <a:rPr lang="en-US" sz="2400" i="1">
                               <a:latin typeface="Cambria Math" panose="02040503050406030204" pitchFamily="18" charset="0"/>
                             </a:rPr>
                             <m:t>𝑛</m:t>
@@ -13169,7 +13267,7 @@
                           <m:sSup>
                             <m:sSupPr>
                               <m:ctrlPr>
-                                <a:rPr lang="en-US" sz="3200" i="1">
+                                <a:rPr lang="en-US" sz="2400" i="1">
                                   <a:latin typeface="Cambria Math" panose="02040503050406030204" pitchFamily="18" charset="0"/>
                                 </a:rPr>
                               </m:ctrlPr>
@@ -13179,13 +13277,13 @@
                                 <m:rPr>
                                   <m:sty m:val="p"/>
                                 </m:rPr>
-                                <a:rPr lang="en-US" sz="3200">
+                                <a:rPr lang="en-US" sz="2400">
                                   <a:latin typeface="Cambria Math" panose="02040503050406030204" pitchFamily="18" charset="0"/>
                                 </a:rPr>
                                 <m:t>θ</m:t>
                               </m:r>
                               <m:r>
-                                <a:rPr lang="en-US" sz="3200" i="1">
+                                <a:rPr lang="en-US" sz="2400" i="1">
                                   <a:latin typeface="Cambria Math" panose="02040503050406030204" pitchFamily="18" charset="0"/>
                                 </a:rPr>
                                 <m:t>𝑒</m:t>
@@ -13193,7 +13291,7 @@
                             </m:e>
                             <m:sup>
                               <m:r>
-                                <a:rPr lang="en-US" sz="3200" i="1">
+                                <a:rPr lang="en-US" sz="2400" i="1">
                                   <a:latin typeface="Cambria Math" panose="02040503050406030204" pitchFamily="18" charset="0"/>
                                 </a:rPr>
                                 <m:t>−</m:t>
@@ -13202,7 +13300,7 @@
                                 <m:rPr>
                                   <m:sty m:val="p"/>
                                 </m:rPr>
-                                <a:rPr lang="en-US" sz="3200">
+                                <a:rPr lang="en-US" sz="2400">
                                   <a:latin typeface="Cambria Math" panose="02040503050406030204" pitchFamily="18" charset="0"/>
                                 </a:rPr>
                                 <m:t>θ</m:t>
@@ -13210,14 +13308,14 @@
                               <m:sSub>
                                 <m:sSubPr>
                                   <m:ctrlPr>
-                                    <a:rPr lang="en-US" sz="3200" i="1">
+                                    <a:rPr lang="en-US" sz="2400" i="1">
                                       <a:latin typeface="Cambria Math" panose="02040503050406030204" pitchFamily="18" charset="0"/>
                                     </a:rPr>
                                   </m:ctrlPr>
                                 </m:sSubPr>
                                 <m:e>
                                   <m:r>
-                                    <a:rPr lang="en-US" sz="3200" i="1">
+                                    <a:rPr lang="en-US" sz="2400" i="1">
                                       <a:latin typeface="Cambria Math" panose="02040503050406030204" pitchFamily="18" charset="0"/>
                                     </a:rPr>
                                     <m:t>𝑥</m:t>
@@ -13225,7 +13323,7 @@
                                 </m:e>
                                 <m:sub>
                                   <m:r>
-                                    <a:rPr lang="en-US" sz="3200" i="1">
+                                    <a:rPr lang="en-US" sz="2400" i="1">
                                       <a:latin typeface="Cambria Math" panose="02040503050406030204" pitchFamily="18" charset="0"/>
                                     </a:rPr>
                                     <m:t>𝑖</m:t>
@@ -13239,13 +13337,13 @@
                     </m:oMath>
                   </m:oMathPara>
                 </a14:m>
-                <a:endParaRPr lang="en-US" sz="3200" dirty="0"/>
+                <a:endParaRPr lang="en-US" sz="2400" dirty="0"/>
               </a:p>
               <a:p>
                 <a:pPr marL="45720" indent="0">
                   <a:buNone/>
                 </a:pPr>
-                <a:endParaRPr lang="en-US" sz="3200" dirty="0"/>
+                <a:endParaRPr lang="en-US" sz="2400" dirty="0"/>
               </a:p>
             </p:txBody>
           </p:sp>
@@ -13275,7 +13373,7 @@
               <a:blipFill>
                 <a:blip r:embed="rId2"/>
                 <a:stretch>
-                  <a:fillRect l="-1323" t="-2442"/>
+                  <a:fillRect l="-1058" t="-977"/>
                 </a:stretch>
               </a:blipFill>
             </p:spPr>
@@ -13396,7 +13494,7 @@
             </p:nvSpPr>
             <p:spPr>
               <a:xfrm>
-                <a:off x="4829175" y="1819274"/>
+                <a:off x="4840192" y="2017577"/>
                 <a:ext cx="5233988" cy="4714876"/>
               </a:xfrm>
               <a:prstGeom prst="rect">
@@ -13405,7 +13503,7 @@
             </p:spPr>
             <p:txBody>
               <a:bodyPr vert="horz" lIns="91440" tIns="45720" rIns="91440" bIns="45720" numCol="2" rtlCol="0">
-                <a:normAutofit fontScale="85000" lnSpcReduction="10000"/>
+                <a:normAutofit/>
               </a:bodyPr>
               <a:lstStyle>
                 <a:lvl1pPr marL="228600" indent="-182880" algn="l" defTabSz="914400" rtl="0" eaLnBrk="1" latinLnBrk="0" hangingPunct="1">
@@ -13642,7 +13740,7 @@
                     </m:oMathParaPr>
                     <m:oMath xmlns:m="http://schemas.openxmlformats.org/officeDocument/2006/math">
                       <m:r>
-                        <a:rPr lang="en-US" sz="3200" i="1" smtClean="0">
+                        <a:rPr lang="en-US" sz="2400" i="1" smtClean="0">
                           <a:solidFill>
                             <a:schemeClr val="tx1"/>
                           </a:solidFill>
@@ -13651,7 +13749,7 @@
                         <m:t>𝑝</m:t>
                       </m:r>
                       <m:r>
-                        <a:rPr lang="en-US" sz="3200" i="1" smtClean="0">
+                        <a:rPr lang="en-US" sz="2400" i="1" smtClean="0">
                           <a:solidFill>
                             <a:schemeClr val="tx1"/>
                           </a:solidFill>
@@ -13660,7 +13758,7 @@
                         <m:t>(</m:t>
                       </m:r>
                       <m:r>
-                        <a:rPr lang="en-US" sz="3200" i="1" smtClean="0">
+                        <a:rPr lang="en-US" sz="2400" i="1" smtClean="0">
                           <a:solidFill>
                             <a:schemeClr val="tx1"/>
                           </a:solidFill>
@@ -13669,7 +13767,7 @@
                         <m:t>𝜃</m:t>
                       </m:r>
                       <m:r>
-                        <a:rPr lang="en-US" sz="3200" i="1" smtClean="0">
+                        <a:rPr lang="en-US" sz="2400" i="1" smtClean="0">
                           <a:solidFill>
                             <a:schemeClr val="tx1"/>
                           </a:solidFill>
@@ -13678,7 +13776,7 @@
                         <m:t>|</m:t>
                       </m:r>
                       <m:r>
-                        <a:rPr lang="en-US" sz="3200" i="1" smtClean="0">
+                        <a:rPr lang="en-US" sz="2400" i="1" smtClean="0">
                           <a:solidFill>
                             <a:schemeClr val="tx1"/>
                           </a:solidFill>
@@ -13687,7 +13785,7 @@
                         <m:t>𝑥</m:t>
                       </m:r>
                       <m:r>
-                        <a:rPr lang="en-US" sz="3200" i="1" smtClean="0">
+                        <a:rPr lang="en-US" sz="2400" i="1" smtClean="0">
                           <a:solidFill>
                             <a:schemeClr val="tx1"/>
                           </a:solidFill>
@@ -13696,7 +13794,7 @@
                         <m:t>) ∝ </m:t>
                       </m:r>
                       <m:r>
-                        <a:rPr lang="en-US" sz="3200" i="1" smtClean="0">
+                        <a:rPr lang="en-US" sz="2400" i="1" smtClean="0">
                           <a:solidFill>
                             <a:schemeClr val="tx1"/>
                           </a:solidFill>
@@ -13705,7 +13803,7 @@
                         <m:t>𝑝</m:t>
                       </m:r>
                       <m:r>
-                        <a:rPr lang="en-US" sz="3200" i="1" smtClean="0">
+                        <a:rPr lang="en-US" sz="2400" i="1" smtClean="0">
                           <a:solidFill>
                             <a:schemeClr val="tx1"/>
                           </a:solidFill>
@@ -13714,7 +13812,7 @@
                         <m:t>(</m:t>
                       </m:r>
                       <m:r>
-                        <a:rPr lang="en-US" sz="3200" i="1" smtClean="0">
+                        <a:rPr lang="en-US" sz="2400" i="1" smtClean="0">
                           <a:solidFill>
                             <a:schemeClr val="tx1"/>
                           </a:solidFill>
@@ -13723,7 +13821,7 @@
                         <m:t>𝜃</m:t>
                       </m:r>
                       <m:r>
-                        <a:rPr lang="en-US" sz="3200" i="1" smtClean="0">
+                        <a:rPr lang="en-US" sz="2400" i="1" smtClean="0">
                           <a:solidFill>
                             <a:schemeClr val="tx1"/>
                           </a:solidFill>
@@ -13732,7 +13830,7 @@
                         <m:t>)</m:t>
                       </m:r>
                       <m:r>
-                        <a:rPr lang="en-US" sz="3200" i="1" smtClean="0">
+                        <a:rPr lang="en-US" sz="2400" i="1" smtClean="0">
                           <a:solidFill>
                             <a:schemeClr val="tx1"/>
                           </a:solidFill>
@@ -13741,7 +13839,7 @@
                         <m:t>𝐿</m:t>
                       </m:r>
                       <m:r>
-                        <a:rPr lang="en-US" sz="3200" i="1" smtClean="0">
+                        <a:rPr lang="en-US" sz="2400" i="1" smtClean="0">
                           <a:solidFill>
                             <a:schemeClr val="tx1"/>
                           </a:solidFill>
@@ -13750,7 +13848,7 @@
                         <m:t>(</m:t>
                       </m:r>
                       <m:r>
-                        <a:rPr lang="en-US" sz="3200" i="1" smtClean="0">
+                        <a:rPr lang="en-US" sz="2400" i="1" smtClean="0">
                           <a:solidFill>
                             <a:schemeClr val="tx1"/>
                           </a:solidFill>
@@ -13759,7 +13857,7 @@
                         <m:t>𝜃</m:t>
                       </m:r>
                       <m:r>
-                        <a:rPr lang="en-US" sz="3200" i="1" smtClean="0">
+                        <a:rPr lang="en-US" sz="2400" i="1" smtClean="0">
                           <a:solidFill>
                             <a:schemeClr val="tx1"/>
                           </a:solidFill>
@@ -13768,7 +13866,7 @@
                         <m:t>|</m:t>
                       </m:r>
                       <m:r>
-                        <a:rPr lang="en-US" sz="3200" i="1" smtClean="0">
+                        <a:rPr lang="en-US" sz="2400" i="1" smtClean="0">
                           <a:solidFill>
                             <a:schemeClr val="tx1"/>
                           </a:solidFill>
@@ -13777,7 +13875,7 @@
                         <m:t>𝑥</m:t>
                       </m:r>
                       <m:r>
-                        <a:rPr lang="en-US" sz="3200" i="1" smtClean="0">
+                        <a:rPr lang="en-US" sz="2400" i="1" smtClean="0">
                           <a:solidFill>
                             <a:schemeClr val="tx1"/>
                           </a:solidFill>
@@ -13788,7 +13886,7 @@
                     </m:oMath>
                   </m:oMathPara>
                 </a14:m>
-                <a:endParaRPr lang="en-US" sz="3200" dirty="0">
+                <a:endParaRPr lang="en-US" sz="2400" dirty="0">
                   <a:solidFill>
                     <a:schemeClr val="tx1"/>
                   </a:solidFill>
@@ -13798,7 +13896,7 @@
                 <a:pPr marL="45720" indent="0">
                   <a:buNone/>
                 </a:pPr>
-                <a:endParaRPr lang="en-US" sz="3200" dirty="0">
+                <a:endParaRPr lang="en-US" sz="2400" dirty="0">
                   <a:solidFill>
                     <a:schemeClr val="tx1"/>
                   </a:solidFill>
@@ -13815,7 +13913,7 @@
                     </m:oMathParaPr>
                     <m:oMath xmlns:m="http://schemas.openxmlformats.org/officeDocument/2006/math">
                       <m:r>
-                        <a:rPr lang="en-US" sz="3200" i="1">
+                        <a:rPr lang="en-US" sz="2400" i="1">
                           <a:solidFill>
                             <a:schemeClr val="tx1"/>
                           </a:solidFill>
@@ -13826,7 +13924,7 @@
                       <m:f>
                         <m:fPr>
                           <m:ctrlPr>
-                            <a:rPr lang="en-US" sz="3200" i="1">
+                            <a:rPr lang="en-US" sz="2400" i="1">
                               <a:solidFill>
                                 <a:schemeClr val="tx1"/>
                               </a:solidFill>
@@ -13838,7 +13936,7 @@
                           <m:sSup>
                             <m:sSupPr>
                               <m:ctrlPr>
-                                <a:rPr lang="en-US" sz="3200" i="1">
+                                <a:rPr lang="en-US" sz="2400" i="1">
                                   <a:solidFill>
                                     <a:schemeClr val="tx1"/>
                                   </a:solidFill>
@@ -13851,7 +13949,7 @@
                                 <m:rPr>
                                   <m:sty m:val="p"/>
                                 </m:rPr>
-                                <a:rPr lang="en-US" sz="3200">
+                                <a:rPr lang="en-US" sz="2400">
                                   <a:solidFill>
                                     <a:schemeClr val="tx1"/>
                                   </a:solidFill>
@@ -13865,7 +13963,7 @@
                                 <m:rPr>
                                   <m:sty m:val="p"/>
                                 </m:rPr>
-                                <a:rPr lang="en-US" sz="3200" baseline="30000">
+                                <a:rPr lang="en-US" sz="2400" baseline="30000">
                                   <a:solidFill>
                                     <a:schemeClr val="tx1"/>
                                   </a:solidFill>
@@ -13881,7 +13979,7 @@
                             <m:rPr>
                               <m:sty m:val="p"/>
                             </m:rPr>
-                            <a:rPr lang="en-US" sz="3200">
+                            <a:rPr lang="en-US" sz="2400">
                               <a:solidFill>
                                 <a:schemeClr val="tx1"/>
                               </a:solidFill>
@@ -13890,7 +13988,7 @@
                             <m:t>Γ</m:t>
                           </m:r>
                           <m:r>
-                            <a:rPr lang="en-US" sz="3200">
+                            <a:rPr lang="en-US" sz="2400">
                               <a:solidFill>
                                 <a:schemeClr val="tx1"/>
                               </a:solidFill>
@@ -13902,7 +14000,7 @@
                             <m:rPr>
                               <m:sty m:val="p"/>
                             </m:rPr>
-                            <a:rPr lang="en-US" sz="3200">
+                            <a:rPr lang="en-US" sz="2400">
                               <a:solidFill>
                                 <a:schemeClr val="tx1"/>
                               </a:solidFill>
@@ -13911,7 +14009,7 @@
                             <m:t>α</m:t>
                           </m:r>
                           <m:r>
-                            <a:rPr lang="en-US" sz="3200">
+                            <a:rPr lang="en-US" sz="2400">
                               <a:solidFill>
                                 <a:schemeClr val="tx1"/>
                               </a:solidFill>
@@ -13924,7 +14022,7 @@
                       <m:sSup>
                         <m:sSupPr>
                           <m:ctrlPr>
-                            <a:rPr lang="en-US" sz="3200" i="1">
+                            <a:rPr lang="en-US" sz="2400" i="1">
                               <a:solidFill>
                                 <a:schemeClr val="tx1"/>
                               </a:solidFill>
@@ -13937,7 +14035,7 @@
                             <m:rPr>
                               <m:sty m:val="p"/>
                             </m:rPr>
-                            <a:rPr lang="en-US" sz="3200">
+                            <a:rPr lang="en-US" sz="2400">
                               <a:solidFill>
                                 <a:schemeClr val="tx1"/>
                               </a:solidFill>
@@ -13951,7 +14049,7 @@
                             <m:rPr>
                               <m:sty m:val="p"/>
                             </m:rPr>
-                            <a:rPr lang="en-US" sz="3200" baseline="30000">
+                            <a:rPr lang="en-US" sz="2400" baseline="30000">
                               <a:solidFill>
                                 <a:schemeClr val="tx1"/>
                               </a:solidFill>
@@ -13960,7 +14058,7 @@
                             <m:t>α</m:t>
                           </m:r>
                           <m:r>
-                            <a:rPr lang="en-US" sz="3200" i="1" baseline="30000">
+                            <a:rPr lang="en-US" sz="2400" i="1" baseline="30000">
                               <a:solidFill>
                                 <a:schemeClr val="tx1"/>
                               </a:solidFill>
@@ -13969,7 +14067,7 @@
                             <m:t>−</m:t>
                           </m:r>
                           <m:r>
-                            <a:rPr lang="en-US" sz="3200" baseline="30000">
+                            <a:rPr lang="en-US" sz="2400" baseline="30000">
                               <a:solidFill>
                                 <a:schemeClr val="tx1"/>
                               </a:solidFill>
@@ -13982,7 +14080,7 @@
                       <m:sSup>
                         <m:sSupPr>
                           <m:ctrlPr>
-                            <a:rPr lang="en-US" sz="3200" i="1">
+                            <a:rPr lang="en-US" sz="2400" i="1">
                               <a:solidFill>
                                 <a:schemeClr val="tx1"/>
                               </a:solidFill>
@@ -13992,7 +14090,7 @@
                         </m:sSupPr>
                         <m:e>
                           <m:r>
-                            <a:rPr lang="en-US" sz="3200" i="1">
+                            <a:rPr lang="en-US" sz="2400" i="1">
                               <a:solidFill>
                                 <a:schemeClr val="tx1"/>
                               </a:solidFill>
@@ -14003,7 +14101,7 @@
                         </m:e>
                         <m:sup>
                           <m:r>
-                            <a:rPr lang="en-US" sz="3200" i="1">
+                            <a:rPr lang="en-US" sz="2400" i="1">
                               <a:solidFill>
                                 <a:schemeClr val="tx1"/>
                               </a:solidFill>
@@ -14015,7 +14113,7 @@
                             <m:rPr>
                               <m:sty m:val="p"/>
                             </m:rPr>
-                            <a:rPr lang="en-US" sz="3200">
+                            <a:rPr lang="en-US" sz="2400">
                               <a:solidFill>
                                 <a:schemeClr val="tx1"/>
                               </a:solidFill>
@@ -14030,7 +14128,7 @@
                           <m:chr m:val="∏"/>
                           <m:limLoc m:val="undOvr"/>
                           <m:ctrlPr>
-                            <a:rPr lang="en-US" sz="3200" i="1">
+                            <a:rPr lang="en-US" sz="2400" i="1">
                               <a:solidFill>
                                 <a:schemeClr val="tx1"/>
                               </a:solidFill>
@@ -14040,7 +14138,7 @@
                         </m:naryPr>
                         <m:sub>
                           <m:r>
-                            <a:rPr lang="en-US" sz="3200" i="1">
+                            <a:rPr lang="en-US" sz="2400" i="1">
                               <a:solidFill>
                                 <a:schemeClr val="tx1"/>
                               </a:solidFill>
@@ -14049,7 +14147,7 @@
                             <m:t>𝑖</m:t>
                           </m:r>
                           <m:r>
-                            <a:rPr lang="en-US" sz="3200" i="1">
+                            <a:rPr lang="en-US" sz="2400" i="1">
                               <a:solidFill>
                                 <a:schemeClr val="tx1"/>
                               </a:solidFill>
@@ -14060,7 +14158,7 @@
                         </m:sub>
                         <m:sup>
                           <m:r>
-                            <a:rPr lang="en-US" sz="3200" i="1">
+                            <a:rPr lang="en-US" sz="2400" i="1">
                               <a:solidFill>
                                 <a:schemeClr val="tx1"/>
                               </a:solidFill>
@@ -14073,7 +14171,7 @@
                           <m:sSup>
                             <m:sSupPr>
                               <m:ctrlPr>
-                                <a:rPr lang="en-US" sz="3200" i="1">
+                                <a:rPr lang="en-US" sz="2400" i="1">
                                   <a:solidFill>
                                     <a:schemeClr val="tx1"/>
                                   </a:solidFill>
@@ -14086,7 +14184,7 @@
                                 <m:rPr>
                                   <m:sty m:val="p"/>
                                 </m:rPr>
-                                <a:rPr lang="en-US" sz="3200">
+                                <a:rPr lang="en-US" sz="2400">
                                   <a:solidFill>
                                     <a:schemeClr val="tx1"/>
                                   </a:solidFill>
@@ -14095,7 +14193,7 @@
                                 <m:t>θ</m:t>
                               </m:r>
                               <m:r>
-                                <a:rPr lang="en-US" sz="3200" i="1">
+                                <a:rPr lang="en-US" sz="2400" i="1">
                                   <a:solidFill>
                                     <a:schemeClr val="tx1"/>
                                   </a:solidFill>
@@ -14106,7 +14204,7 @@
                             </m:e>
                             <m:sup>
                               <m:r>
-                                <a:rPr lang="en-US" sz="3200" i="1">
+                                <a:rPr lang="en-US" sz="2400" i="1">
                                   <a:solidFill>
                                     <a:schemeClr val="tx1"/>
                                   </a:solidFill>
@@ -14118,7 +14216,7 @@
                                 <m:rPr>
                                   <m:sty m:val="p"/>
                                 </m:rPr>
-                                <a:rPr lang="en-US" sz="3200">
+                                <a:rPr lang="en-US" sz="2400">
                                   <a:solidFill>
                                     <a:schemeClr val="tx1"/>
                                   </a:solidFill>
@@ -14129,7 +14227,7 @@
                               <m:sSub>
                                 <m:sSubPr>
                                   <m:ctrlPr>
-                                    <a:rPr lang="en-US" sz="3200" i="1">
+                                    <a:rPr lang="en-US" sz="2400" i="1">
                                       <a:solidFill>
                                         <a:schemeClr val="tx1"/>
                                       </a:solidFill>
@@ -14139,7 +14237,7 @@
                                 </m:sSubPr>
                                 <m:e>
                                   <m:r>
-                                    <a:rPr lang="en-US" sz="3200" i="1">
+                                    <a:rPr lang="en-US" sz="2400" i="1">
                                       <a:solidFill>
                                         <a:schemeClr val="tx1"/>
                                       </a:solidFill>
@@ -14150,7 +14248,7 @@
                                 </m:e>
                                 <m:sub>
                                   <m:r>
-                                    <a:rPr lang="en-US" sz="3200" i="1">
+                                    <a:rPr lang="en-US" sz="2400" i="1">
                                       <a:solidFill>
                                         <a:schemeClr val="tx1"/>
                                       </a:solidFill>
@@ -14167,7 +14265,7 @@
                     </m:oMath>
                   </m:oMathPara>
                 </a14:m>
-                <a:endParaRPr lang="en-US" sz="3200" dirty="0">
+                <a:endParaRPr lang="en-US" sz="2400" dirty="0">
                   <a:solidFill>
                     <a:schemeClr val="tx1"/>
                   </a:solidFill>
@@ -14177,7 +14275,7 @@
                 <a:pPr marL="45720" indent="0">
                   <a:buNone/>
                 </a:pPr>
-                <a:endParaRPr lang="en-US" sz="3200" dirty="0">
+                <a:endParaRPr lang="en-US" sz="2400" dirty="0">
                   <a:solidFill>
                     <a:schemeClr val="tx1"/>
                   </a:solidFill>
@@ -14194,7 +14292,7 @@
                     </m:oMathParaPr>
                     <m:oMath xmlns:m="http://schemas.openxmlformats.org/officeDocument/2006/math">
                       <m:r>
-                        <a:rPr lang="en-US" sz="3200" i="1">
+                        <a:rPr lang="en-US" sz="2400" i="1">
                           <a:solidFill>
                             <a:schemeClr val="tx1"/>
                           </a:solidFill>
@@ -14205,7 +14303,7 @@
                       <m:sSup>
                         <m:sSupPr>
                           <m:ctrlPr>
-                            <a:rPr lang="en-US" sz="3200" i="1">
+                            <a:rPr lang="en-US" sz="2400" i="1">
                               <a:solidFill>
                                 <a:schemeClr val="tx1"/>
                               </a:solidFill>
@@ -14218,7 +14316,7 @@
                             <m:rPr>
                               <m:sty m:val="p"/>
                             </m:rPr>
-                            <a:rPr lang="en-US" sz="3200">
+                            <a:rPr lang="en-US" sz="2400">
                               <a:solidFill>
                                 <a:schemeClr val="tx1"/>
                               </a:solidFill>
@@ -14232,7 +14330,7 @@
                             <m:rPr>
                               <m:sty m:val="p"/>
                             </m:rPr>
-                            <a:rPr lang="en-US" sz="3200" baseline="30000">
+                            <a:rPr lang="en-US" sz="2400" baseline="30000">
                               <a:solidFill>
                                 <a:schemeClr val="tx1"/>
                               </a:solidFill>
@@ -14241,7 +14339,7 @@
                             <m:t>α</m:t>
                           </m:r>
                           <m:r>
-                            <a:rPr lang="en-US" sz="3200" b="0" i="0" baseline="30000" smtClean="0">
+                            <a:rPr lang="en-US" sz="2400" b="0" i="0" baseline="30000" smtClean="0">
                               <a:solidFill>
                                 <a:schemeClr val="tx1"/>
                               </a:solidFill>
@@ -14253,7 +14351,7 @@
                             <m:rPr>
                               <m:sty m:val="p"/>
                             </m:rPr>
-                            <a:rPr lang="en-US" sz="3200" baseline="30000">
+                            <a:rPr lang="en-US" sz="2400" baseline="30000">
                               <a:solidFill>
                                 <a:schemeClr val="tx1"/>
                               </a:solidFill>
@@ -14262,7 +14360,7 @@
                             <m:t>n</m:t>
                           </m:r>
                           <m:r>
-                            <a:rPr lang="en-US" sz="3200" i="1" baseline="30000">
+                            <a:rPr lang="en-US" sz="2400" i="1" baseline="30000">
                               <a:solidFill>
                                 <a:schemeClr val="tx1"/>
                               </a:solidFill>
@@ -14271,7 +14369,7 @@
                             <m:t>−</m:t>
                           </m:r>
                           <m:r>
-                            <a:rPr lang="en-US" sz="3200" baseline="30000">
+                            <a:rPr lang="en-US" sz="2400" baseline="30000">
                               <a:solidFill>
                                 <a:schemeClr val="tx1"/>
                               </a:solidFill>
@@ -14284,7 +14382,7 @@
                       <m:sSup>
                         <m:sSupPr>
                           <m:ctrlPr>
-                            <a:rPr lang="en-US" sz="3200" i="1">
+                            <a:rPr lang="en-US" sz="2400" i="1">
                               <a:solidFill>
                                 <a:schemeClr val="tx1"/>
                               </a:solidFill>
@@ -14294,7 +14392,7 @@
                         </m:sSupPr>
                         <m:e>
                           <m:r>
-                            <a:rPr lang="en-US" sz="3200" i="1">
+                            <a:rPr lang="en-US" sz="2400" i="1">
                               <a:solidFill>
                                 <a:schemeClr val="tx1"/>
                               </a:solidFill>
@@ -14305,7 +14403,7 @@
                         </m:e>
                         <m:sup>
                           <m:r>
-                            <a:rPr lang="en-US" sz="3200" i="1">
+                            <a:rPr lang="en-US" sz="2400" i="1">
                               <a:solidFill>
                                 <a:schemeClr val="tx1"/>
                               </a:solidFill>
@@ -14314,7 +14412,7 @@
                             <m:t>−</m:t>
                           </m:r>
                           <m:r>
-                            <a:rPr lang="en-US" sz="3200">
+                            <a:rPr lang="en-US" sz="2400">
                               <a:solidFill>
                                 <a:schemeClr val="tx1"/>
                               </a:solidFill>
@@ -14326,7 +14424,7 @@
                             <m:rPr>
                               <m:sty m:val="p"/>
                             </m:rPr>
-                            <a:rPr lang="en-US" sz="3200">
+                            <a:rPr lang="en-US" sz="2400">
                               <a:solidFill>
                                 <a:schemeClr val="tx1"/>
                               </a:solidFill>
@@ -14335,7 +14433,7 @@
                             <m:t>β</m:t>
                           </m:r>
                           <m:r>
-                            <a:rPr lang="en-US" sz="3200">
+                            <a:rPr lang="en-US" sz="2400">
                               <a:solidFill>
                                 <a:schemeClr val="tx1"/>
                               </a:solidFill>
@@ -14348,7 +14446,7 @@
                               <m:chr m:val="∑"/>
                               <m:limLoc m:val="undOvr"/>
                               <m:ctrlPr>
-                                <a:rPr lang="en-US" sz="3200" i="1">
+                                <a:rPr lang="en-US" sz="2400" i="1">
                                   <a:solidFill>
                                     <a:schemeClr val="tx1"/>
                                   </a:solidFill>
@@ -14358,7 +14456,7 @@
                             </m:naryPr>
                             <m:sub>
                               <m:r>
-                                <a:rPr lang="en-US" sz="3200" i="1">
+                                <a:rPr lang="en-US" sz="2400" i="1">
                                   <a:solidFill>
                                     <a:schemeClr val="tx1"/>
                                   </a:solidFill>
@@ -14367,7 +14465,7 @@
                                 <m:t>𝑖</m:t>
                               </m:r>
                               <m:r>
-                                <a:rPr lang="en-US" sz="3200" i="1">
+                                <a:rPr lang="en-US" sz="2400" i="1">
                                   <a:solidFill>
                                     <a:schemeClr val="tx1"/>
                                   </a:solidFill>
@@ -14378,7 +14476,7 @@
                             </m:sub>
                             <m:sup>
                               <m:r>
-                                <a:rPr lang="en-US" sz="3200" i="1">
+                                <a:rPr lang="en-US" sz="2400" i="1">
                                   <a:solidFill>
                                     <a:schemeClr val="tx1"/>
                                   </a:solidFill>
@@ -14391,7 +14489,7 @@
                               <m:sSub>
                                 <m:sSubPr>
                                   <m:ctrlPr>
-                                    <a:rPr lang="en-US" sz="3200" i="1">
+                                    <a:rPr lang="en-US" sz="2400" i="1">
                                       <a:solidFill>
                                         <a:schemeClr val="tx1"/>
                                       </a:solidFill>
@@ -14401,7 +14499,7 @@
                                 </m:sSubPr>
                                 <m:e>
                                   <m:r>
-                                    <a:rPr lang="en-US" sz="3200" i="1">
+                                    <a:rPr lang="en-US" sz="2400" i="1">
                                       <a:solidFill>
                                         <a:schemeClr val="tx1"/>
                                       </a:solidFill>
@@ -14412,7 +14510,7 @@
                                 </m:e>
                                 <m:sub>
                                   <m:r>
-                                    <a:rPr lang="en-US" sz="3200" i="1">
+                                    <a:rPr lang="en-US" sz="2400" i="1">
                                       <a:solidFill>
                                         <a:schemeClr val="tx1"/>
                                       </a:solidFill>
@@ -14425,7 +14523,7 @@
                             </m:e>
                           </m:nary>
                           <m:r>
-                            <a:rPr lang="en-US" sz="3200">
+                            <a:rPr lang="en-US" sz="2400">
                               <a:solidFill>
                                 <a:schemeClr val="tx1"/>
                               </a:solidFill>
@@ -14437,7 +14535,7 @@
                             <m:rPr>
                               <m:sty m:val="p"/>
                             </m:rPr>
-                            <a:rPr lang="en-US" sz="3200">
+                            <a:rPr lang="en-US" sz="2400">
                               <a:solidFill>
                                 <a:schemeClr val="tx1"/>
                               </a:solidFill>
@@ -14450,7 +14548,7 @@
                     </m:oMath>
                   </m:oMathPara>
                 </a14:m>
-                <a:endParaRPr lang="en-US" sz="3200" dirty="0">
+                <a:endParaRPr lang="en-US" sz="2400" dirty="0">
                   <a:solidFill>
                     <a:schemeClr val="tx1"/>
                   </a:solidFill>
@@ -14460,7 +14558,7 @@
                 <a:pPr marL="45720" indent="0">
                   <a:buNone/>
                 </a:pPr>
-                <a:endParaRPr lang="en-US" sz="3200" dirty="0">
+                <a:endParaRPr lang="en-US" sz="2400" dirty="0">
                   <a:solidFill>
                     <a:schemeClr val="tx1"/>
                   </a:solidFill>
@@ -14477,7 +14575,7 @@
                     </m:oMathParaPr>
                     <m:oMath xmlns:m="http://schemas.openxmlformats.org/officeDocument/2006/math">
                       <m:r>
-                        <a:rPr lang="en-US" sz="3200" i="1">
+                        <a:rPr lang="en-US" sz="2400" i="1">
                           <a:solidFill>
                             <a:schemeClr val="tx1"/>
                           </a:solidFill>
@@ -14486,7 +14584,7 @@
                         <m:t>𝜃</m:t>
                       </m:r>
                       <m:r>
-                        <a:rPr lang="en-US" sz="3200" i="1">
+                        <a:rPr lang="en-US" sz="2400" i="1">
                           <a:solidFill>
                             <a:schemeClr val="tx1"/>
                           </a:solidFill>
@@ -14495,7 +14593,7 @@
                         <m:t>|</m:t>
                       </m:r>
                       <m:r>
-                        <a:rPr lang="en-US" sz="3200" i="1">
+                        <a:rPr lang="en-US" sz="2400" i="1">
                           <a:solidFill>
                             <a:schemeClr val="tx1"/>
                           </a:solidFill>
@@ -14504,7 +14602,7 @@
                         <m:t>𝑥</m:t>
                       </m:r>
                       <m:r>
-                        <a:rPr lang="en-US" sz="3200" i="1">
+                        <a:rPr lang="en-US" sz="2400" i="1">
                           <a:solidFill>
                             <a:schemeClr val="tx1"/>
                           </a:solidFill>
@@ -14513,7 +14611,7 @@
                         <m:t> ~ </m:t>
                       </m:r>
                       <m:r>
-                        <a:rPr lang="en-US" sz="3200" i="1">
+                        <a:rPr lang="en-US" sz="2400" i="1">
                           <a:solidFill>
                             <a:schemeClr val="tx1"/>
                           </a:solidFill>
@@ -14522,7 +14620,7 @@
                         <m:t>𝐺𝑎𝑚𝑚𝑎</m:t>
                       </m:r>
                       <m:r>
-                        <a:rPr lang="en-US" sz="3200" i="1">
+                        <a:rPr lang="en-US" sz="2400" i="1">
                           <a:solidFill>
                             <a:schemeClr val="tx1"/>
                           </a:solidFill>
@@ -14531,7 +14629,7 @@
                         <m:t>(</m:t>
                       </m:r>
                       <m:r>
-                        <a:rPr lang="en-US" sz="3200" i="1">
+                        <a:rPr lang="en-US" sz="2400" i="1">
                           <a:solidFill>
                             <a:schemeClr val="tx1"/>
                           </a:solidFill>
@@ -14540,7 +14638,7 @@
                         <m:t>𝛼</m:t>
                       </m:r>
                       <m:r>
-                        <a:rPr lang="en-US" sz="3200" i="1">
+                        <a:rPr lang="en-US" sz="2400" i="1">
                           <a:solidFill>
                             <a:schemeClr val="tx1"/>
                           </a:solidFill>
@@ -14549,7 +14647,7 @@
                         <m:t>+</m:t>
                       </m:r>
                       <m:r>
-                        <a:rPr lang="en-US" sz="3200" i="1">
+                        <a:rPr lang="en-US" sz="2400" i="1">
                           <a:solidFill>
                             <a:schemeClr val="tx1"/>
                           </a:solidFill>
@@ -14558,7 +14656,7 @@
                         <m:t>𝑛</m:t>
                       </m:r>
                       <m:r>
-                        <a:rPr lang="en-US" sz="3200" i="1">
+                        <a:rPr lang="en-US" sz="2400" i="1">
                           <a:solidFill>
                             <a:schemeClr val="tx1"/>
                           </a:solidFill>
@@ -14567,7 +14665,7 @@
                         <m:t> , </m:t>
                       </m:r>
                       <m:r>
-                        <a:rPr lang="en-US" sz="3200" i="1">
+                        <a:rPr lang="en-US" sz="2400" i="1">
                           <a:solidFill>
                             <a:schemeClr val="tx1"/>
                           </a:solidFill>
@@ -14576,7 +14674,7 @@
                         <m:t>𝛽</m:t>
                       </m:r>
                       <m:r>
-                        <a:rPr lang="en-US" sz="3200">
+                        <a:rPr lang="en-US" sz="2400">
                           <a:solidFill>
                             <a:schemeClr val="tx1"/>
                           </a:solidFill>
@@ -14589,7 +14687,7 @@
                           <m:chr m:val="∑"/>
                           <m:limLoc m:val="undOvr"/>
                           <m:ctrlPr>
-                            <a:rPr lang="en-US" sz="3200" i="1">
+                            <a:rPr lang="en-US" sz="2400" i="1">
                               <a:solidFill>
                                 <a:schemeClr val="tx1"/>
                               </a:solidFill>
@@ -14599,7 +14697,7 @@
                         </m:naryPr>
                         <m:sub>
                           <m:r>
-                            <a:rPr lang="en-US" sz="3200" i="1">
+                            <a:rPr lang="en-US" sz="2400" i="1">
                               <a:solidFill>
                                 <a:schemeClr val="tx1"/>
                               </a:solidFill>
@@ -14608,7 +14706,7 @@
                             <m:t>𝑖</m:t>
                           </m:r>
                           <m:r>
-                            <a:rPr lang="en-US" sz="3200" i="1">
+                            <a:rPr lang="en-US" sz="2400" i="1">
                               <a:solidFill>
                                 <a:schemeClr val="tx1"/>
                               </a:solidFill>
@@ -14619,7 +14717,7 @@
                         </m:sub>
                         <m:sup>
                           <m:r>
-                            <a:rPr lang="en-US" sz="3200" i="1">
+                            <a:rPr lang="en-US" sz="2400" i="1">
                               <a:solidFill>
                                 <a:schemeClr val="tx1"/>
                               </a:solidFill>
@@ -14632,7 +14730,7 @@
                           <m:sSub>
                             <m:sSubPr>
                               <m:ctrlPr>
-                                <a:rPr lang="en-US" sz="3200" i="1">
+                                <a:rPr lang="en-US" sz="2400" i="1">
                                   <a:solidFill>
                                     <a:schemeClr val="tx1"/>
                                   </a:solidFill>
@@ -14642,7 +14740,7 @@
                             </m:sSubPr>
                             <m:e>
                               <m:r>
-                                <a:rPr lang="en-US" sz="3200" i="1">
+                                <a:rPr lang="en-US" sz="2400" i="1">
                                   <a:solidFill>
                                     <a:schemeClr val="tx1"/>
                                   </a:solidFill>
@@ -14653,7 +14751,7 @@
                             </m:e>
                             <m:sub>
                               <m:r>
-                                <a:rPr lang="en-US" sz="3200" i="1">
+                                <a:rPr lang="en-US" sz="2400" i="1">
                                   <a:solidFill>
                                     <a:schemeClr val="tx1"/>
                                   </a:solidFill>
@@ -14666,7 +14764,7 @@
                         </m:e>
                       </m:nary>
                       <m:r>
-                        <a:rPr lang="en-US" sz="3200" i="1">
+                        <a:rPr lang="en-US" sz="2400" i="1">
                           <a:solidFill>
                             <a:schemeClr val="tx1"/>
                           </a:solidFill>
@@ -14677,7 +14775,7 @@
                     </m:oMath>
                   </m:oMathPara>
                 </a14:m>
-                <a:endParaRPr lang="en-US" sz="3200" dirty="0">
+                <a:endParaRPr lang="en-US" sz="2400" dirty="0">
                   <a:solidFill>
                     <a:schemeClr val="tx1"/>
                   </a:solidFill>
@@ -14688,7 +14786,7 @@
                   <a:buFont typeface="Corbel" pitchFamily="34" charset="0"/>
                   <a:buNone/>
                 </a:pPr>
-                <a:endParaRPr lang="en-US" dirty="0">
+                <a:endParaRPr lang="en-US" sz="1800" dirty="0">
                   <a:solidFill>
                     <a:schemeClr val="tx1"/>
                   </a:solidFill>
@@ -14714,7 +14812,7 @@
             </p:nvSpPr>
             <p:spPr>
               <a:xfrm>
-                <a:off x="4829175" y="1819274"/>
+                <a:off x="4840192" y="2017577"/>
                 <a:ext cx="5233988" cy="4714876"/>
               </a:xfrm>
               <a:prstGeom prst="rect">
@@ -14801,8 +14899,8 @@
           <a:chExt cx="0" cy="0"/>
         </a:xfrm>
       </p:grpSpPr>
-      <mc:AlternateContent xmlns:mc="http://schemas.openxmlformats.org/markup-compatibility/2006">
-        <mc:Choice xmlns:a14="http://schemas.microsoft.com/office/drawing/2010/main" Requires="a14">
+      <mc:AlternateContent xmlns:mc="http://schemas.openxmlformats.org/markup-compatibility/2006" xmlns:a14="http://schemas.microsoft.com/office/drawing/2010/main">
+        <mc:Choice Requires="a14">
           <p:sp>
             <p:nvSpPr>
               <p:cNvPr id="3" name="Content Placeholder 2">
@@ -15016,7 +15114,7 @@
             </p:txBody>
           </p:sp>
         </mc:Choice>
-        <mc:Fallback>
+        <mc:Fallback xmlns="">
           <p:sp>
             <p:nvSpPr>
               <p:cNvPr id="3" name="Content Placeholder 2">
@@ -15408,8 +15506,8 @@
           </a:p>
         </p:txBody>
       </p:sp>
-      <mc:AlternateContent xmlns:mc="http://schemas.openxmlformats.org/markup-compatibility/2006">
-        <mc:Choice xmlns:a14="http://schemas.microsoft.com/office/drawing/2010/main" Requires="a14">
+      <mc:AlternateContent xmlns:mc="http://schemas.openxmlformats.org/markup-compatibility/2006" xmlns:a14="http://schemas.microsoft.com/office/drawing/2010/main">
+        <mc:Choice Requires="a14">
           <p:sp>
             <p:nvSpPr>
               <p:cNvPr id="8" name="Content Placeholder 2">
@@ -16132,7 +16230,7 @@
             </p:txBody>
           </p:sp>
         </mc:Choice>
-        <mc:Fallback>
+        <mc:Fallback xmlns="">
           <p:sp>
             <p:nvSpPr>
               <p:cNvPr id="8" name="Content Placeholder 2">
@@ -16774,7 +16872,7 @@
             </p:nvSpPr>
             <p:spPr>
               <a:xfrm>
-                <a:off x="390525" y="1285875"/>
+                <a:off x="466725" y="1142656"/>
                 <a:ext cx="5314950" cy="4038600"/>
               </a:xfrm>
             </p:spPr>
@@ -17003,7 +17101,7 @@
                 </a:endParaRPr>
               </a:p>
               <a:p>
-                <a:endParaRPr lang="en-US" sz="2200" dirty="0">
+                <a:endParaRPr lang="en-US" sz="1200" dirty="0">
                   <a:solidFill>
                     <a:schemeClr val="tx1"/>
                   </a:solidFill>
@@ -17207,6 +17305,16 @@
                   </m:oMathPara>
                 </a14:m>
                 <a:endParaRPr lang="en-US" sz="2200" dirty="0">
+                  <a:solidFill>
+                    <a:schemeClr val="tx1"/>
+                  </a:solidFill>
+                </a:endParaRPr>
+              </a:p>
+              <a:p>
+                <a:pPr marL="0" indent="0">
+                  <a:buNone/>
+                </a:pPr>
+                <a:endParaRPr lang="en-US" sz="2000" dirty="0">
                   <a:solidFill>
                     <a:schemeClr val="tx1"/>
                   </a:solidFill>
@@ -17491,6 +17599,16 @@
                   </m:oMathPara>
                 </a14:m>
                 <a:endParaRPr lang="en-US" sz="2200" dirty="0">
+                  <a:solidFill>
+                    <a:schemeClr val="tx1"/>
+                  </a:solidFill>
+                </a:endParaRPr>
+              </a:p>
+              <a:p>
+                <a:pPr marL="0" indent="0">
+                  <a:buNone/>
+                </a:pPr>
+                <a:endParaRPr lang="en-US" sz="2400" dirty="0">
                   <a:solidFill>
                     <a:schemeClr val="tx1"/>
                   </a:solidFill>
@@ -17901,13 +18019,13 @@
             </p:nvSpPr>
             <p:spPr>
               <a:xfrm>
-                <a:off x="390525" y="1285875"/>
+                <a:off x="466725" y="1142656"/>
                 <a:ext cx="5314950" cy="4038600"/>
               </a:xfrm>
               <a:blipFill>
                 <a:blip r:embed="rId3"/>
                 <a:stretch>
-                  <a:fillRect l="-688" t="-1208" b="-4834"/>
+                  <a:fillRect l="-804" t="-1056" b="-23982"/>
                 </a:stretch>
               </a:blipFill>
             </p:spPr>
@@ -17944,7 +18062,7 @@
             </p:nvSpPr>
             <p:spPr>
               <a:xfrm>
-                <a:off x="5366385" y="1285875"/>
+                <a:off x="5424111" y="1304810"/>
                 <a:ext cx="5314950" cy="4038600"/>
               </a:xfrm>
               <a:prstGeom prst="rect">
@@ -18191,6 +18309,16 @@
                   </a:rPr>
                   <a:t>The confidence interval is given by:</a:t>
                 </a:r>
+              </a:p>
+              <a:p>
+                <a:pPr marL="0" indent="0">
+                  <a:buNone/>
+                </a:pPr>
+                <a:endParaRPr lang="en-US" sz="2200" dirty="0">
+                  <a:solidFill>
+                    <a:schemeClr val="tx1"/>
+                  </a:solidFill>
+                </a:endParaRPr>
               </a:p>
               <a:p>
                 <a:pPr marL="0" indent="0">
@@ -19015,7 +19143,7 @@
             </p:nvSpPr>
             <p:spPr>
               <a:xfrm>
-                <a:off x="5366385" y="1285875"/>
+                <a:off x="5424111" y="1304810"/>
                 <a:ext cx="5314950" cy="4038600"/>
               </a:xfrm>
               <a:prstGeom prst="rect">
@@ -19024,7 +19152,7 @@
               <a:blipFill>
                 <a:blip r:embed="rId4"/>
                 <a:stretch>
-                  <a:fillRect l="-688" t="-1208"/>
+                  <a:fillRect l="-803" t="-1207"/>
                 </a:stretch>
               </a:blipFill>
             </p:spPr>
